--- a/docs/songs_2024-06-16.pptx
+++ b/docs/songs_2024-06-16.pptx
@@ -5,49 +5,58 @@
     <p:sldMasterId id="2147483648" r:id="rId1"/>
   </p:sldMasterIdLst>
   <p:notesMasterIdLst>
-    <p:notesMasterId r:id="rId42"/>
+    <p:notesMasterId r:id="rId51"/>
   </p:notesMasterIdLst>
   <p:sldIdLst>
     <p:sldId id="950" r:id="rId2"/>
     <p:sldId id="1059" r:id="rId3"/>
     <p:sldId id="1055" r:id="rId4"/>
     <p:sldId id="1197" r:id="rId5"/>
-    <p:sldId id="1198" r:id="rId6"/>
-    <p:sldId id="1199" r:id="rId7"/>
-    <p:sldId id="1200" r:id="rId8"/>
-    <p:sldId id="1201" r:id="rId9"/>
+    <p:sldId id="1199" r:id="rId6"/>
+    <p:sldId id="1200" r:id="rId7"/>
+    <p:sldId id="1201" r:id="rId8"/>
+    <p:sldId id="1207" r:id="rId9"/>
     <p:sldId id="1090" r:id="rId10"/>
-    <p:sldId id="1091" r:id="rId11"/>
-    <p:sldId id="518" r:id="rId12"/>
-    <p:sldId id="520" r:id="rId13"/>
-    <p:sldId id="521" r:id="rId14"/>
-    <p:sldId id="522" r:id="rId15"/>
-    <p:sldId id="523" r:id="rId16"/>
-    <p:sldId id="524" r:id="rId17"/>
-    <p:sldId id="525" r:id="rId18"/>
-    <p:sldId id="1184" r:id="rId19"/>
-    <p:sldId id="1085" r:id="rId20"/>
-    <p:sldId id="1086" r:id="rId21"/>
-    <p:sldId id="1087" r:id="rId22"/>
-    <p:sldId id="1088" r:id="rId23"/>
-    <p:sldId id="1089" r:id="rId24"/>
-    <p:sldId id="1190" r:id="rId25"/>
-    <p:sldId id="1191" r:id="rId26"/>
-    <p:sldId id="1192" r:id="rId27"/>
-    <p:sldId id="1193" r:id="rId28"/>
-    <p:sldId id="1194" r:id="rId29"/>
-    <p:sldId id="1195" r:id="rId30"/>
-    <p:sldId id="1196" r:id="rId31"/>
-    <p:sldId id="526" r:id="rId32"/>
-    <p:sldId id="709" r:id="rId33"/>
-    <p:sldId id="710" r:id="rId34"/>
-    <p:sldId id="711" r:id="rId35"/>
-    <p:sldId id="954" r:id="rId36"/>
-    <p:sldId id="1189" r:id="rId37"/>
-    <p:sldId id="1171" r:id="rId38"/>
-    <p:sldId id="1130" r:id="rId39"/>
-    <p:sldId id="1122" r:id="rId40"/>
-    <p:sldId id="946" r:id="rId41"/>
+    <p:sldId id="1208" r:id="rId11"/>
+    <p:sldId id="1202" r:id="rId12"/>
+    <p:sldId id="1209" r:id="rId13"/>
+    <p:sldId id="1204" r:id="rId14"/>
+    <p:sldId id="1205" r:id="rId15"/>
+    <p:sldId id="518" r:id="rId16"/>
+    <p:sldId id="520" r:id="rId17"/>
+    <p:sldId id="521" r:id="rId18"/>
+    <p:sldId id="522" r:id="rId19"/>
+    <p:sldId id="523" r:id="rId20"/>
+    <p:sldId id="1210" r:id="rId21"/>
+    <p:sldId id="1211" r:id="rId22"/>
+    <p:sldId id="524" r:id="rId23"/>
+    <p:sldId id="525" r:id="rId24"/>
+    <p:sldId id="1212" r:id="rId25"/>
+    <p:sldId id="1184" r:id="rId26"/>
+    <p:sldId id="1085" r:id="rId27"/>
+    <p:sldId id="1086" r:id="rId28"/>
+    <p:sldId id="1087" r:id="rId29"/>
+    <p:sldId id="1088" r:id="rId30"/>
+    <p:sldId id="1213" r:id="rId31"/>
+    <p:sldId id="1089" r:id="rId32"/>
+    <p:sldId id="1214" r:id="rId33"/>
+    <p:sldId id="1190" r:id="rId34"/>
+    <p:sldId id="1191" r:id="rId35"/>
+    <p:sldId id="1192" r:id="rId36"/>
+    <p:sldId id="1193" r:id="rId37"/>
+    <p:sldId id="1194" r:id="rId38"/>
+    <p:sldId id="1215" r:id="rId39"/>
+    <p:sldId id="1196" r:id="rId40"/>
+    <p:sldId id="526" r:id="rId41"/>
+    <p:sldId id="709" r:id="rId42"/>
+    <p:sldId id="710" r:id="rId43"/>
+    <p:sldId id="711" r:id="rId44"/>
+    <p:sldId id="954" r:id="rId45"/>
+    <p:sldId id="1189" r:id="rId46"/>
+    <p:sldId id="1171" r:id="rId47"/>
+    <p:sldId id="1130" r:id="rId48"/>
+    <p:sldId id="1122" r:id="rId49"/>
+    <p:sldId id="946" r:id="rId50"/>
   </p:sldIdLst>
   <p:sldSz cx="9144000" cy="6858000" type="screen4x3"/>
   <p:notesSz cx="6858000" cy="9144000"/>
@@ -155,31 +164,40 @@
             <p14:sldId id="1059"/>
             <p14:sldId id="1055"/>
             <p14:sldId id="1197"/>
-            <p14:sldId id="1198"/>
             <p14:sldId id="1199"/>
             <p14:sldId id="1200"/>
             <p14:sldId id="1201"/>
+            <p14:sldId id="1207"/>
             <p14:sldId id="1090"/>
-            <p14:sldId id="1091"/>
+            <p14:sldId id="1208"/>
+            <p14:sldId id="1202"/>
+            <p14:sldId id="1209"/>
+            <p14:sldId id="1204"/>
+            <p14:sldId id="1205"/>
             <p14:sldId id="518"/>
             <p14:sldId id="520"/>
             <p14:sldId id="521"/>
             <p14:sldId id="522"/>
             <p14:sldId id="523"/>
+            <p14:sldId id="1210"/>
+            <p14:sldId id="1211"/>
             <p14:sldId id="524"/>
             <p14:sldId id="525"/>
+            <p14:sldId id="1212"/>
             <p14:sldId id="1184"/>
             <p14:sldId id="1085"/>
             <p14:sldId id="1086"/>
             <p14:sldId id="1087"/>
             <p14:sldId id="1088"/>
+            <p14:sldId id="1213"/>
             <p14:sldId id="1089"/>
+            <p14:sldId id="1214"/>
             <p14:sldId id="1190"/>
             <p14:sldId id="1191"/>
             <p14:sldId id="1192"/>
             <p14:sldId id="1193"/>
             <p14:sldId id="1194"/>
-            <p14:sldId id="1195"/>
+            <p14:sldId id="1215"/>
             <p14:sldId id="1196"/>
             <p14:sldId id="526"/>
             <p14:sldId id="709"/>
@@ -295,7 +313,7 @@
           <a:p>
             <a:fld id="{C57EAEFC-A9C7-464E-BE3F-33D4DD72E122}" type="datetimeFigureOut">
               <a:rPr lang="en-GB" smtClean="0"/>
-              <a:t>10/06/2024</a:t>
+              <a:t>14/06/2024</a:t>
             </a:fld>
             <a:endParaRPr lang="en-GB"/>
           </a:p>
@@ -856,7 +874,7 @@
           <a:p>
             <a:fld id="{E79B61DE-1D46-4752-AF65-FA2C4EB0D1D0}" type="slidenum">
               <a:rPr lang="en-GB" smtClean="0"/>
-              <a:t>18</a:t>
+              <a:t>25</a:t>
             </a:fld>
             <a:endParaRPr lang="en-GB"/>
           </a:p>
@@ -940,7 +958,7 @@
           <a:p>
             <a:fld id="{E79B61DE-1D46-4752-AF65-FA2C4EB0D1D0}" type="slidenum">
               <a:rPr lang="en-GB" smtClean="0"/>
-              <a:t>35</a:t>
+              <a:t>44</a:t>
             </a:fld>
             <a:endParaRPr lang="en-GB"/>
           </a:p>
@@ -1024,7 +1042,7 @@
           <a:p>
             <a:fld id="{E79B61DE-1D46-4752-AF65-FA2C4EB0D1D0}" type="slidenum">
               <a:rPr lang="en-GB" smtClean="0"/>
-              <a:t>40</a:t>
+              <a:t>49</a:t>
             </a:fld>
             <a:endParaRPr lang="en-GB"/>
           </a:p>
@@ -1225,7 +1243,7 @@
             <a:fld id="{26EA1CF3-4A15-4CBF-9A5A-6A56C368BE71}" type="datetimeFigureOut">
               <a:rPr lang="en-GB" smtClean="0"/>
               <a:pPr/>
-              <a:t>10/06/2024</a:t>
+              <a:t>14/06/2024</a:t>
             </a:fld>
             <a:endParaRPr lang="en-GB"/>
           </a:p>
@@ -1392,7 +1410,7 @@
             <a:fld id="{26EA1CF3-4A15-4CBF-9A5A-6A56C368BE71}" type="datetimeFigureOut">
               <a:rPr lang="en-GB" smtClean="0"/>
               <a:pPr/>
-              <a:t>10/06/2024</a:t>
+              <a:t>14/06/2024</a:t>
             </a:fld>
             <a:endParaRPr lang="en-GB"/>
           </a:p>
@@ -1569,7 +1587,7 @@
             <a:fld id="{26EA1CF3-4A15-4CBF-9A5A-6A56C368BE71}" type="datetimeFigureOut">
               <a:rPr lang="en-GB" smtClean="0"/>
               <a:pPr/>
-              <a:t>10/06/2024</a:t>
+              <a:t>14/06/2024</a:t>
             </a:fld>
             <a:endParaRPr lang="en-GB"/>
           </a:p>
@@ -1736,7 +1754,7 @@
             <a:fld id="{26EA1CF3-4A15-4CBF-9A5A-6A56C368BE71}" type="datetimeFigureOut">
               <a:rPr lang="en-GB" smtClean="0"/>
               <a:pPr/>
-              <a:t>10/06/2024</a:t>
+              <a:t>14/06/2024</a:t>
             </a:fld>
             <a:endParaRPr lang="en-GB"/>
           </a:p>
@@ -1979,7 +1997,7 @@
             <a:fld id="{26EA1CF3-4A15-4CBF-9A5A-6A56C368BE71}" type="datetimeFigureOut">
               <a:rPr lang="en-GB" smtClean="0"/>
               <a:pPr/>
-              <a:t>10/06/2024</a:t>
+              <a:t>14/06/2024</a:t>
             </a:fld>
             <a:endParaRPr lang="en-GB"/>
           </a:p>
@@ -2264,7 +2282,7 @@
             <a:fld id="{26EA1CF3-4A15-4CBF-9A5A-6A56C368BE71}" type="datetimeFigureOut">
               <a:rPr lang="en-GB" smtClean="0"/>
               <a:pPr/>
-              <a:t>10/06/2024</a:t>
+              <a:t>14/06/2024</a:t>
             </a:fld>
             <a:endParaRPr lang="en-GB"/>
           </a:p>
@@ -2683,7 +2701,7 @@
             <a:fld id="{26EA1CF3-4A15-4CBF-9A5A-6A56C368BE71}" type="datetimeFigureOut">
               <a:rPr lang="en-GB" smtClean="0"/>
               <a:pPr/>
-              <a:t>10/06/2024</a:t>
+              <a:t>14/06/2024</a:t>
             </a:fld>
             <a:endParaRPr lang="en-GB"/>
           </a:p>
@@ -2798,7 +2816,7 @@
             <a:fld id="{26EA1CF3-4A15-4CBF-9A5A-6A56C368BE71}" type="datetimeFigureOut">
               <a:rPr lang="en-GB" smtClean="0"/>
               <a:pPr/>
-              <a:t>10/06/2024</a:t>
+              <a:t>14/06/2024</a:t>
             </a:fld>
             <a:endParaRPr lang="en-GB"/>
           </a:p>
@@ -2890,7 +2908,7 @@
             <a:fld id="{26EA1CF3-4A15-4CBF-9A5A-6A56C368BE71}" type="datetimeFigureOut">
               <a:rPr lang="en-GB" smtClean="0"/>
               <a:pPr/>
-              <a:t>10/06/2024</a:t>
+              <a:t>14/06/2024</a:t>
             </a:fld>
             <a:endParaRPr lang="en-GB"/>
           </a:p>
@@ -3164,7 +3182,7 @@
             <a:fld id="{26EA1CF3-4A15-4CBF-9A5A-6A56C368BE71}" type="datetimeFigureOut">
               <a:rPr lang="en-GB" smtClean="0"/>
               <a:pPr/>
-              <a:t>10/06/2024</a:t>
+              <a:t>14/06/2024</a:t>
             </a:fld>
             <a:endParaRPr lang="en-GB"/>
           </a:p>
@@ -3414,7 +3432,7 @@
             <a:fld id="{26EA1CF3-4A15-4CBF-9A5A-6A56C368BE71}" type="datetimeFigureOut">
               <a:rPr lang="en-GB" smtClean="0"/>
               <a:pPr/>
-              <a:t>10/06/2024</a:t>
+              <a:t>14/06/2024</a:t>
             </a:fld>
             <a:endParaRPr lang="en-GB"/>
           </a:p>
@@ -3623,7 +3641,7 @@
             <a:fld id="{26EA1CF3-4A15-4CBF-9A5A-6A56C368BE71}" type="datetimeFigureOut">
               <a:rPr lang="en-GB" smtClean="0"/>
               <a:pPr/>
-              <a:t>10/06/2024</a:t>
+              <a:t>14/06/2024</a:t>
             </a:fld>
             <a:endParaRPr lang="en-GB"/>
           </a:p>
@@ -4804,7 +4822,7 @@
                   <a:schemeClr val="bg1"/>
                 </a:solidFill>
               </a:rPr>
-              <a:t>I’m so blessed hallelujah I’m blessed</a:t>
+              <a:t>I’m so blessed, I’m so blessed</a:t>
             </a:r>
           </a:p>
           <a:p>
@@ -4814,7 +4832,7 @@
                   <a:schemeClr val="bg1"/>
                 </a:solidFill>
               </a:rPr>
-              <a:t>I’m so blessed hallelujah I’m blessed</a:t>
+              <a:t>Got this heartbeat in my chest</a:t>
             </a:r>
           </a:p>
           <a:p>
@@ -4834,21 +4852,37 @@
                   <a:schemeClr val="bg1"/>
                 </a:solidFill>
               </a:rPr>
-              <a:t>If I got You Lord hallelujah I’m blessed</a:t>
-            </a:r>
-          </a:p>
-        </p:txBody>
-      </p:sp>
-      <p:sp>
-        <p:nvSpPr>
-          <p:cNvPr id="4" name="TextBox 3"/>
+              <a:t>If I got You Lord I’m so blessed</a:t>
+            </a:r>
+          </a:p>
+          <a:p>
+            <a:r>
+              <a:rPr lang="en-GB" sz="4400" dirty="0">
+                <a:solidFill>
+                  <a:schemeClr val="bg1"/>
+                </a:solidFill>
+              </a:rPr>
+              <a:t>(2ce)</a:t>
+            </a:r>
+          </a:p>
+        </p:txBody>
+      </p:sp>
+      <p:sp>
+        <p:nvSpPr>
+          <p:cNvPr id="2" name="TextBox 1">
+            <a:extLst>
+              <a:ext uri="{FF2B5EF4-FFF2-40B4-BE49-F238E27FC236}">
+                <a16:creationId xmlns:a16="http://schemas.microsoft.com/office/drawing/2014/main" id="{8F2BE053-3494-E9E6-C38A-6DDC8CE7EA85}"/>
+              </a:ext>
+            </a:extLst>
+          </p:cNvPr>
           <p:cNvSpPr txBox="1"/>
           <p:nvPr/>
         </p:nvSpPr>
         <p:spPr>
           <a:xfrm>
-            <a:off x="8529729" y="0"/>
-            <a:ext cx="628698" cy="461665"/>
+            <a:off x="8028384" y="116632"/>
+            <a:ext cx="784189" cy="461665"/>
           </a:xfrm>
           <a:prstGeom prst="rect">
             <a:avLst/>
@@ -4867,7 +4901,7 @@
                   <a:schemeClr val="bg1"/>
                 </a:solidFill>
               </a:rPr>
-              <a:t>6/6</a:t>
+              <a:t>6/10</a:t>
             </a:r>
           </a:p>
         </p:txBody>
@@ -4875,7 +4909,7 @@
     </p:spTree>
     <p:extLst>
       <p:ext uri="{BB962C8B-B14F-4D97-AF65-F5344CB8AC3E}">
-        <p14:creationId xmlns:p14="http://schemas.microsoft.com/office/powerpoint/2010/main" val="309771139"/>
+        <p14:creationId xmlns:p14="http://schemas.microsoft.com/office/powerpoint/2010/main" val="4050026150"/>
       </p:ext>
     </p:extLst>
   </p:cSld>
@@ -4914,7 +4948,7 @@
         </p:nvSpPr>
         <p:spPr>
           <a:xfrm>
-            <a:off x="323528" y="188640"/>
+            <a:off x="251520" y="764704"/>
             <a:ext cx="8640960" cy="6480720"/>
           </a:xfrm>
         </p:spPr>
@@ -4924,132 +4958,92 @@
           </a:bodyPr>
           <a:lstStyle/>
           <a:p>
-            <a:endParaRPr lang="en-GB" sz="5400" dirty="0">
-              <a:solidFill>
-                <a:schemeClr val="bg1"/>
-              </a:solidFill>
-            </a:endParaRPr>
-          </a:p>
-          <a:p>
-            <a:r>
-              <a:rPr lang="en-GB" sz="4400" b="0" i="0" dirty="0">
-                <a:solidFill>
-                  <a:srgbClr val="00A3E0"/>
-                </a:solidFill>
-                <a:effectLst/>
-                <a:latin typeface="akagi_probook"/>
-              </a:rPr>
-              <a:t>Turn It Up</a:t>
-            </a:r>
-          </a:p>
-          <a:p>
-            <a:br>
-              <a:rPr lang="en-GB" sz="1200" dirty="0">
-                <a:solidFill>
-                  <a:schemeClr val="bg1"/>
-                </a:solidFill>
-              </a:rPr>
-            </a:br>
-            <a:r>
-              <a:rPr lang="en-GB" sz="1200" dirty="0">
-                <a:solidFill>
-                  <a:schemeClr val="bg1"/>
-                </a:solidFill>
-              </a:rPr>
-              <a:t>CCLI Song # 6621485</a:t>
-            </a:r>
-          </a:p>
-          <a:p>
-            <a:endParaRPr lang="en-GB" sz="1200" dirty="0">
-              <a:solidFill>
-                <a:schemeClr val="bg1"/>
-              </a:solidFill>
-            </a:endParaRPr>
-          </a:p>
-          <a:p>
-            <a:r>
-              <a:rPr lang="en-GB" sz="1200" dirty="0">
-                <a:solidFill>
-                  <a:schemeClr val="bg1"/>
-                </a:solidFill>
-              </a:rPr>
-              <a:t>Andy Harrison</a:t>
-            </a:r>
-          </a:p>
-          <a:p>
-            <a:endParaRPr lang="en-GB" sz="1200" dirty="0">
-              <a:solidFill>
-                <a:schemeClr val="bg1"/>
-              </a:solidFill>
-            </a:endParaRPr>
-          </a:p>
-          <a:p>
-            <a:r>
-              <a:rPr lang="en-GB" sz="1200" dirty="0">
-                <a:solidFill>
-                  <a:schemeClr val="bg1"/>
-                </a:solidFill>
-              </a:rPr>
-              <a:t>© 2012 </a:t>
-            </a:r>
-            <a:r>
-              <a:rPr lang="en-GB" sz="1200" dirty="0" err="1">
-                <a:solidFill>
-                  <a:schemeClr val="bg1"/>
-                </a:solidFill>
-              </a:rPr>
-              <a:t>Planetshakers</a:t>
-            </a:r>
-            <a:r>
-              <a:rPr lang="en-GB" sz="1200" dirty="0">
-                <a:solidFill>
-                  <a:schemeClr val="bg1"/>
-                </a:solidFill>
-              </a:rPr>
-              <a:t> Ministries Int. Inc. (Admin. by Song Solutions www.songsolutions.org)</a:t>
-            </a:r>
-          </a:p>
-          <a:p>
-            <a:r>
-              <a:rPr lang="en-GB" sz="1200" dirty="0">
-                <a:solidFill>
-                  <a:schemeClr val="bg1"/>
-                </a:solidFill>
-              </a:rPr>
-              <a:t>For use solely with the </a:t>
-            </a:r>
-            <a:r>
-              <a:rPr lang="en-GB" sz="1200" dirty="0" err="1">
-                <a:solidFill>
-                  <a:schemeClr val="bg1"/>
-                </a:solidFill>
-              </a:rPr>
-              <a:t>SongSelect</a:t>
-            </a:r>
-            <a:r>
-              <a:rPr lang="en-GB" sz="1200" dirty="0">
-                <a:solidFill>
-                  <a:schemeClr val="bg1"/>
-                </a:solidFill>
-              </a:rPr>
-              <a:t>® Terms of Use. All rights reserved. www.ccli.com</a:t>
-            </a:r>
-          </a:p>
-          <a:p>
-            <a:endParaRPr lang="en-GB" sz="1200" dirty="0">
-              <a:solidFill>
-                <a:schemeClr val="bg1"/>
-              </a:solidFill>
-            </a:endParaRPr>
-          </a:p>
-          <a:p>
-            <a:r>
-              <a:rPr lang="en-GB" sz="1200" dirty="0">
-                <a:solidFill>
-                  <a:schemeClr val="bg1"/>
-                </a:solidFill>
-              </a:rPr>
-              <a:t>CCLI Licence No. 33265</a:t>
+            <a:r>
+              <a:rPr lang="en-GB" sz="4400" dirty="0">
+                <a:solidFill>
+                  <a:schemeClr val="bg1"/>
+                </a:solidFill>
+              </a:rPr>
+              <a:t>Cos on my best day I’m a child of God</a:t>
+            </a:r>
+          </a:p>
+          <a:p>
+            <a:r>
+              <a:rPr lang="en-GB" sz="4400" dirty="0">
+                <a:solidFill>
+                  <a:schemeClr val="bg1"/>
+                </a:solidFill>
+              </a:rPr>
+              <a:t>On my worst day I’m a child of God</a:t>
+            </a:r>
+          </a:p>
+          <a:p>
+            <a:r>
+              <a:rPr lang="en-GB" sz="4400" dirty="0">
+                <a:solidFill>
+                  <a:schemeClr val="bg1"/>
+                </a:solidFill>
+              </a:rPr>
+              <a:t>Oh everyday is a good day</a:t>
+            </a:r>
+          </a:p>
+          <a:p>
+            <a:r>
+              <a:rPr lang="en-GB" sz="4400" dirty="0">
+                <a:solidFill>
+                  <a:schemeClr val="bg1"/>
+                </a:solidFill>
+              </a:rPr>
+              <a:t>You’re the reason why</a:t>
+            </a:r>
+          </a:p>
+          <a:p>
+            <a:r>
+              <a:rPr lang="en-GB" sz="4400" dirty="0">
+                <a:solidFill>
+                  <a:schemeClr val="bg1"/>
+                </a:solidFill>
+              </a:rPr>
+              <a:t>(2ce)</a:t>
+            </a:r>
+          </a:p>
+        </p:txBody>
+      </p:sp>
+      <p:sp>
+        <p:nvSpPr>
+          <p:cNvPr id="2" name="TextBox 1">
+            <a:extLst>
+              <a:ext uri="{FF2B5EF4-FFF2-40B4-BE49-F238E27FC236}">
+                <a16:creationId xmlns:a16="http://schemas.microsoft.com/office/drawing/2014/main" id="{FBF09814-E80D-8FBE-8215-CF1E15D3B01F}"/>
+              </a:ext>
+            </a:extLst>
+          </p:cNvPr>
+          <p:cNvSpPr txBox="1"/>
+          <p:nvPr/>
+        </p:nvSpPr>
+        <p:spPr>
+          <a:xfrm>
+            <a:off x="8028384" y="116632"/>
+            <a:ext cx="784189" cy="461665"/>
+          </a:xfrm>
+          <a:prstGeom prst="rect">
+            <a:avLst/>
+          </a:prstGeom>
+          <a:noFill/>
+        </p:spPr>
+        <p:txBody>
+          <a:bodyPr wrap="none" rtlCol="0">
+            <a:spAutoFit/>
+          </a:bodyPr>
+          <a:lstStyle/>
+          <a:p>
+            <a:r>
+              <a:rPr lang="en-GB" sz="2400" b="1" dirty="0">
+                <a:solidFill>
+                  <a:schemeClr val="bg1"/>
+                </a:solidFill>
+              </a:rPr>
+              <a:t>7/10</a:t>
             </a:r>
           </a:p>
         </p:txBody>
@@ -5057,7 +5051,7 @@
     </p:spTree>
     <p:extLst>
       <p:ext uri="{BB962C8B-B14F-4D97-AF65-F5344CB8AC3E}">
-        <p14:creationId xmlns:p14="http://schemas.microsoft.com/office/powerpoint/2010/main" val="2940382954"/>
+        <p14:creationId xmlns:p14="http://schemas.microsoft.com/office/powerpoint/2010/main" val="3961421223"/>
       </p:ext>
     </p:extLst>
   </p:cSld>
@@ -5096,7 +5090,7 @@
         </p:nvSpPr>
         <p:spPr>
           <a:xfrm>
-            <a:off x="323528" y="620688"/>
+            <a:off x="251520" y="764704"/>
             <a:ext cx="8640960" cy="6480720"/>
           </a:xfrm>
         </p:spPr>
@@ -5107,56 +5101,72 @@
           <a:lstStyle/>
           <a:p>
             <a:r>
-              <a:rPr lang="en-GB" sz="4000" dirty="0">
-                <a:solidFill>
-                  <a:schemeClr val="bg1"/>
-                </a:solidFill>
-              </a:rPr>
-              <a:t>You are here as we lift You up</a:t>
-            </a:r>
-          </a:p>
-          <a:p>
-            <a:r>
-              <a:rPr lang="en-GB" sz="4000" dirty="0">
-                <a:solidFill>
-                  <a:schemeClr val="bg1"/>
-                </a:solidFill>
-              </a:rPr>
-              <a:t>You are riding on our praise</a:t>
-            </a:r>
-          </a:p>
-          <a:p>
-            <a:r>
-              <a:rPr lang="en-GB" sz="4000" dirty="0">
-                <a:solidFill>
-                  <a:schemeClr val="bg1"/>
-                </a:solidFill>
-              </a:rPr>
-              <a:t>Be enthroned over everything</a:t>
-            </a:r>
-          </a:p>
-          <a:p>
-            <a:r>
-              <a:rPr lang="en-GB" sz="4000" dirty="0">
-                <a:solidFill>
-                  <a:schemeClr val="bg1"/>
-                </a:solidFill>
-              </a:rPr>
-              <a:t>You are seated in our praise</a:t>
-            </a:r>
-          </a:p>
-        </p:txBody>
-      </p:sp>
-      <p:sp>
-        <p:nvSpPr>
-          <p:cNvPr id="4" name="TextBox 3"/>
+              <a:rPr lang="en-GB" sz="4400" dirty="0">
+                <a:solidFill>
+                  <a:schemeClr val="bg1"/>
+                </a:solidFill>
+              </a:rPr>
+              <a:t>I’m so blessed, I’m so blessed</a:t>
+            </a:r>
+          </a:p>
+          <a:p>
+            <a:r>
+              <a:rPr lang="en-GB" sz="4400" dirty="0">
+                <a:solidFill>
+                  <a:schemeClr val="bg1"/>
+                </a:solidFill>
+              </a:rPr>
+              <a:t>Got this heartbeat in my chest</a:t>
+            </a:r>
+          </a:p>
+          <a:p>
+            <a:r>
+              <a:rPr lang="en-GB" sz="4400" dirty="0">
+                <a:solidFill>
+                  <a:schemeClr val="bg1"/>
+                </a:solidFill>
+              </a:rPr>
+              <a:t>No it doesn’t matter about the rest</a:t>
+            </a:r>
+          </a:p>
+          <a:p>
+            <a:r>
+              <a:rPr lang="en-GB" sz="4400" dirty="0">
+                <a:solidFill>
+                  <a:schemeClr val="bg1"/>
+                </a:solidFill>
+              </a:rPr>
+              <a:t>If I got You Lord I’m so blessed</a:t>
+            </a:r>
+          </a:p>
+          <a:p>
+            <a:r>
+              <a:rPr lang="en-GB" sz="4400" dirty="0">
+                <a:solidFill>
+                  <a:schemeClr val="bg1"/>
+                </a:solidFill>
+              </a:rPr>
+              <a:t>(2ce)</a:t>
+            </a:r>
+          </a:p>
+        </p:txBody>
+      </p:sp>
+      <p:sp>
+        <p:nvSpPr>
+          <p:cNvPr id="2" name="TextBox 1">
+            <a:extLst>
+              <a:ext uri="{FF2B5EF4-FFF2-40B4-BE49-F238E27FC236}">
+                <a16:creationId xmlns:a16="http://schemas.microsoft.com/office/drawing/2014/main" id="{B15426CF-B359-5C5F-7B03-1CB417E2E5CD}"/>
+              </a:ext>
+            </a:extLst>
+          </p:cNvPr>
           <p:cNvSpPr txBox="1"/>
           <p:nvPr/>
         </p:nvSpPr>
         <p:spPr>
           <a:xfrm>
-            <a:off x="8529729" y="0"/>
-            <a:ext cx="628698" cy="461665"/>
+            <a:off x="8028384" y="116632"/>
+            <a:ext cx="784189" cy="461665"/>
           </a:xfrm>
           <a:prstGeom prst="rect">
             <a:avLst/>
@@ -5175,7 +5185,7 @@
                   <a:schemeClr val="bg1"/>
                 </a:solidFill>
               </a:rPr>
-              <a:t>1/6</a:t>
+              <a:t>8/10</a:t>
             </a:r>
           </a:p>
         </p:txBody>
@@ -5183,7 +5193,7 @@
     </p:spTree>
     <p:extLst>
       <p:ext uri="{BB962C8B-B14F-4D97-AF65-F5344CB8AC3E}">
-        <p14:creationId xmlns:p14="http://schemas.microsoft.com/office/powerpoint/2010/main" val="2175635830"/>
+        <p14:creationId xmlns:p14="http://schemas.microsoft.com/office/powerpoint/2010/main" val="2816180420"/>
       </p:ext>
     </p:extLst>
   </p:cSld>
@@ -5222,7 +5232,7 @@
         </p:nvSpPr>
         <p:spPr>
           <a:xfrm>
-            <a:off x="248838" y="764704"/>
+            <a:off x="251520" y="764704"/>
             <a:ext cx="8640960" cy="6480720"/>
           </a:xfrm>
         </p:spPr>
@@ -5233,66 +5243,72 @@
           <a:lstStyle/>
           <a:p>
             <a:r>
-              <a:rPr lang="en-GB" sz="4000" dirty="0">
-                <a:solidFill>
-                  <a:schemeClr val="bg1"/>
-                </a:solidFill>
-              </a:rPr>
-              <a:t>This is prophetic I can feel it in the air</a:t>
-            </a:r>
-          </a:p>
-          <a:p>
-            <a:r>
-              <a:rPr lang="en-GB" sz="4000" dirty="0">
-                <a:solidFill>
-                  <a:schemeClr val="bg1"/>
-                </a:solidFill>
-              </a:rPr>
-              <a:t>We lift our praise and You change the atmosphere</a:t>
-            </a:r>
-          </a:p>
-          <a:p>
-            <a:r>
-              <a:rPr lang="en-GB" sz="4000" dirty="0">
-                <a:solidFill>
-                  <a:schemeClr val="bg1"/>
-                </a:solidFill>
-              </a:rPr>
-              <a:t>With hearts open now everybody singing out</a:t>
-            </a:r>
-          </a:p>
-          <a:p>
-            <a:r>
-              <a:rPr lang="en-GB" sz="4000" dirty="0">
-                <a:solidFill>
-                  <a:schemeClr val="bg1"/>
-                </a:solidFill>
-              </a:rPr>
-              <a:t>(Oh)</a:t>
-            </a:r>
-          </a:p>
-          <a:p>
-            <a:r>
-              <a:rPr lang="en-GB" sz="4000" dirty="0">
-                <a:solidFill>
-                  <a:schemeClr val="bg1"/>
-                </a:solidFill>
-              </a:rPr>
-              <a:t>(I am free)</a:t>
-            </a:r>
-          </a:p>
-        </p:txBody>
-      </p:sp>
-      <p:sp>
-        <p:nvSpPr>
-          <p:cNvPr id="4" name="TextBox 3"/>
+              <a:rPr lang="en-GB" sz="4400" dirty="0">
+                <a:solidFill>
+                  <a:schemeClr val="bg1"/>
+                </a:solidFill>
+              </a:rPr>
+              <a:t>On my best day I’m a child of God</a:t>
+            </a:r>
+          </a:p>
+          <a:p>
+            <a:r>
+              <a:rPr lang="en-GB" sz="4400" dirty="0">
+                <a:solidFill>
+                  <a:schemeClr val="bg1"/>
+                </a:solidFill>
+              </a:rPr>
+              <a:t>On my worst day I’m a child of God</a:t>
+            </a:r>
+          </a:p>
+          <a:p>
+            <a:r>
+              <a:rPr lang="en-GB" sz="4400" dirty="0">
+                <a:solidFill>
+                  <a:schemeClr val="bg1"/>
+                </a:solidFill>
+              </a:rPr>
+              <a:t>Oh everyday is a good day</a:t>
+            </a:r>
+          </a:p>
+          <a:p>
+            <a:r>
+              <a:rPr lang="en-GB" sz="4400" dirty="0">
+                <a:solidFill>
+                  <a:schemeClr val="bg1"/>
+                </a:solidFill>
+              </a:rPr>
+              <a:t>You’re the reason why</a:t>
+            </a:r>
+          </a:p>
+          <a:p>
+            <a:r>
+              <a:rPr lang="en-GB" sz="4400" dirty="0">
+                <a:solidFill>
+                  <a:schemeClr val="bg1"/>
+                </a:solidFill>
+              </a:rPr>
+              <a:t>(2ce)</a:t>
+            </a:r>
+          </a:p>
+        </p:txBody>
+      </p:sp>
+      <p:sp>
+        <p:nvSpPr>
+          <p:cNvPr id="2" name="TextBox 1">
+            <a:extLst>
+              <a:ext uri="{FF2B5EF4-FFF2-40B4-BE49-F238E27FC236}">
+                <a16:creationId xmlns:a16="http://schemas.microsoft.com/office/drawing/2014/main" id="{FAA22F9E-15F9-FE4E-9243-D3A050E7BC47}"/>
+              </a:ext>
+            </a:extLst>
+          </p:cNvPr>
           <p:cNvSpPr txBox="1"/>
           <p:nvPr/>
         </p:nvSpPr>
         <p:spPr>
           <a:xfrm>
-            <a:off x="8529729" y="0"/>
-            <a:ext cx="628698" cy="461665"/>
+            <a:off x="8028384" y="116632"/>
+            <a:ext cx="784189" cy="461665"/>
           </a:xfrm>
           <a:prstGeom prst="rect">
             <a:avLst/>
@@ -5311,7 +5327,7 @@
                   <a:schemeClr val="bg1"/>
                 </a:solidFill>
               </a:rPr>
-              <a:t>2/6</a:t>
+              <a:t>9/10</a:t>
             </a:r>
           </a:p>
         </p:txBody>
@@ -5319,7 +5335,7 @@
     </p:spTree>
     <p:extLst>
       <p:ext uri="{BB962C8B-B14F-4D97-AF65-F5344CB8AC3E}">
-        <p14:creationId xmlns:p14="http://schemas.microsoft.com/office/powerpoint/2010/main" val="2989488391"/>
+        <p14:creationId xmlns:p14="http://schemas.microsoft.com/office/powerpoint/2010/main" val="1594519195"/>
       </p:ext>
     </p:extLst>
   </p:cSld>
@@ -5358,7 +5374,7 @@
         </p:nvSpPr>
         <p:spPr>
           <a:xfrm>
-            <a:off x="251520" y="692696"/>
+            <a:off x="251520" y="764704"/>
             <a:ext cx="8640960" cy="6480720"/>
           </a:xfrm>
         </p:spPr>
@@ -5369,46 +5385,72 @@
           <a:lstStyle/>
           <a:p>
             <a:r>
-              <a:rPr lang="en-GB" sz="4000" dirty="0">
-                <a:solidFill>
-                  <a:schemeClr val="bg1"/>
-                </a:solidFill>
-              </a:rPr>
-              <a:t>Turn it up this sound of praise</a:t>
-            </a:r>
-          </a:p>
-          <a:p>
-            <a:r>
-              <a:rPr lang="en-GB" sz="4000" dirty="0">
-                <a:solidFill>
-                  <a:schemeClr val="bg1"/>
-                </a:solidFill>
-              </a:rPr>
-              <a:t>Make it louder than any other</a:t>
-            </a:r>
-          </a:p>
-          <a:p>
-            <a:r>
-              <a:rPr lang="en-GB" sz="4000" dirty="0">
-                <a:solidFill>
-                  <a:schemeClr val="bg1"/>
-                </a:solidFill>
-              </a:rPr>
-              <a:t>Lift Him up and shout His name over all</a:t>
-            </a:r>
-          </a:p>
-        </p:txBody>
-      </p:sp>
-      <p:sp>
-        <p:nvSpPr>
-          <p:cNvPr id="4" name="TextBox 3"/>
+              <a:rPr lang="en-GB" sz="4400" dirty="0">
+                <a:solidFill>
+                  <a:schemeClr val="bg1"/>
+                </a:solidFill>
+              </a:rPr>
+              <a:t>I’m so blessed, hallelujah I’m blessed</a:t>
+            </a:r>
+          </a:p>
+          <a:p>
+            <a:r>
+              <a:rPr lang="en-GB" sz="4400" dirty="0">
+                <a:solidFill>
+                  <a:schemeClr val="bg1"/>
+                </a:solidFill>
+              </a:rPr>
+              <a:t>I’m so blessed, hallelujah I’m blessed</a:t>
+            </a:r>
+          </a:p>
+          <a:p>
+            <a:r>
+              <a:rPr lang="en-GB" sz="4400" dirty="0">
+                <a:solidFill>
+                  <a:schemeClr val="bg1"/>
+                </a:solidFill>
+              </a:rPr>
+              <a:t>No it doesn’t matter about the rest</a:t>
+            </a:r>
+          </a:p>
+          <a:p>
+            <a:r>
+              <a:rPr lang="en-GB" sz="4400" dirty="0">
+                <a:solidFill>
+                  <a:schemeClr val="bg1"/>
+                </a:solidFill>
+              </a:rPr>
+              <a:t>If I got You Lord…..</a:t>
+            </a:r>
+          </a:p>
+          <a:p>
+            <a:r>
+              <a:rPr lang="en-GB" sz="4400" dirty="0">
+                <a:solidFill>
+                  <a:schemeClr val="bg1"/>
+                </a:solidFill>
+              </a:rPr>
+              <a:t> Hallelujah I’m blessed</a:t>
+            </a:r>
+          </a:p>
+        </p:txBody>
+      </p:sp>
+      <p:sp>
+        <p:nvSpPr>
+          <p:cNvPr id="2" name="TextBox 1">
+            <a:extLst>
+              <a:ext uri="{FF2B5EF4-FFF2-40B4-BE49-F238E27FC236}">
+                <a16:creationId xmlns:a16="http://schemas.microsoft.com/office/drawing/2014/main" id="{41CEB0EE-687D-CB28-27D7-B42A148B9D19}"/>
+              </a:ext>
+            </a:extLst>
+          </p:cNvPr>
           <p:cNvSpPr txBox="1"/>
           <p:nvPr/>
         </p:nvSpPr>
         <p:spPr>
           <a:xfrm>
-            <a:off x="8529729" y="0"/>
-            <a:ext cx="628698" cy="461665"/>
+            <a:off x="8028384" y="116632"/>
+            <a:ext cx="939681" cy="461665"/>
           </a:xfrm>
           <a:prstGeom prst="rect">
             <a:avLst/>
@@ -5427,7 +5469,7 @@
                   <a:schemeClr val="bg1"/>
                 </a:solidFill>
               </a:rPr>
-              <a:t>3/6</a:t>
+              <a:t>10/10</a:t>
             </a:r>
           </a:p>
         </p:txBody>
@@ -5435,7 +5477,7 @@
     </p:spTree>
     <p:extLst>
       <p:ext uri="{BB962C8B-B14F-4D97-AF65-F5344CB8AC3E}">
-        <p14:creationId xmlns:p14="http://schemas.microsoft.com/office/powerpoint/2010/main" val="3632522424"/>
+        <p14:creationId xmlns:p14="http://schemas.microsoft.com/office/powerpoint/2010/main" val="983614235"/>
       </p:ext>
     </p:extLst>
   </p:cSld>
@@ -5474,7 +5516,7 @@
         </p:nvSpPr>
         <p:spPr>
           <a:xfrm>
-            <a:off x="251520" y="692696"/>
+            <a:off x="323528" y="188640"/>
             <a:ext cx="8640960" cy="6480720"/>
           </a:xfrm>
         </p:spPr>
@@ -5484,76 +5526,132 @@
           </a:bodyPr>
           <a:lstStyle/>
           <a:p>
-            <a:r>
-              <a:rPr lang="en-GB" sz="4000" dirty="0">
-                <a:solidFill>
-                  <a:schemeClr val="bg1"/>
-                </a:solidFill>
-              </a:rPr>
-              <a:t>As we praise I can feel the change</a:t>
-            </a:r>
-          </a:p>
-          <a:p>
-            <a:r>
-              <a:rPr lang="en-GB" sz="4000" dirty="0">
-                <a:solidFill>
-                  <a:schemeClr val="bg1"/>
-                </a:solidFill>
-              </a:rPr>
-              <a:t>As Your presence now invades</a:t>
-            </a:r>
-          </a:p>
-          <a:p>
-            <a:r>
-              <a:rPr lang="en-GB" sz="4000" dirty="0">
-                <a:solidFill>
-                  <a:schemeClr val="bg1"/>
-                </a:solidFill>
-              </a:rPr>
-              <a:t>Hear the sound of the broken chains</a:t>
-            </a:r>
-          </a:p>
-          <a:p>
-            <a:r>
-              <a:rPr lang="en-GB" sz="4000" dirty="0">
-                <a:solidFill>
-                  <a:schemeClr val="bg1"/>
-                </a:solidFill>
-              </a:rPr>
-              <a:t>Prison doors are giving way</a:t>
-            </a:r>
-          </a:p>
-        </p:txBody>
-      </p:sp>
-      <p:sp>
-        <p:nvSpPr>
-          <p:cNvPr id="4" name="TextBox 3"/>
-          <p:cNvSpPr txBox="1"/>
-          <p:nvPr/>
-        </p:nvSpPr>
-        <p:spPr>
-          <a:xfrm>
-            <a:off x="8529729" y="0"/>
-            <a:ext cx="628698" cy="461665"/>
-          </a:xfrm>
-          <a:prstGeom prst="rect">
-            <a:avLst/>
-          </a:prstGeom>
-          <a:noFill/>
-        </p:spPr>
-        <p:txBody>
-          <a:bodyPr wrap="none" rtlCol="0">
-            <a:spAutoFit/>
-          </a:bodyPr>
-          <a:lstStyle/>
-          <a:p>
-            <a:r>
-              <a:rPr lang="en-GB" sz="2400" b="1" dirty="0">
-                <a:solidFill>
-                  <a:schemeClr val="bg1"/>
-                </a:solidFill>
-              </a:rPr>
-              <a:t>4/6</a:t>
+            <a:endParaRPr lang="en-GB" sz="5400" dirty="0">
+              <a:solidFill>
+                <a:schemeClr val="bg1"/>
+              </a:solidFill>
+            </a:endParaRPr>
+          </a:p>
+          <a:p>
+            <a:r>
+              <a:rPr lang="en-GB" sz="4400" b="0" i="0" dirty="0">
+                <a:solidFill>
+                  <a:srgbClr val="00A3E0"/>
+                </a:solidFill>
+                <a:effectLst/>
+                <a:latin typeface="akagi_probook"/>
+              </a:rPr>
+              <a:t>Turn It Up</a:t>
+            </a:r>
+          </a:p>
+          <a:p>
+            <a:br>
+              <a:rPr lang="en-GB" sz="1200" dirty="0">
+                <a:solidFill>
+                  <a:schemeClr val="bg1"/>
+                </a:solidFill>
+              </a:rPr>
+            </a:br>
+            <a:r>
+              <a:rPr lang="en-GB" sz="1200" dirty="0">
+                <a:solidFill>
+                  <a:schemeClr val="bg1"/>
+                </a:solidFill>
+              </a:rPr>
+              <a:t>CCLI Song # 6621485</a:t>
+            </a:r>
+          </a:p>
+          <a:p>
+            <a:endParaRPr lang="en-GB" sz="1200" dirty="0">
+              <a:solidFill>
+                <a:schemeClr val="bg1"/>
+              </a:solidFill>
+            </a:endParaRPr>
+          </a:p>
+          <a:p>
+            <a:r>
+              <a:rPr lang="en-GB" sz="1200" dirty="0">
+                <a:solidFill>
+                  <a:schemeClr val="bg1"/>
+                </a:solidFill>
+              </a:rPr>
+              <a:t>Andy Harrison</a:t>
+            </a:r>
+          </a:p>
+          <a:p>
+            <a:endParaRPr lang="en-GB" sz="1200" dirty="0">
+              <a:solidFill>
+                <a:schemeClr val="bg1"/>
+              </a:solidFill>
+            </a:endParaRPr>
+          </a:p>
+          <a:p>
+            <a:r>
+              <a:rPr lang="en-GB" sz="1200" dirty="0">
+                <a:solidFill>
+                  <a:schemeClr val="bg1"/>
+                </a:solidFill>
+              </a:rPr>
+              <a:t>© 2012 </a:t>
+            </a:r>
+            <a:r>
+              <a:rPr lang="en-GB" sz="1200" dirty="0" err="1">
+                <a:solidFill>
+                  <a:schemeClr val="bg1"/>
+                </a:solidFill>
+              </a:rPr>
+              <a:t>Planetshakers</a:t>
+            </a:r>
+            <a:r>
+              <a:rPr lang="en-GB" sz="1200" dirty="0">
+                <a:solidFill>
+                  <a:schemeClr val="bg1"/>
+                </a:solidFill>
+              </a:rPr>
+              <a:t> Ministries Int. Inc. (Admin. by Song Solutions www.songsolutions.org)</a:t>
+            </a:r>
+          </a:p>
+          <a:p>
+            <a:r>
+              <a:rPr lang="en-GB" sz="1200" dirty="0">
+                <a:solidFill>
+                  <a:schemeClr val="bg1"/>
+                </a:solidFill>
+              </a:rPr>
+              <a:t>For use solely with the </a:t>
+            </a:r>
+            <a:r>
+              <a:rPr lang="en-GB" sz="1200" dirty="0" err="1">
+                <a:solidFill>
+                  <a:schemeClr val="bg1"/>
+                </a:solidFill>
+              </a:rPr>
+              <a:t>SongSelect</a:t>
+            </a:r>
+            <a:r>
+              <a:rPr lang="en-GB" sz="1200" dirty="0">
+                <a:solidFill>
+                  <a:schemeClr val="bg1"/>
+                </a:solidFill>
+              </a:rPr>
+              <a:t>® Terms of Use. All rights reserved. www.ccli.com</a:t>
+            </a:r>
+          </a:p>
+          <a:p>
+            <a:endParaRPr lang="en-GB" sz="1200" dirty="0">
+              <a:solidFill>
+                <a:schemeClr val="bg1"/>
+              </a:solidFill>
+            </a:endParaRPr>
+          </a:p>
+          <a:p>
+            <a:r>
+              <a:rPr lang="en-GB" sz="1200" dirty="0">
+                <a:solidFill>
+                  <a:schemeClr val="bg1"/>
+                </a:solidFill>
+              </a:rPr>
+              <a:t>CCLI Licence No. 33265</a:t>
             </a:r>
           </a:p>
         </p:txBody>
@@ -5561,7 +5659,7 @@
     </p:spTree>
     <p:extLst>
       <p:ext uri="{BB962C8B-B14F-4D97-AF65-F5344CB8AC3E}">
-        <p14:creationId xmlns:p14="http://schemas.microsoft.com/office/powerpoint/2010/main" val="2394190690"/>
+        <p14:creationId xmlns:p14="http://schemas.microsoft.com/office/powerpoint/2010/main" val="2940382954"/>
       </p:ext>
     </p:extLst>
   </p:cSld>
@@ -5600,7 +5698,7 @@
         </p:nvSpPr>
         <p:spPr>
           <a:xfrm>
-            <a:off x="251520" y="692696"/>
+            <a:off x="323528" y="620688"/>
             <a:ext cx="8640960" cy="6480720"/>
           </a:xfrm>
         </p:spPr>
@@ -5610,13 +5708,20 @@
           </a:bodyPr>
           <a:lstStyle/>
           <a:p>
+            <a:endParaRPr lang="en-GB" sz="4000" dirty="0">
+              <a:solidFill>
+                <a:schemeClr val="bg1"/>
+              </a:solidFill>
+            </a:endParaRPr>
+          </a:p>
+          <a:p>
             <a:r>
               <a:rPr lang="en-GB" sz="4000" dirty="0">
                 <a:solidFill>
                   <a:schemeClr val="bg1"/>
                 </a:solidFill>
               </a:rPr>
-              <a:t>Our praise goes up</a:t>
+              <a:t>You are here as we lift You up</a:t>
             </a:r>
           </a:p>
           <a:p>
@@ -5626,7 +5731,7 @@
                   <a:schemeClr val="bg1"/>
                 </a:solidFill>
               </a:rPr>
-              <a:t>Your rain comes down</a:t>
+              <a:t>You are riding on our praise</a:t>
             </a:r>
           </a:p>
           <a:p>
@@ -5636,7 +5741,17 @@
                   <a:schemeClr val="bg1"/>
                 </a:solidFill>
               </a:rPr>
-              <a:t>(REPEAT)</a:t>
+              <a:t>Be enthroned over everything</a:t>
+            </a:r>
+          </a:p>
+          <a:p>
+            <a:r>
+              <a:rPr lang="en-GB" sz="4000" dirty="0">
+                <a:solidFill>
+                  <a:schemeClr val="bg1"/>
+                </a:solidFill>
+              </a:rPr>
+              <a:t>You are seated in our praise</a:t>
             </a:r>
           </a:p>
         </p:txBody>
@@ -5669,7 +5784,7 @@
                   <a:schemeClr val="bg1"/>
                 </a:solidFill>
               </a:rPr>
-              <a:t>5/6</a:t>
+              <a:t>1/9</a:t>
             </a:r>
           </a:p>
         </p:txBody>
@@ -5677,7 +5792,7 @@
     </p:spTree>
     <p:extLst>
       <p:ext uri="{BB962C8B-B14F-4D97-AF65-F5344CB8AC3E}">
-        <p14:creationId xmlns:p14="http://schemas.microsoft.com/office/powerpoint/2010/main" val="2444121112"/>
+        <p14:creationId xmlns:p14="http://schemas.microsoft.com/office/powerpoint/2010/main" val="2175635830"/>
       </p:ext>
     </p:extLst>
   </p:cSld>
@@ -5716,7 +5831,7 @@
         </p:nvSpPr>
         <p:spPr>
           <a:xfrm>
-            <a:off x="251520" y="692696"/>
+            <a:off x="248838" y="764704"/>
             <a:ext cx="8640960" cy="6480720"/>
           </a:xfrm>
         </p:spPr>
@@ -5732,7 +5847,7 @@
                   <a:schemeClr val="bg1"/>
                 </a:solidFill>
               </a:rPr>
-              <a:t>With shouts of praise we celebrate</a:t>
+              <a:t>This is prophetic I can feel it in the air</a:t>
             </a:r>
           </a:p>
           <a:p>
@@ -5742,7 +5857,7 @@
                   <a:schemeClr val="bg1"/>
                 </a:solidFill>
               </a:rPr>
-              <a:t>King of glory enter in</a:t>
+              <a:t>We lift our praise and You change the atmosphere</a:t>
             </a:r>
           </a:p>
           <a:p>
@@ -5752,7 +5867,17 @@
                   <a:schemeClr val="bg1"/>
                 </a:solidFill>
               </a:rPr>
-              <a:t>You are riding on our praise oh Lord</a:t>
+              <a:t>With hearts open now everybody singing out</a:t>
+            </a:r>
+          </a:p>
+          <a:p>
+            <a:r>
+              <a:rPr lang="en-GB" sz="4000" dirty="0">
+                <a:solidFill>
+                  <a:schemeClr val="bg1"/>
+                </a:solidFill>
+              </a:rPr>
+              <a:t>Oh</a:t>
             </a:r>
           </a:p>
         </p:txBody>
@@ -5785,7 +5910,7 @@
                   <a:schemeClr val="bg1"/>
                 </a:solidFill>
               </a:rPr>
-              <a:t>6/6</a:t>
+              <a:t>2/9</a:t>
             </a:r>
           </a:p>
         </p:txBody>
@@ -5793,7 +5918,7 @@
     </p:spTree>
     <p:extLst>
       <p:ext uri="{BB962C8B-B14F-4D97-AF65-F5344CB8AC3E}">
-        <p14:creationId xmlns:p14="http://schemas.microsoft.com/office/powerpoint/2010/main" val="2587189727"/>
+        <p14:creationId xmlns:p14="http://schemas.microsoft.com/office/powerpoint/2010/main" val="2989488391"/>
       </p:ext>
     </p:extLst>
   </p:cSld>
@@ -5822,474 +5947,101 @@
       </p:grpSpPr>
       <p:sp>
         <p:nvSpPr>
-          <p:cNvPr id="2" name="Title 1">
-            <a:extLst>
-              <a:ext uri="{FF2B5EF4-FFF2-40B4-BE49-F238E27FC236}">
-                <a16:creationId xmlns:a16="http://schemas.microsoft.com/office/drawing/2014/main" id="{8D906D2A-5E68-F15C-89E4-2DBC4F4793A3}"/>
-              </a:ext>
-            </a:extLst>
-          </p:cNvPr>
-          <p:cNvSpPr txBox="1">
-            <a:spLocks/>
-          </p:cNvSpPr>
+          <p:cNvPr id="3" name="Subtitle 2"/>
+          <p:cNvSpPr>
+            <a:spLocks noGrp="1"/>
+          </p:cNvSpPr>
+          <p:nvPr>
+            <p:ph type="subTitle" idx="1"/>
+          </p:nvPr>
+        </p:nvSpPr>
+        <p:spPr>
+          <a:xfrm>
+            <a:off x="251520" y="692696"/>
+            <a:ext cx="8640960" cy="6480720"/>
+          </a:xfrm>
+        </p:spPr>
+        <p:txBody>
+          <a:bodyPr>
+            <a:noAutofit/>
+          </a:bodyPr>
+          <a:lstStyle/>
+          <a:p>
+            <a:endParaRPr lang="en-GB" sz="4000" dirty="0">
+              <a:solidFill>
+                <a:schemeClr val="bg1"/>
+              </a:solidFill>
+            </a:endParaRPr>
+          </a:p>
+          <a:p>
+            <a:r>
+              <a:rPr lang="en-GB" sz="4000" dirty="0">
+                <a:solidFill>
+                  <a:schemeClr val="bg1"/>
+                </a:solidFill>
+              </a:rPr>
+              <a:t>Turn it up this sound of praise</a:t>
+            </a:r>
+          </a:p>
+          <a:p>
+            <a:r>
+              <a:rPr lang="en-GB" sz="4000" dirty="0">
+                <a:solidFill>
+                  <a:schemeClr val="bg1"/>
+                </a:solidFill>
+              </a:rPr>
+              <a:t>Make it louder than any other</a:t>
+            </a:r>
+          </a:p>
+          <a:p>
+            <a:r>
+              <a:rPr lang="en-GB" sz="4000" dirty="0">
+                <a:solidFill>
+                  <a:schemeClr val="bg1"/>
+                </a:solidFill>
+              </a:rPr>
+              <a:t>Lift Him up and shout His name over all</a:t>
+            </a:r>
+          </a:p>
+        </p:txBody>
+      </p:sp>
+      <p:sp>
+        <p:nvSpPr>
+          <p:cNvPr id="4" name="TextBox 3"/>
+          <p:cNvSpPr txBox="1"/>
           <p:nvPr/>
         </p:nvSpPr>
-        <p:spPr bwMode="auto">
+        <p:spPr>
           <a:xfrm>
-            <a:off x="457200" y="836712"/>
-            <a:ext cx="8229600" cy="489346"/>
+            <a:off x="8529729" y="0"/>
+            <a:ext cx="627095" cy="461665"/>
           </a:xfrm>
           <a:prstGeom prst="rect">
             <a:avLst/>
           </a:prstGeom>
           <a:noFill/>
-          <a:ln>
-            <a:noFill/>
-          </a:ln>
-          <a:extLst>
-            <a:ext uri="{909E8E84-426E-40DD-AFC4-6F175D3DCCD1}">
-              <a14:hiddenFill xmlns:a14="http://schemas.microsoft.com/office/drawing/2010/main">
-                <a:solidFill>
-                  <a:srgbClr val="FFFFFF"/>
-                </a:solidFill>
-              </a14:hiddenFill>
-            </a:ext>
-            <a:ext uri="{91240B29-F687-4F45-9708-019B960494DF}">
-              <a14:hiddenLine xmlns:a14="http://schemas.microsoft.com/office/drawing/2010/main" w="9525">
-                <a:solidFill>
-                  <a:srgbClr val="000000"/>
-                </a:solidFill>
-                <a:miter lim="800000"/>
-                <a:headEnd/>
-                <a:tailEnd/>
-              </a14:hiddenLine>
-            </a:ext>
-          </a:extLst>
         </p:spPr>
         <p:txBody>
-          <a:bodyPr vert="horz" wrap="square" lIns="91440" tIns="45720" rIns="91440" bIns="45720" numCol="1" anchor="ctr" anchorCtr="0" compatLnSpc="1">
-            <a:prstTxWarp prst="textNoShape">
-              <a:avLst/>
-            </a:prstTxWarp>
-            <a:normAutofit fontScale="90000" lnSpcReduction="10000"/>
+          <a:bodyPr wrap="none" rtlCol="0">
+            <a:spAutoFit/>
           </a:bodyPr>
-          <a:lstStyle>
-            <a:lvl1pPr algn="l" defTabSz="457200" rtl="0" eaLnBrk="1" fontAlgn="base" hangingPunct="1">
-              <a:spcBef>
-                <a:spcPct val="0"/>
-              </a:spcBef>
-              <a:spcAft>
-                <a:spcPct val="0"/>
-              </a:spcAft>
-              <a:defRPr sz="3200" kern="1200">
-                <a:solidFill>
-                  <a:srgbClr val="58595B"/>
-                </a:solidFill>
-                <a:latin typeface="Rockwell"/>
-                <a:ea typeface="+mj-ea"/>
-                <a:cs typeface="+mj-cs"/>
-              </a:defRPr>
-            </a:lvl1pPr>
-            <a:lvl2pPr algn="l" defTabSz="457200" rtl="0" eaLnBrk="1" fontAlgn="base" hangingPunct="1">
-              <a:spcBef>
-                <a:spcPct val="0"/>
-              </a:spcBef>
-              <a:spcAft>
-                <a:spcPct val="0"/>
-              </a:spcAft>
-              <a:defRPr sz="4400">
-                <a:solidFill>
-                  <a:srgbClr val="58595B"/>
-                </a:solidFill>
-                <a:latin typeface="Rockwell" panose="02060603020205020403" pitchFamily="18" charset="0"/>
-              </a:defRPr>
-            </a:lvl2pPr>
-            <a:lvl3pPr algn="l" defTabSz="457200" rtl="0" eaLnBrk="1" fontAlgn="base" hangingPunct="1">
-              <a:spcBef>
-                <a:spcPct val="0"/>
-              </a:spcBef>
-              <a:spcAft>
-                <a:spcPct val="0"/>
-              </a:spcAft>
-              <a:defRPr sz="4400">
-                <a:solidFill>
-                  <a:srgbClr val="58595B"/>
-                </a:solidFill>
-                <a:latin typeface="Rockwell" panose="02060603020205020403" pitchFamily="18" charset="0"/>
-              </a:defRPr>
-            </a:lvl3pPr>
-            <a:lvl4pPr algn="l" defTabSz="457200" rtl="0" eaLnBrk="1" fontAlgn="base" hangingPunct="1">
-              <a:spcBef>
-                <a:spcPct val="0"/>
-              </a:spcBef>
-              <a:spcAft>
-                <a:spcPct val="0"/>
-              </a:spcAft>
-              <a:defRPr sz="4400">
-                <a:solidFill>
-                  <a:srgbClr val="58595B"/>
-                </a:solidFill>
-                <a:latin typeface="Rockwell" panose="02060603020205020403" pitchFamily="18" charset="0"/>
-              </a:defRPr>
-            </a:lvl4pPr>
-            <a:lvl5pPr algn="l" defTabSz="457200" rtl="0" eaLnBrk="1" fontAlgn="base" hangingPunct="1">
-              <a:spcBef>
-                <a:spcPct val="0"/>
-              </a:spcBef>
-              <a:spcAft>
-                <a:spcPct val="0"/>
-              </a:spcAft>
-              <a:defRPr sz="4400">
-                <a:solidFill>
-                  <a:srgbClr val="58595B"/>
-                </a:solidFill>
-                <a:latin typeface="Rockwell" panose="02060603020205020403" pitchFamily="18" charset="0"/>
-              </a:defRPr>
-            </a:lvl5pPr>
-            <a:lvl6pPr marL="457200" algn="l" defTabSz="457200" rtl="0" eaLnBrk="1" fontAlgn="base" hangingPunct="1">
-              <a:spcBef>
-                <a:spcPct val="0"/>
-              </a:spcBef>
-              <a:spcAft>
-                <a:spcPct val="0"/>
-              </a:spcAft>
-              <a:defRPr sz="4400">
-                <a:solidFill>
-                  <a:srgbClr val="58595B"/>
-                </a:solidFill>
-                <a:latin typeface="Rockwell" panose="02060603020205020403" pitchFamily="18" charset="0"/>
-              </a:defRPr>
-            </a:lvl6pPr>
-            <a:lvl7pPr marL="914400" algn="l" defTabSz="457200" rtl="0" eaLnBrk="1" fontAlgn="base" hangingPunct="1">
-              <a:spcBef>
-                <a:spcPct val="0"/>
-              </a:spcBef>
-              <a:spcAft>
-                <a:spcPct val="0"/>
-              </a:spcAft>
-              <a:defRPr sz="4400">
-                <a:solidFill>
-                  <a:srgbClr val="58595B"/>
-                </a:solidFill>
-                <a:latin typeface="Rockwell" panose="02060603020205020403" pitchFamily="18" charset="0"/>
-              </a:defRPr>
-            </a:lvl7pPr>
-            <a:lvl8pPr marL="1371600" algn="l" defTabSz="457200" rtl="0" eaLnBrk="1" fontAlgn="base" hangingPunct="1">
-              <a:spcBef>
-                <a:spcPct val="0"/>
-              </a:spcBef>
-              <a:spcAft>
-                <a:spcPct val="0"/>
-              </a:spcAft>
-              <a:defRPr sz="4400">
-                <a:solidFill>
-                  <a:srgbClr val="58595B"/>
-                </a:solidFill>
-                <a:latin typeface="Rockwell" panose="02060603020205020403" pitchFamily="18" charset="0"/>
-              </a:defRPr>
-            </a:lvl8pPr>
-            <a:lvl9pPr marL="1828800" algn="l" defTabSz="457200" rtl="0" eaLnBrk="1" fontAlgn="base" hangingPunct="1">
-              <a:spcBef>
-                <a:spcPct val="0"/>
-              </a:spcBef>
-              <a:spcAft>
-                <a:spcPct val="0"/>
-              </a:spcAft>
-              <a:defRPr sz="4400">
-                <a:solidFill>
-                  <a:srgbClr val="58595B"/>
-                </a:solidFill>
-                <a:latin typeface="Rockwell" panose="02060603020205020403" pitchFamily="18" charset="0"/>
-              </a:defRPr>
-            </a:lvl9pPr>
-          </a:lstStyle>
-          <a:p>
-            <a:pPr marL="0" marR="0" lvl="0" indent="0" algn="l" defTabSz="457200" rtl="0" eaLnBrk="1" fontAlgn="base" latinLnBrk="0" hangingPunct="1">
-              <a:lnSpc>
-                <a:spcPct val="100000"/>
-              </a:lnSpc>
-              <a:spcBef>
-                <a:spcPct val="0"/>
-              </a:spcBef>
-              <a:spcAft>
-                <a:spcPct val="0"/>
-              </a:spcAft>
-              <a:buClrTx/>
-              <a:buSzTx/>
-              <a:buFontTx/>
-              <a:buNone/>
-              <a:tabLst/>
-              <a:defRPr/>
-            </a:pPr>
-            <a:endParaRPr kumimoji="0" lang="en-GB" sz="3200" b="0" i="0" u="none" strike="noStrike" kern="1200" cap="none" spc="0" normalizeH="0" baseline="0" noProof="0" dirty="0">
-              <a:ln>
-                <a:noFill/>
-              </a:ln>
-              <a:solidFill>
-                <a:schemeClr val="bg1"/>
-              </a:solidFill>
-              <a:effectLst/>
-              <a:uLnTx/>
-              <a:uFillTx/>
-              <a:latin typeface="Rockwell"/>
-              <a:ea typeface="+mj-ea"/>
-              <a:cs typeface="+mj-cs"/>
-            </a:endParaRPr>
-          </a:p>
-        </p:txBody>
-      </p:sp>
-      <p:sp>
-        <p:nvSpPr>
-          <p:cNvPr id="4" name="Title 1">
-            <a:extLst>
-              <a:ext uri="{FF2B5EF4-FFF2-40B4-BE49-F238E27FC236}">
-                <a16:creationId xmlns:a16="http://schemas.microsoft.com/office/drawing/2014/main" id="{89C6AC8B-4AF1-9B45-6683-F14ED4AE0E1F}"/>
-              </a:ext>
-            </a:extLst>
-          </p:cNvPr>
-          <p:cNvSpPr txBox="1">
-            <a:spLocks/>
-          </p:cNvSpPr>
-          <p:nvPr/>
-        </p:nvSpPr>
-        <p:spPr bwMode="auto">
-          <a:xfrm>
-            <a:off x="435852" y="1484784"/>
-            <a:ext cx="8229600" cy="4680520"/>
-          </a:xfrm>
-          <a:prstGeom prst="rect">
-            <a:avLst/>
-          </a:prstGeom>
-          <a:noFill/>
-          <a:ln>
-            <a:noFill/>
-          </a:ln>
-          <a:extLst>
-            <a:ext uri="{909E8E84-426E-40DD-AFC4-6F175D3DCCD1}">
-              <a14:hiddenFill xmlns:a14="http://schemas.microsoft.com/office/drawing/2010/main">
-                <a:solidFill>
-                  <a:srgbClr val="FFFFFF"/>
-                </a:solidFill>
-              </a14:hiddenFill>
-            </a:ext>
-            <a:ext uri="{91240B29-F687-4F45-9708-019B960494DF}">
-              <a14:hiddenLine xmlns:a14="http://schemas.microsoft.com/office/drawing/2010/main" w="9525">
-                <a:solidFill>
-                  <a:srgbClr val="000000"/>
-                </a:solidFill>
-                <a:miter lim="800000"/>
-                <a:headEnd/>
-                <a:tailEnd/>
-              </a14:hiddenLine>
-            </a:ext>
-          </a:extLst>
-        </p:spPr>
-        <p:txBody>
-          <a:bodyPr vert="horz" wrap="square" lIns="91440" tIns="45720" rIns="91440" bIns="45720" numCol="1" anchor="ctr" anchorCtr="0" compatLnSpc="1">
-            <a:prstTxWarp prst="textNoShape">
-              <a:avLst/>
-            </a:prstTxWarp>
-            <a:normAutofit/>
-          </a:bodyPr>
-          <a:lstStyle>
-            <a:lvl1pPr algn="l" defTabSz="457200" rtl="0" eaLnBrk="1" fontAlgn="base" hangingPunct="1">
-              <a:spcBef>
-                <a:spcPct val="0"/>
-              </a:spcBef>
-              <a:spcAft>
-                <a:spcPct val="0"/>
-              </a:spcAft>
-              <a:defRPr sz="3200" kern="1200">
-                <a:solidFill>
-                  <a:srgbClr val="58595B"/>
-                </a:solidFill>
-                <a:latin typeface="Rockwell"/>
-                <a:ea typeface="+mj-ea"/>
-                <a:cs typeface="+mj-cs"/>
-              </a:defRPr>
-            </a:lvl1pPr>
-            <a:lvl2pPr algn="l" defTabSz="457200" rtl="0" eaLnBrk="1" fontAlgn="base" hangingPunct="1">
-              <a:spcBef>
-                <a:spcPct val="0"/>
-              </a:spcBef>
-              <a:spcAft>
-                <a:spcPct val="0"/>
-              </a:spcAft>
-              <a:defRPr sz="4400">
-                <a:solidFill>
-                  <a:srgbClr val="58595B"/>
-                </a:solidFill>
-                <a:latin typeface="Rockwell" panose="02060603020205020403" pitchFamily="18" charset="0"/>
-              </a:defRPr>
-            </a:lvl2pPr>
-            <a:lvl3pPr algn="l" defTabSz="457200" rtl="0" eaLnBrk="1" fontAlgn="base" hangingPunct="1">
-              <a:spcBef>
-                <a:spcPct val="0"/>
-              </a:spcBef>
-              <a:spcAft>
-                <a:spcPct val="0"/>
-              </a:spcAft>
-              <a:defRPr sz="4400">
-                <a:solidFill>
-                  <a:srgbClr val="58595B"/>
-                </a:solidFill>
-                <a:latin typeface="Rockwell" panose="02060603020205020403" pitchFamily="18" charset="0"/>
-              </a:defRPr>
-            </a:lvl3pPr>
-            <a:lvl4pPr algn="l" defTabSz="457200" rtl="0" eaLnBrk="1" fontAlgn="base" hangingPunct="1">
-              <a:spcBef>
-                <a:spcPct val="0"/>
-              </a:spcBef>
-              <a:spcAft>
-                <a:spcPct val="0"/>
-              </a:spcAft>
-              <a:defRPr sz="4400">
-                <a:solidFill>
-                  <a:srgbClr val="58595B"/>
-                </a:solidFill>
-                <a:latin typeface="Rockwell" panose="02060603020205020403" pitchFamily="18" charset="0"/>
-              </a:defRPr>
-            </a:lvl4pPr>
-            <a:lvl5pPr algn="l" defTabSz="457200" rtl="0" eaLnBrk="1" fontAlgn="base" hangingPunct="1">
-              <a:spcBef>
-                <a:spcPct val="0"/>
-              </a:spcBef>
-              <a:spcAft>
-                <a:spcPct val="0"/>
-              </a:spcAft>
-              <a:defRPr sz="4400">
-                <a:solidFill>
-                  <a:srgbClr val="58595B"/>
-                </a:solidFill>
-                <a:latin typeface="Rockwell" panose="02060603020205020403" pitchFamily="18" charset="0"/>
-              </a:defRPr>
-            </a:lvl5pPr>
-            <a:lvl6pPr marL="457200" algn="l" defTabSz="457200" rtl="0" eaLnBrk="1" fontAlgn="base" hangingPunct="1">
-              <a:spcBef>
-                <a:spcPct val="0"/>
-              </a:spcBef>
-              <a:spcAft>
-                <a:spcPct val="0"/>
-              </a:spcAft>
-              <a:defRPr sz="4400">
-                <a:solidFill>
-                  <a:srgbClr val="58595B"/>
-                </a:solidFill>
-                <a:latin typeface="Rockwell" panose="02060603020205020403" pitchFamily="18" charset="0"/>
-              </a:defRPr>
-            </a:lvl6pPr>
-            <a:lvl7pPr marL="914400" algn="l" defTabSz="457200" rtl="0" eaLnBrk="1" fontAlgn="base" hangingPunct="1">
-              <a:spcBef>
-                <a:spcPct val="0"/>
-              </a:spcBef>
-              <a:spcAft>
-                <a:spcPct val="0"/>
-              </a:spcAft>
-              <a:defRPr sz="4400">
-                <a:solidFill>
-                  <a:srgbClr val="58595B"/>
-                </a:solidFill>
-                <a:latin typeface="Rockwell" panose="02060603020205020403" pitchFamily="18" charset="0"/>
-              </a:defRPr>
-            </a:lvl7pPr>
-            <a:lvl8pPr marL="1371600" algn="l" defTabSz="457200" rtl="0" eaLnBrk="1" fontAlgn="base" hangingPunct="1">
-              <a:spcBef>
-                <a:spcPct val="0"/>
-              </a:spcBef>
-              <a:spcAft>
-                <a:spcPct val="0"/>
-              </a:spcAft>
-              <a:defRPr sz="4400">
-                <a:solidFill>
-                  <a:srgbClr val="58595B"/>
-                </a:solidFill>
-                <a:latin typeface="Rockwell" panose="02060603020205020403" pitchFamily="18" charset="0"/>
-              </a:defRPr>
-            </a:lvl8pPr>
-            <a:lvl9pPr marL="1828800" algn="l" defTabSz="457200" rtl="0" eaLnBrk="1" fontAlgn="base" hangingPunct="1">
-              <a:spcBef>
-                <a:spcPct val="0"/>
-              </a:spcBef>
-              <a:spcAft>
-                <a:spcPct val="0"/>
-              </a:spcAft>
-              <a:defRPr sz="4400">
-                <a:solidFill>
-                  <a:srgbClr val="58595B"/>
-                </a:solidFill>
-                <a:latin typeface="Rockwell" panose="02060603020205020403" pitchFamily="18" charset="0"/>
-              </a:defRPr>
-            </a:lvl9pPr>
-          </a:lstStyle>
-          <a:p>
-            <a:pPr marL="0" marR="0" lvl="0" indent="0" algn="ctr" defTabSz="457200" rtl="0" eaLnBrk="1" fontAlgn="base" latinLnBrk="0" hangingPunct="1">
-              <a:lnSpc>
-                <a:spcPct val="100000"/>
-              </a:lnSpc>
-              <a:spcBef>
-                <a:spcPct val="0"/>
-              </a:spcBef>
-              <a:spcAft>
-                <a:spcPct val="0"/>
-              </a:spcAft>
-              <a:buClrTx/>
-              <a:buSzTx/>
-              <a:buFontTx/>
-              <a:buNone/>
-              <a:tabLst/>
-              <a:defRPr/>
-            </a:pPr>
-            <a:endParaRPr kumimoji="0" lang="en-GB" sz="3200" b="0" i="0" u="none" strike="noStrike" kern="1200" cap="none" spc="0" normalizeH="0" baseline="0" noProof="0" dirty="0">
-              <a:ln>
-                <a:noFill/>
-              </a:ln>
-              <a:solidFill>
-                <a:schemeClr val="bg1"/>
-              </a:solidFill>
-              <a:effectLst/>
-              <a:uLnTx/>
-              <a:uFillTx/>
-              <a:latin typeface="Rockwell"/>
-              <a:ea typeface="+mj-ea"/>
-              <a:cs typeface="+mj-cs"/>
-            </a:endParaRPr>
-          </a:p>
-        </p:txBody>
-      </p:sp>
-      <p:pic>
-        <p:nvPicPr>
-          <p:cNvPr id="5" name="Picture 4">
-            <a:extLst>
-              <a:ext uri="{FF2B5EF4-FFF2-40B4-BE49-F238E27FC236}">
-                <a16:creationId xmlns:a16="http://schemas.microsoft.com/office/drawing/2014/main" id="{C0FC5728-83A2-7320-85CF-A0CAEE292168}"/>
-              </a:ext>
-            </a:extLst>
-          </p:cNvPr>
-          <p:cNvPicPr>
-            <a:picLocks noChangeAspect="1"/>
-          </p:cNvPicPr>
-          <p:nvPr/>
-        </p:nvPicPr>
-        <p:blipFill>
-          <a:blip r:embed="rId3"/>
-          <a:stretch>
-            <a:fillRect/>
-          </a:stretch>
-        </p:blipFill>
-        <p:spPr>
-          <a:xfrm>
-            <a:off x="1240382" y="1637082"/>
-            <a:ext cx="6620540" cy="4375924"/>
-          </a:xfrm>
-          <a:prstGeom prst="rect">
-            <a:avLst/>
-          </a:prstGeom>
-        </p:spPr>
-      </p:pic>
+          <a:lstStyle/>
+          <a:p>
+            <a:r>
+              <a:rPr lang="en-GB" sz="2400" b="1" dirty="0">
+                <a:solidFill>
+                  <a:schemeClr val="bg1"/>
+                </a:solidFill>
+              </a:rPr>
+              <a:t>3/9</a:t>
+            </a:r>
+          </a:p>
+        </p:txBody>
+      </p:sp>
     </p:spTree>
     <p:extLst>
       <p:ext uri="{BB962C8B-B14F-4D97-AF65-F5344CB8AC3E}">
-        <p14:creationId xmlns:p14="http://schemas.microsoft.com/office/powerpoint/2010/main" val="1521674977"/>
+        <p14:creationId xmlns:p14="http://schemas.microsoft.com/office/powerpoint/2010/main" val="3632522424"/>
       </p:ext>
     </p:extLst>
   </p:cSld>
@@ -6328,7 +6080,7 @@
         </p:nvSpPr>
         <p:spPr>
           <a:xfrm>
-            <a:off x="251520" y="908720"/>
+            <a:off x="251520" y="692696"/>
             <a:ext cx="8640960" cy="6480720"/>
           </a:xfrm>
         </p:spPr>
@@ -6339,131 +6091,75 @@
           <a:lstStyle/>
           <a:p>
             <a:r>
-              <a:rPr lang="en-GB" sz="5400" dirty="0">
-                <a:solidFill>
-                  <a:srgbClr val="00A3E0"/>
-                </a:solidFill>
-                <a:latin typeface="akagi_probook"/>
-              </a:rPr>
-              <a:t>Oceans (Where Feet May Fail)</a:t>
-            </a:r>
-          </a:p>
-          <a:p>
-            <a:br>
-              <a:rPr lang="en-GB" sz="1200" dirty="0">
-                <a:solidFill>
-                  <a:schemeClr val="bg1"/>
-                </a:solidFill>
-              </a:rPr>
-            </a:br>
-            <a:r>
-              <a:rPr lang="en-GB" sz="1200" dirty="0" err="1">
-                <a:solidFill>
-                  <a:schemeClr val="bg1"/>
-                </a:solidFill>
-              </a:rPr>
-              <a:t>G.CcliSongNumber</a:t>
-            </a:r>
-            <a:r>
-              <a:rPr lang="en-GB" sz="1200" dirty="0">
-                <a:solidFill>
-                  <a:schemeClr val="bg1"/>
-                </a:solidFill>
-              </a:rPr>
-              <a:t> 6428767</a:t>
-            </a:r>
-          </a:p>
-          <a:p>
-            <a:r>
-              <a:rPr lang="en-GB" sz="1200" dirty="0">
-                <a:solidFill>
-                  <a:schemeClr val="bg1"/>
-                </a:solidFill>
-              </a:rPr>
-              <a:t>Joel Houston | Matt Crocker | Salomon </a:t>
-            </a:r>
-            <a:r>
-              <a:rPr lang="en-GB" sz="1200" dirty="0" err="1">
-                <a:solidFill>
-                  <a:schemeClr val="bg1"/>
-                </a:solidFill>
-              </a:rPr>
-              <a:t>Ligthelm</a:t>
-            </a:r>
-            <a:endParaRPr lang="en-GB" sz="1200" dirty="0">
-              <a:solidFill>
-                <a:schemeClr val="bg1"/>
-              </a:solidFill>
-            </a:endParaRPr>
-          </a:p>
-          <a:p>
-            <a:r>
-              <a:rPr lang="en-GB" sz="1200" dirty="0">
-                <a:solidFill>
-                  <a:schemeClr val="bg1"/>
-                </a:solidFill>
-              </a:rPr>
-              <a:t>© 2012 Hillsong Music Publishing Australia</a:t>
-            </a:r>
-          </a:p>
-          <a:p>
-            <a:r>
-              <a:rPr lang="en-GB" sz="1200" dirty="0">
-                <a:solidFill>
-                  <a:schemeClr val="bg1"/>
-                </a:solidFill>
-              </a:rPr>
-              <a:t>For use solely with the </a:t>
-            </a:r>
-            <a:r>
-              <a:rPr lang="en-GB" sz="1200" dirty="0" err="1">
-                <a:solidFill>
-                  <a:schemeClr val="bg1"/>
-                </a:solidFill>
-              </a:rPr>
-              <a:t>SongSelect</a:t>
-            </a:r>
-            <a:r>
-              <a:rPr lang="en-GB" sz="1200" dirty="0">
-                <a:solidFill>
-                  <a:schemeClr val="bg1"/>
-                </a:solidFill>
-              </a:rPr>
-              <a:t>® </a:t>
-            </a:r>
-            <a:r>
-              <a:rPr lang="en-GB" sz="1200" dirty="0" err="1">
-                <a:solidFill>
-                  <a:schemeClr val="bg1"/>
-                </a:solidFill>
-              </a:rPr>
-              <a:t>G.LIT_TermsOfUse</a:t>
-            </a:r>
-            <a:r>
-              <a:rPr lang="en-GB" sz="1200" dirty="0">
-                <a:solidFill>
-                  <a:schemeClr val="bg1"/>
-                </a:solidFill>
-              </a:rPr>
-              <a:t>. All rights reserved. www.ccli.com</a:t>
-            </a:r>
-          </a:p>
-          <a:p>
-            <a:r>
-              <a:rPr lang="en-GB" sz="1200" dirty="0" err="1">
-                <a:solidFill>
-                  <a:schemeClr val="bg1"/>
-                </a:solidFill>
-              </a:rPr>
-              <a:t>G.CcliLicenseNumber</a:t>
-            </a:r>
-            <a:r>
-              <a:rPr lang="en-GB" sz="1200" dirty="0">
-                <a:solidFill>
-                  <a:schemeClr val="bg1"/>
-                </a:solidFill>
-              </a:rPr>
-              <a:t> 33265</a:t>
+              <a:rPr lang="en-GB" sz="4000" dirty="0">
+                <a:solidFill>
+                  <a:schemeClr val="bg1"/>
+                </a:solidFill>
+              </a:rPr>
+              <a:t>As we praise I can feel the change</a:t>
+            </a:r>
+          </a:p>
+          <a:p>
+            <a:r>
+              <a:rPr lang="en-GB" sz="4000" dirty="0">
+                <a:solidFill>
+                  <a:schemeClr val="bg1"/>
+                </a:solidFill>
+              </a:rPr>
+              <a:t>As Your presence now invades</a:t>
+            </a:r>
+          </a:p>
+          <a:p>
+            <a:r>
+              <a:rPr lang="en-GB" sz="4000" dirty="0">
+                <a:solidFill>
+                  <a:schemeClr val="bg1"/>
+                </a:solidFill>
+              </a:rPr>
+              <a:t>Hear the sound of the broken chains</a:t>
+            </a:r>
+          </a:p>
+          <a:p>
+            <a:r>
+              <a:rPr lang="en-GB" sz="4000" dirty="0">
+                <a:solidFill>
+                  <a:schemeClr val="bg1"/>
+                </a:solidFill>
+              </a:rPr>
+              <a:t>Prison doors are giving way</a:t>
+            </a:r>
+          </a:p>
+        </p:txBody>
+      </p:sp>
+      <p:sp>
+        <p:nvSpPr>
+          <p:cNvPr id="4" name="TextBox 3"/>
+          <p:cNvSpPr txBox="1"/>
+          <p:nvPr/>
+        </p:nvSpPr>
+        <p:spPr>
+          <a:xfrm>
+            <a:off x="8532440" y="0"/>
+            <a:ext cx="628698" cy="461665"/>
+          </a:xfrm>
+          <a:prstGeom prst="rect">
+            <a:avLst/>
+          </a:prstGeom>
+          <a:noFill/>
+        </p:spPr>
+        <p:txBody>
+          <a:bodyPr wrap="none" rtlCol="0">
+            <a:spAutoFit/>
+          </a:bodyPr>
+          <a:lstStyle/>
+          <a:p>
+            <a:r>
+              <a:rPr lang="en-GB" sz="2400" b="1" dirty="0">
+                <a:solidFill>
+                  <a:schemeClr val="bg1"/>
+                </a:solidFill>
+              </a:rPr>
+              <a:t>4/9</a:t>
             </a:r>
           </a:p>
         </p:txBody>
@@ -6471,7 +6167,7 @@
     </p:spTree>
     <p:extLst>
       <p:ext uri="{BB962C8B-B14F-4D97-AF65-F5344CB8AC3E}">
-        <p14:creationId xmlns:p14="http://schemas.microsoft.com/office/powerpoint/2010/main" val="2164743945"/>
+        <p14:creationId xmlns:p14="http://schemas.microsoft.com/office/powerpoint/2010/main" val="2394190690"/>
       </p:ext>
     </p:extLst>
   </p:cSld>
@@ -7006,7 +6702,7 @@
         </p:nvSpPr>
         <p:spPr>
           <a:xfrm>
-            <a:off x="251520" y="764704"/>
+            <a:off x="248838" y="764704"/>
             <a:ext cx="8640960" cy="6480720"/>
           </a:xfrm>
         </p:spPr>
@@ -7017,49 +6713,55 @@
           <a:lstStyle/>
           <a:p>
             <a:r>
-              <a:rPr lang="en-GB" sz="4400" dirty="0">
-                <a:solidFill>
-                  <a:schemeClr val="bg1"/>
-                </a:solidFill>
-              </a:rPr>
-              <a:t>You call me out upon the waters</a:t>
-            </a:r>
-          </a:p>
-          <a:p>
-            <a:r>
-              <a:rPr lang="en-GB" sz="4400" dirty="0">
-                <a:solidFill>
-                  <a:schemeClr val="bg1"/>
-                </a:solidFill>
-              </a:rPr>
-              <a:t>The great unknown where feet may fail</a:t>
-            </a:r>
-          </a:p>
-          <a:p>
-            <a:r>
-              <a:rPr lang="en-GB" sz="4400" dirty="0">
-                <a:solidFill>
-                  <a:schemeClr val="bg1"/>
-                </a:solidFill>
-              </a:rPr>
-              <a:t>And there I find You in the mystery</a:t>
-            </a:r>
-          </a:p>
-          <a:p>
-            <a:r>
-              <a:rPr lang="en-GB" sz="4400" dirty="0">
-                <a:solidFill>
-                  <a:schemeClr val="bg1"/>
-                </a:solidFill>
-              </a:rPr>
-              <a:t>In oceans deep my faith will stand</a:t>
-            </a:r>
-          </a:p>
-        </p:txBody>
-      </p:sp>
-      <p:sp>
-        <p:nvSpPr>
-          <p:cNvPr id="4" name="TextBox 3"/>
+              <a:rPr lang="en-GB" sz="4000" dirty="0">
+                <a:solidFill>
+                  <a:schemeClr val="bg1"/>
+                </a:solidFill>
+              </a:rPr>
+              <a:t>This is prophetic I can feel it in the air</a:t>
+            </a:r>
+          </a:p>
+          <a:p>
+            <a:r>
+              <a:rPr lang="en-GB" sz="4000" dirty="0">
+                <a:solidFill>
+                  <a:schemeClr val="bg1"/>
+                </a:solidFill>
+              </a:rPr>
+              <a:t>We lift our praise and You change the atmosphere</a:t>
+            </a:r>
+          </a:p>
+          <a:p>
+            <a:r>
+              <a:rPr lang="en-GB" sz="4000" dirty="0">
+                <a:solidFill>
+                  <a:schemeClr val="bg1"/>
+                </a:solidFill>
+              </a:rPr>
+              <a:t>With hearts open now everybody singing out</a:t>
+            </a:r>
+          </a:p>
+          <a:p>
+            <a:r>
+              <a:rPr lang="en-GB" sz="4000" dirty="0">
+                <a:solidFill>
+                  <a:schemeClr val="bg1"/>
+                </a:solidFill>
+              </a:rPr>
+              <a:t>I am free!</a:t>
+            </a:r>
+          </a:p>
+        </p:txBody>
+      </p:sp>
+      <p:sp>
+        <p:nvSpPr>
+          <p:cNvPr id="2" name="TextBox 1">
+            <a:extLst>
+              <a:ext uri="{FF2B5EF4-FFF2-40B4-BE49-F238E27FC236}">
+                <a16:creationId xmlns:a16="http://schemas.microsoft.com/office/drawing/2014/main" id="{1AD6D15D-1416-3B71-D883-9195F71C6904}"/>
+              </a:ext>
+            </a:extLst>
+          </p:cNvPr>
           <p:cNvSpPr txBox="1"/>
           <p:nvPr/>
         </p:nvSpPr>
@@ -7085,7 +6787,7 @@
                   <a:schemeClr val="bg1"/>
                 </a:solidFill>
               </a:rPr>
-              <a:t>1/4</a:t>
+              <a:t>5/9</a:t>
             </a:r>
           </a:p>
         </p:txBody>
@@ -7093,7 +6795,7 @@
     </p:spTree>
     <p:extLst>
       <p:ext uri="{BB962C8B-B14F-4D97-AF65-F5344CB8AC3E}">
-        <p14:creationId xmlns:p14="http://schemas.microsoft.com/office/powerpoint/2010/main" val="3295211522"/>
+        <p14:creationId xmlns:p14="http://schemas.microsoft.com/office/powerpoint/2010/main" val="1109063382"/>
       </p:ext>
     </p:extLst>
   </p:cSld>
@@ -7132,7 +6834,7 @@
         </p:nvSpPr>
         <p:spPr>
           <a:xfrm>
-            <a:off x="251520" y="764704"/>
+            <a:off x="251520" y="692696"/>
             <a:ext cx="8640960" cy="6480720"/>
           </a:xfrm>
         </p:spPr>
@@ -7143,59 +6845,55 @@
           <a:lstStyle/>
           <a:p>
             <a:r>
-              <a:rPr lang="en-GB" sz="4400" dirty="0">
-                <a:solidFill>
-                  <a:schemeClr val="bg1"/>
-                </a:solidFill>
-              </a:rPr>
-              <a:t>And I will call upon Your name</a:t>
-            </a:r>
-          </a:p>
-          <a:p>
-            <a:r>
-              <a:rPr lang="en-GB" sz="4400" dirty="0">
-                <a:solidFill>
-                  <a:schemeClr val="bg1"/>
-                </a:solidFill>
-              </a:rPr>
-              <a:t>And keep my eyes above the waves</a:t>
-            </a:r>
-          </a:p>
-          <a:p>
-            <a:r>
-              <a:rPr lang="en-GB" sz="4400" dirty="0">
-                <a:solidFill>
-                  <a:schemeClr val="bg1"/>
-                </a:solidFill>
-              </a:rPr>
-              <a:t>When oceans rise</a:t>
-            </a:r>
-          </a:p>
-          <a:p>
-            <a:r>
-              <a:rPr lang="en-GB" sz="4400" dirty="0">
-                <a:solidFill>
-                  <a:schemeClr val="bg1"/>
-                </a:solidFill>
-              </a:rPr>
-              <a:t>My soul will rest in Your embrace</a:t>
-            </a:r>
-          </a:p>
-          <a:p>
-            <a:r>
-              <a:rPr lang="en-GB" sz="4400" dirty="0">
-                <a:solidFill>
-                  <a:schemeClr val="bg1"/>
-                </a:solidFill>
-              </a:rPr>
-              <a:t>For I am Yours and You are mine</a:t>
-            </a:r>
-          </a:p>
-        </p:txBody>
-      </p:sp>
-      <p:sp>
-        <p:nvSpPr>
-          <p:cNvPr id="4" name="TextBox 3"/>
+              <a:rPr lang="en-GB" sz="4000" dirty="0">
+                <a:solidFill>
+                  <a:schemeClr val="bg1"/>
+                </a:solidFill>
+              </a:rPr>
+              <a:t>Turn it up this sound of praise</a:t>
+            </a:r>
+          </a:p>
+          <a:p>
+            <a:r>
+              <a:rPr lang="en-GB" sz="4000" dirty="0">
+                <a:solidFill>
+                  <a:schemeClr val="bg1"/>
+                </a:solidFill>
+              </a:rPr>
+              <a:t>Make it louder than any other</a:t>
+            </a:r>
+          </a:p>
+          <a:p>
+            <a:r>
+              <a:rPr lang="en-GB" sz="4000" dirty="0">
+                <a:solidFill>
+                  <a:schemeClr val="bg1"/>
+                </a:solidFill>
+              </a:rPr>
+              <a:t>Lift Him up and shout His name over all</a:t>
+            </a:r>
+          </a:p>
+          <a:p>
+            <a:r>
+              <a:rPr lang="en-GB" sz="4000" dirty="0">
+                <a:solidFill>
+                  <a:schemeClr val="bg1"/>
+                </a:solidFill>
+              </a:rPr>
+              <a:t>(2ce)</a:t>
+            </a:r>
+          </a:p>
+        </p:txBody>
+      </p:sp>
+      <p:sp>
+        <p:nvSpPr>
+          <p:cNvPr id="2" name="TextBox 1">
+            <a:extLst>
+              <a:ext uri="{FF2B5EF4-FFF2-40B4-BE49-F238E27FC236}">
+                <a16:creationId xmlns:a16="http://schemas.microsoft.com/office/drawing/2014/main" id="{92EF6D79-280D-EBAF-CB84-0A314BE8B6CC}"/>
+              </a:ext>
+            </a:extLst>
+          </p:cNvPr>
           <p:cNvSpPr txBox="1"/>
           <p:nvPr/>
         </p:nvSpPr>
@@ -7221,7 +6919,7 @@
                   <a:schemeClr val="bg1"/>
                 </a:solidFill>
               </a:rPr>
-              <a:t>2/4</a:t>
+              <a:t>6/9</a:t>
             </a:r>
           </a:p>
         </p:txBody>
@@ -7229,7 +6927,7 @@
     </p:spTree>
     <p:extLst>
       <p:ext uri="{BB962C8B-B14F-4D97-AF65-F5344CB8AC3E}">
-        <p14:creationId xmlns:p14="http://schemas.microsoft.com/office/powerpoint/2010/main" val="511700345"/>
+        <p14:creationId xmlns:p14="http://schemas.microsoft.com/office/powerpoint/2010/main" val="2743705161"/>
       </p:ext>
     </p:extLst>
   </p:cSld>
@@ -7268,7 +6966,7 @@
         </p:nvSpPr>
         <p:spPr>
           <a:xfrm>
-            <a:off x="251520" y="764704"/>
+            <a:off x="251520" y="692696"/>
             <a:ext cx="8640960" cy="6480720"/>
           </a:xfrm>
         </p:spPr>
@@ -7279,58 +6977,32 @@
           <a:lstStyle/>
           <a:p>
             <a:r>
-              <a:rPr lang="en-GB" sz="4400" dirty="0">
-                <a:solidFill>
-                  <a:schemeClr val="bg1"/>
-                </a:solidFill>
-              </a:rPr>
-              <a:t>Your grace abounds in deepest waters</a:t>
-            </a:r>
-          </a:p>
-          <a:p>
-            <a:r>
-              <a:rPr lang="en-GB" sz="4400" dirty="0">
-                <a:solidFill>
-                  <a:schemeClr val="bg1"/>
-                </a:solidFill>
-              </a:rPr>
-              <a:t>Your </a:t>
-            </a:r>
-            <a:r>
-              <a:rPr lang="en-GB" sz="4400" dirty="0" err="1">
-                <a:solidFill>
-                  <a:schemeClr val="bg1"/>
-                </a:solidFill>
-              </a:rPr>
-              <a:t>sov'reign</a:t>
-            </a:r>
-            <a:r>
-              <a:rPr lang="en-GB" sz="4400" dirty="0">
-                <a:solidFill>
-                  <a:schemeClr val="bg1"/>
-                </a:solidFill>
-              </a:rPr>
-              <a:t> hand will be my guide</a:t>
-            </a:r>
-          </a:p>
-          <a:p>
-            <a:r>
-              <a:rPr lang="en-GB" sz="4400" dirty="0">
-                <a:solidFill>
-                  <a:schemeClr val="bg1"/>
-                </a:solidFill>
-              </a:rPr>
-              <a:t>Where feet may fail and fear surrounds me</a:t>
-            </a:r>
-          </a:p>
-          <a:p>
-            <a:r>
-              <a:rPr lang="en-GB" sz="4400" dirty="0">
-                <a:solidFill>
-                  <a:schemeClr val="bg1"/>
-                </a:solidFill>
-              </a:rPr>
-              <a:t>You've never failed and You won't start now</a:t>
+              <a:rPr lang="en-GB" sz="4000" dirty="0">
+                <a:solidFill>
+                  <a:schemeClr val="bg1"/>
+                </a:solidFill>
+              </a:rPr>
+              <a:t>Our praise goes up</a:t>
+            </a:r>
+          </a:p>
+          <a:p>
+            <a:r>
+              <a:rPr lang="en-GB" sz="4000" dirty="0">
+                <a:solidFill>
+                  <a:schemeClr val="bg1"/>
+                </a:solidFill>
+              </a:rPr>
+              <a:t>Your rain comes down</a:t>
+            </a:r>
+          </a:p>
+          <a:p>
+            <a:r>
+              <a:rPr lang="en-GB" sz="4000" dirty="0">
+                <a:solidFill>
+                  <a:schemeClr val="bg1"/>
+                </a:solidFill>
+              </a:rPr>
+              <a:t>(REPEAT)</a:t>
             </a:r>
           </a:p>
         </p:txBody>
@@ -7363,7 +7035,7 @@
                   <a:schemeClr val="bg1"/>
                 </a:solidFill>
               </a:rPr>
-              <a:t>3/4</a:t>
+              <a:t>7/9</a:t>
             </a:r>
           </a:p>
         </p:txBody>
@@ -7371,7 +7043,7 @@
     </p:spTree>
     <p:extLst>
       <p:ext uri="{BB962C8B-B14F-4D97-AF65-F5344CB8AC3E}">
-        <p14:creationId xmlns:p14="http://schemas.microsoft.com/office/powerpoint/2010/main" val="2790068845"/>
+        <p14:creationId xmlns:p14="http://schemas.microsoft.com/office/powerpoint/2010/main" val="2444121112"/>
       </p:ext>
     </p:extLst>
   </p:cSld>
@@ -7410,7 +7082,7 @@
         </p:nvSpPr>
         <p:spPr>
           <a:xfrm>
-            <a:off x="251520" y="764704"/>
+            <a:off x="251520" y="692696"/>
             <a:ext cx="8640960" cy="6480720"/>
           </a:xfrm>
         </p:spPr>
@@ -7426,7 +7098,7 @@
                   <a:schemeClr val="bg1"/>
                 </a:solidFill>
               </a:rPr>
-              <a:t>Spirit, lead me where my trust is without borders</a:t>
+              <a:t>With shouts of praise we celebrate</a:t>
             </a:r>
           </a:p>
           <a:p>
@@ -7436,7 +7108,7 @@
                   <a:schemeClr val="bg1"/>
                 </a:solidFill>
               </a:rPr>
-              <a:t>Let me walk upon the waters</a:t>
+              <a:t>King of glory enter in</a:t>
             </a:r>
           </a:p>
           <a:p>
@@ -7446,51 +7118,27 @@
                   <a:schemeClr val="bg1"/>
                 </a:solidFill>
               </a:rPr>
-              <a:t>Wherever You would call me</a:t>
-            </a:r>
-          </a:p>
-          <a:p>
-            <a:r>
-              <a:rPr lang="en-GB" sz="4000" dirty="0">
-                <a:solidFill>
-                  <a:schemeClr val="bg1"/>
-                </a:solidFill>
-              </a:rPr>
-              <a:t>Take me deeper than my feet could ever wander</a:t>
-            </a:r>
-          </a:p>
-          <a:p>
-            <a:r>
-              <a:rPr lang="en-GB" sz="4000" dirty="0">
-                <a:solidFill>
-                  <a:schemeClr val="bg1"/>
-                </a:solidFill>
-              </a:rPr>
-              <a:t>And my faith will be made stronger</a:t>
-            </a:r>
-          </a:p>
-          <a:p>
-            <a:r>
-              <a:rPr lang="en-GB" sz="4000" dirty="0">
-                <a:solidFill>
-                  <a:schemeClr val="bg1"/>
-                </a:solidFill>
-              </a:rPr>
-              <a:t>In the presence of my Saviour</a:t>
-            </a:r>
-          </a:p>
-        </p:txBody>
-      </p:sp>
-      <p:sp>
-        <p:nvSpPr>
-          <p:cNvPr id="4" name="TextBox 3"/>
+              <a:t>You are riding on our praise oh Lord</a:t>
+            </a:r>
+          </a:p>
+        </p:txBody>
+      </p:sp>
+      <p:sp>
+        <p:nvSpPr>
+          <p:cNvPr id="2" name="TextBox 1">
+            <a:extLst>
+              <a:ext uri="{FF2B5EF4-FFF2-40B4-BE49-F238E27FC236}">
+                <a16:creationId xmlns:a16="http://schemas.microsoft.com/office/drawing/2014/main" id="{263E6135-D8E2-62A8-F9B3-405DF105C590}"/>
+              </a:ext>
+            </a:extLst>
+          </p:cNvPr>
           <p:cNvSpPr txBox="1"/>
           <p:nvPr/>
         </p:nvSpPr>
         <p:spPr>
           <a:xfrm>
             <a:off x="8529729" y="0"/>
-            <a:ext cx="628698" cy="461665"/>
+            <a:ext cx="627095" cy="461665"/>
           </a:xfrm>
           <a:prstGeom prst="rect">
             <a:avLst/>
@@ -7509,7 +7157,7 @@
                   <a:schemeClr val="bg1"/>
                 </a:solidFill>
               </a:rPr>
-              <a:t>4/4</a:t>
+              <a:t>8/9</a:t>
             </a:r>
           </a:p>
         </p:txBody>
@@ -7517,7 +7165,7 @@
     </p:spTree>
     <p:extLst>
       <p:ext uri="{BB962C8B-B14F-4D97-AF65-F5344CB8AC3E}">
-        <p14:creationId xmlns:p14="http://schemas.microsoft.com/office/powerpoint/2010/main" val="2899306242"/>
+        <p14:creationId xmlns:p14="http://schemas.microsoft.com/office/powerpoint/2010/main" val="2587189727"/>
       </p:ext>
     </p:extLst>
   </p:cSld>
@@ -7556,7 +7204,7 @@
         </p:nvSpPr>
         <p:spPr>
           <a:xfrm>
-            <a:off x="323528" y="188640"/>
+            <a:off x="251520" y="692696"/>
             <a:ext cx="8640960" cy="6480720"/>
           </a:xfrm>
         </p:spPr>
@@ -7566,164 +7214,76 @@
           </a:bodyPr>
           <a:lstStyle/>
           <a:p>
-            <a:endParaRPr lang="en-GB" sz="5400" dirty="0">
-              <a:solidFill>
-                <a:schemeClr val="bg1"/>
-              </a:solidFill>
-            </a:endParaRPr>
-          </a:p>
-          <a:p>
-            <a:r>
-              <a:rPr lang="en-GB" sz="4400" b="0" i="0" dirty="0">
-                <a:solidFill>
-                  <a:srgbClr val="00A3E0"/>
-                </a:solidFill>
-                <a:effectLst/>
-                <a:latin typeface="akagi_probook"/>
-              </a:rPr>
-              <a:t>Waiting Here For You</a:t>
-            </a:r>
-          </a:p>
-          <a:p>
-            <a:br>
-              <a:rPr lang="en-GB" sz="1200" dirty="0">
-                <a:solidFill>
-                  <a:schemeClr val="bg1"/>
-                </a:solidFill>
-              </a:rPr>
-            </a:br>
-            <a:r>
-              <a:rPr lang="en-GB" sz="1200" dirty="0">
-                <a:solidFill>
-                  <a:schemeClr val="bg1"/>
-                </a:solidFill>
-              </a:rPr>
-              <a:t>CCLI Song # 5925663</a:t>
-            </a:r>
-          </a:p>
-          <a:p>
-            <a:endParaRPr lang="en-GB" sz="1200" dirty="0">
-              <a:solidFill>
-                <a:schemeClr val="bg1"/>
-              </a:solidFill>
-            </a:endParaRPr>
-          </a:p>
-          <a:p>
-            <a:r>
-              <a:rPr lang="en-GB" sz="1200" dirty="0">
-                <a:solidFill>
-                  <a:schemeClr val="bg1"/>
-                </a:solidFill>
-              </a:rPr>
-              <a:t>Chris Tomlin | Jesse Reeves | Martin Smith</a:t>
-            </a:r>
-          </a:p>
-          <a:p>
-            <a:endParaRPr lang="en-GB" sz="1200" dirty="0">
-              <a:solidFill>
-                <a:schemeClr val="bg1"/>
-              </a:solidFill>
-            </a:endParaRPr>
-          </a:p>
-          <a:p>
-            <a:r>
-              <a:rPr lang="en-GB" sz="1200" dirty="0">
-                <a:solidFill>
-                  <a:schemeClr val="bg1"/>
-                </a:solidFill>
-              </a:rPr>
-              <a:t>© 2011 Rising Springs Music (Admin. by Capitol CMG Publishing)</a:t>
-            </a:r>
-          </a:p>
-          <a:p>
-            <a:r>
-              <a:rPr lang="en-GB" sz="1200" dirty="0" err="1">
-                <a:solidFill>
-                  <a:schemeClr val="bg1"/>
-                </a:solidFill>
-              </a:rPr>
-              <a:t>Vamos</a:t>
-            </a:r>
-            <a:r>
-              <a:rPr lang="en-GB" sz="1200" dirty="0">
-                <a:solidFill>
-                  <a:schemeClr val="bg1"/>
-                </a:solidFill>
-              </a:rPr>
-              <a:t> Publishing (Admin. by Capitol CMG Publishing)</a:t>
-            </a:r>
-          </a:p>
-          <a:p>
-            <a:r>
-              <a:rPr lang="en-GB" sz="1200" dirty="0">
-                <a:solidFill>
-                  <a:schemeClr val="bg1"/>
-                </a:solidFill>
-              </a:rPr>
-              <a:t>worshiptogether.com songs (Admin. by Capitol CMG Publishing)</a:t>
-            </a:r>
-          </a:p>
-          <a:p>
-            <a:r>
-              <a:rPr lang="en-GB" sz="1200" dirty="0">
-                <a:solidFill>
-                  <a:schemeClr val="bg1"/>
-                </a:solidFill>
-              </a:rPr>
-              <a:t>Smith United (Admin. by Integrity Music Ltd)</a:t>
-            </a:r>
-          </a:p>
-          <a:p>
-            <a:r>
-              <a:rPr lang="en-GB" sz="1200" dirty="0">
-                <a:solidFill>
-                  <a:schemeClr val="bg1"/>
-                </a:solidFill>
-              </a:rPr>
-              <a:t>Thankyou Music (Admin. by Integrity Music Ltd)</a:t>
-            </a:r>
-          </a:p>
-          <a:p>
-            <a:r>
-              <a:rPr lang="en-GB" sz="1200" dirty="0">
-                <a:solidFill>
-                  <a:schemeClr val="bg1"/>
-                </a:solidFill>
-              </a:rPr>
-              <a:t>For use solely with the </a:t>
-            </a:r>
-            <a:r>
-              <a:rPr lang="en-GB" sz="1200" dirty="0" err="1">
-                <a:solidFill>
-                  <a:schemeClr val="bg1"/>
-                </a:solidFill>
-              </a:rPr>
-              <a:t>SongSelect</a:t>
-            </a:r>
-            <a:r>
-              <a:rPr lang="en-GB" sz="1200" dirty="0">
-                <a:solidFill>
-                  <a:schemeClr val="bg1"/>
-                </a:solidFill>
-              </a:rPr>
-              <a:t>® Terms of Use. All rights reserved. www.ccli.com</a:t>
-            </a:r>
-          </a:p>
-          <a:p>
-            <a:endParaRPr lang="en-GB" sz="1200" dirty="0">
-              <a:solidFill>
-                <a:schemeClr val="bg1"/>
-              </a:solidFill>
-            </a:endParaRPr>
-          </a:p>
-          <a:p>
-            <a:r>
-              <a:rPr lang="en-GB" sz="1200" dirty="0">
-                <a:solidFill>
-                  <a:schemeClr val="bg1"/>
-                </a:solidFill>
-              </a:rPr>
-              <a:t>CCLI Licence No. 33265</a:t>
+            <a:r>
+              <a:rPr lang="en-GB" sz="4000" dirty="0">
+                <a:solidFill>
+                  <a:schemeClr val="bg1"/>
+                </a:solidFill>
+              </a:rPr>
+              <a:t>Turn it up this sound of praise</a:t>
+            </a:r>
+          </a:p>
+          <a:p>
+            <a:r>
+              <a:rPr lang="en-GB" sz="4000" dirty="0">
+                <a:solidFill>
+                  <a:schemeClr val="bg1"/>
+                </a:solidFill>
+              </a:rPr>
+              <a:t>Make it louder than any other</a:t>
+            </a:r>
+          </a:p>
+          <a:p>
+            <a:r>
+              <a:rPr lang="en-GB" sz="4000" dirty="0">
+                <a:solidFill>
+                  <a:schemeClr val="bg1"/>
+                </a:solidFill>
+              </a:rPr>
+              <a:t>Lift Him up and shout His name over all</a:t>
+            </a:r>
+          </a:p>
+          <a:p>
+            <a:r>
+              <a:rPr lang="en-GB" sz="4000" dirty="0">
+                <a:solidFill>
+                  <a:schemeClr val="bg1"/>
+                </a:solidFill>
+              </a:rPr>
+              <a:t>2ce</a:t>
+            </a:r>
+          </a:p>
+        </p:txBody>
+      </p:sp>
+      <p:sp>
+        <p:nvSpPr>
+          <p:cNvPr id="4" name="TextBox 3"/>
+          <p:cNvSpPr txBox="1"/>
+          <p:nvPr/>
+        </p:nvSpPr>
+        <p:spPr>
+          <a:xfrm>
+            <a:off x="8529729" y="0"/>
+            <a:ext cx="628698" cy="461665"/>
+          </a:xfrm>
+          <a:prstGeom prst="rect">
+            <a:avLst/>
+          </a:prstGeom>
+          <a:noFill/>
+        </p:spPr>
+        <p:txBody>
+          <a:bodyPr wrap="none" rtlCol="0">
+            <a:spAutoFit/>
+          </a:bodyPr>
+          <a:lstStyle/>
+          <a:p>
+            <a:r>
+              <a:rPr lang="en-GB" sz="2400" b="1" dirty="0">
+                <a:solidFill>
+                  <a:schemeClr val="bg1"/>
+                </a:solidFill>
+              </a:rPr>
+              <a:t>9/9</a:t>
             </a:r>
           </a:p>
         </p:txBody>
@@ -7731,7 +7291,7 @@
     </p:spTree>
     <p:extLst>
       <p:ext uri="{BB962C8B-B14F-4D97-AF65-F5344CB8AC3E}">
-        <p14:creationId xmlns:p14="http://schemas.microsoft.com/office/powerpoint/2010/main" val="10811798"/>
+        <p14:creationId xmlns:p14="http://schemas.microsoft.com/office/powerpoint/2010/main" val="2208129866"/>
       </p:ext>
     </p:extLst>
   </p:cSld>
@@ -7760,114 +7320,474 @@
       </p:grpSpPr>
       <p:sp>
         <p:nvSpPr>
-          <p:cNvPr id="3" name="Subtitle 2"/>
-          <p:cNvSpPr>
-            <a:spLocks noGrp="1"/>
-          </p:cNvSpPr>
-          <p:nvPr>
-            <p:ph type="subTitle" idx="1"/>
-          </p:nvPr>
-        </p:nvSpPr>
-        <p:spPr>
+          <p:cNvPr id="2" name="Title 1">
+            <a:extLst>
+              <a:ext uri="{FF2B5EF4-FFF2-40B4-BE49-F238E27FC236}">
+                <a16:creationId xmlns:a16="http://schemas.microsoft.com/office/drawing/2014/main" id="{8D906D2A-5E68-F15C-89E4-2DBC4F4793A3}"/>
+              </a:ext>
+            </a:extLst>
+          </p:cNvPr>
+          <p:cNvSpPr txBox="1">
+            <a:spLocks/>
+          </p:cNvSpPr>
+          <p:nvPr/>
+        </p:nvSpPr>
+        <p:spPr bwMode="auto">
           <a:xfrm>
-            <a:off x="251520" y="764704"/>
-            <a:ext cx="8640960" cy="6480720"/>
-          </a:xfrm>
-        </p:spPr>
-        <p:txBody>
-          <a:bodyPr>
-            <a:noAutofit/>
-          </a:bodyPr>
-          <a:lstStyle/>
-          <a:p>
-            <a:r>
-              <a:rPr lang="en-GB" sz="4000" dirty="0">
-                <a:solidFill>
-                  <a:schemeClr val="bg1"/>
-                </a:solidFill>
-              </a:rPr>
-              <a:t>If faith can move the mountains</a:t>
-            </a:r>
-          </a:p>
-          <a:p>
-            <a:r>
-              <a:rPr lang="en-GB" sz="4000" dirty="0">
-                <a:solidFill>
-                  <a:schemeClr val="bg1"/>
-                </a:solidFill>
-              </a:rPr>
-              <a:t>Let the mountains move</a:t>
-            </a:r>
-          </a:p>
-          <a:p>
-            <a:r>
-              <a:rPr lang="en-GB" sz="4000" dirty="0">
-                <a:solidFill>
-                  <a:schemeClr val="bg1"/>
-                </a:solidFill>
-              </a:rPr>
-              <a:t>We come with expectation</a:t>
-            </a:r>
-          </a:p>
-          <a:p>
-            <a:r>
-              <a:rPr lang="en-GB" sz="4000" dirty="0">
-                <a:solidFill>
-                  <a:schemeClr val="bg1"/>
-                </a:solidFill>
-              </a:rPr>
-              <a:t>Waiting here for You</a:t>
-            </a:r>
-          </a:p>
-          <a:p>
-            <a:r>
-              <a:rPr lang="en-GB" sz="4000" dirty="0">
-                <a:solidFill>
-                  <a:schemeClr val="bg1"/>
-                </a:solidFill>
-              </a:rPr>
-              <a:t>Waiting here for You</a:t>
-            </a:r>
-          </a:p>
-        </p:txBody>
-      </p:sp>
-      <p:sp>
-        <p:nvSpPr>
-          <p:cNvPr id="4" name="TextBox 3"/>
-          <p:cNvSpPr txBox="1"/>
-          <p:nvPr/>
-        </p:nvSpPr>
-        <p:spPr>
-          <a:xfrm>
-            <a:off x="8529729" y="0"/>
-            <a:ext cx="628698" cy="461665"/>
+            <a:off x="457200" y="836712"/>
+            <a:ext cx="8229600" cy="489346"/>
           </a:xfrm>
           <a:prstGeom prst="rect">
             <a:avLst/>
           </a:prstGeom>
           <a:noFill/>
+          <a:ln>
+            <a:noFill/>
+          </a:ln>
+          <a:extLst>
+            <a:ext uri="{909E8E84-426E-40DD-AFC4-6F175D3DCCD1}">
+              <a14:hiddenFill xmlns:a14="http://schemas.microsoft.com/office/drawing/2010/main">
+                <a:solidFill>
+                  <a:srgbClr val="FFFFFF"/>
+                </a:solidFill>
+              </a14:hiddenFill>
+            </a:ext>
+            <a:ext uri="{91240B29-F687-4F45-9708-019B960494DF}">
+              <a14:hiddenLine xmlns:a14="http://schemas.microsoft.com/office/drawing/2010/main" w="9525">
+                <a:solidFill>
+                  <a:srgbClr val="000000"/>
+                </a:solidFill>
+                <a:miter lim="800000"/>
+                <a:headEnd/>
+                <a:tailEnd/>
+              </a14:hiddenLine>
+            </a:ext>
+          </a:extLst>
         </p:spPr>
         <p:txBody>
-          <a:bodyPr wrap="none" rtlCol="0">
-            <a:spAutoFit/>
+          <a:bodyPr vert="horz" wrap="square" lIns="91440" tIns="45720" rIns="91440" bIns="45720" numCol="1" anchor="ctr" anchorCtr="0" compatLnSpc="1">
+            <a:prstTxWarp prst="textNoShape">
+              <a:avLst/>
+            </a:prstTxWarp>
+            <a:normAutofit fontScale="90000" lnSpcReduction="10000"/>
           </a:bodyPr>
-          <a:lstStyle/>
-          <a:p>
-            <a:r>
-              <a:rPr lang="en-GB" sz="2400" b="1" dirty="0">
-                <a:solidFill>
-                  <a:schemeClr val="bg1"/>
-                </a:solidFill>
-              </a:rPr>
-              <a:t>1/7</a:t>
-            </a:r>
-          </a:p>
-        </p:txBody>
-      </p:sp>
+          <a:lstStyle>
+            <a:lvl1pPr algn="l" defTabSz="457200" rtl="0" eaLnBrk="1" fontAlgn="base" hangingPunct="1">
+              <a:spcBef>
+                <a:spcPct val="0"/>
+              </a:spcBef>
+              <a:spcAft>
+                <a:spcPct val="0"/>
+              </a:spcAft>
+              <a:defRPr sz="3200" kern="1200">
+                <a:solidFill>
+                  <a:srgbClr val="58595B"/>
+                </a:solidFill>
+                <a:latin typeface="Rockwell"/>
+                <a:ea typeface="+mj-ea"/>
+                <a:cs typeface="+mj-cs"/>
+              </a:defRPr>
+            </a:lvl1pPr>
+            <a:lvl2pPr algn="l" defTabSz="457200" rtl="0" eaLnBrk="1" fontAlgn="base" hangingPunct="1">
+              <a:spcBef>
+                <a:spcPct val="0"/>
+              </a:spcBef>
+              <a:spcAft>
+                <a:spcPct val="0"/>
+              </a:spcAft>
+              <a:defRPr sz="4400">
+                <a:solidFill>
+                  <a:srgbClr val="58595B"/>
+                </a:solidFill>
+                <a:latin typeface="Rockwell" panose="02060603020205020403" pitchFamily="18" charset="0"/>
+              </a:defRPr>
+            </a:lvl2pPr>
+            <a:lvl3pPr algn="l" defTabSz="457200" rtl="0" eaLnBrk="1" fontAlgn="base" hangingPunct="1">
+              <a:spcBef>
+                <a:spcPct val="0"/>
+              </a:spcBef>
+              <a:spcAft>
+                <a:spcPct val="0"/>
+              </a:spcAft>
+              <a:defRPr sz="4400">
+                <a:solidFill>
+                  <a:srgbClr val="58595B"/>
+                </a:solidFill>
+                <a:latin typeface="Rockwell" panose="02060603020205020403" pitchFamily="18" charset="0"/>
+              </a:defRPr>
+            </a:lvl3pPr>
+            <a:lvl4pPr algn="l" defTabSz="457200" rtl="0" eaLnBrk="1" fontAlgn="base" hangingPunct="1">
+              <a:spcBef>
+                <a:spcPct val="0"/>
+              </a:spcBef>
+              <a:spcAft>
+                <a:spcPct val="0"/>
+              </a:spcAft>
+              <a:defRPr sz="4400">
+                <a:solidFill>
+                  <a:srgbClr val="58595B"/>
+                </a:solidFill>
+                <a:latin typeface="Rockwell" panose="02060603020205020403" pitchFamily="18" charset="0"/>
+              </a:defRPr>
+            </a:lvl4pPr>
+            <a:lvl5pPr algn="l" defTabSz="457200" rtl="0" eaLnBrk="1" fontAlgn="base" hangingPunct="1">
+              <a:spcBef>
+                <a:spcPct val="0"/>
+              </a:spcBef>
+              <a:spcAft>
+                <a:spcPct val="0"/>
+              </a:spcAft>
+              <a:defRPr sz="4400">
+                <a:solidFill>
+                  <a:srgbClr val="58595B"/>
+                </a:solidFill>
+                <a:latin typeface="Rockwell" panose="02060603020205020403" pitchFamily="18" charset="0"/>
+              </a:defRPr>
+            </a:lvl5pPr>
+            <a:lvl6pPr marL="457200" algn="l" defTabSz="457200" rtl="0" eaLnBrk="1" fontAlgn="base" hangingPunct="1">
+              <a:spcBef>
+                <a:spcPct val="0"/>
+              </a:spcBef>
+              <a:spcAft>
+                <a:spcPct val="0"/>
+              </a:spcAft>
+              <a:defRPr sz="4400">
+                <a:solidFill>
+                  <a:srgbClr val="58595B"/>
+                </a:solidFill>
+                <a:latin typeface="Rockwell" panose="02060603020205020403" pitchFamily="18" charset="0"/>
+              </a:defRPr>
+            </a:lvl6pPr>
+            <a:lvl7pPr marL="914400" algn="l" defTabSz="457200" rtl="0" eaLnBrk="1" fontAlgn="base" hangingPunct="1">
+              <a:spcBef>
+                <a:spcPct val="0"/>
+              </a:spcBef>
+              <a:spcAft>
+                <a:spcPct val="0"/>
+              </a:spcAft>
+              <a:defRPr sz="4400">
+                <a:solidFill>
+                  <a:srgbClr val="58595B"/>
+                </a:solidFill>
+                <a:latin typeface="Rockwell" panose="02060603020205020403" pitchFamily="18" charset="0"/>
+              </a:defRPr>
+            </a:lvl7pPr>
+            <a:lvl8pPr marL="1371600" algn="l" defTabSz="457200" rtl="0" eaLnBrk="1" fontAlgn="base" hangingPunct="1">
+              <a:spcBef>
+                <a:spcPct val="0"/>
+              </a:spcBef>
+              <a:spcAft>
+                <a:spcPct val="0"/>
+              </a:spcAft>
+              <a:defRPr sz="4400">
+                <a:solidFill>
+                  <a:srgbClr val="58595B"/>
+                </a:solidFill>
+                <a:latin typeface="Rockwell" panose="02060603020205020403" pitchFamily="18" charset="0"/>
+              </a:defRPr>
+            </a:lvl8pPr>
+            <a:lvl9pPr marL="1828800" algn="l" defTabSz="457200" rtl="0" eaLnBrk="1" fontAlgn="base" hangingPunct="1">
+              <a:spcBef>
+                <a:spcPct val="0"/>
+              </a:spcBef>
+              <a:spcAft>
+                <a:spcPct val="0"/>
+              </a:spcAft>
+              <a:defRPr sz="4400">
+                <a:solidFill>
+                  <a:srgbClr val="58595B"/>
+                </a:solidFill>
+                <a:latin typeface="Rockwell" panose="02060603020205020403" pitchFamily="18" charset="0"/>
+              </a:defRPr>
+            </a:lvl9pPr>
+          </a:lstStyle>
+          <a:p>
+            <a:pPr marL="0" marR="0" lvl="0" indent="0" algn="l" defTabSz="457200" rtl="0" eaLnBrk="1" fontAlgn="base" latinLnBrk="0" hangingPunct="1">
+              <a:lnSpc>
+                <a:spcPct val="100000"/>
+              </a:lnSpc>
+              <a:spcBef>
+                <a:spcPct val="0"/>
+              </a:spcBef>
+              <a:spcAft>
+                <a:spcPct val="0"/>
+              </a:spcAft>
+              <a:buClrTx/>
+              <a:buSzTx/>
+              <a:buFontTx/>
+              <a:buNone/>
+              <a:tabLst/>
+              <a:defRPr/>
+            </a:pPr>
+            <a:endParaRPr kumimoji="0" lang="en-GB" sz="3200" b="0" i="0" u="none" strike="noStrike" kern="1200" cap="none" spc="0" normalizeH="0" baseline="0" noProof="0" dirty="0">
+              <a:ln>
+                <a:noFill/>
+              </a:ln>
+              <a:solidFill>
+                <a:schemeClr val="bg1"/>
+              </a:solidFill>
+              <a:effectLst/>
+              <a:uLnTx/>
+              <a:uFillTx/>
+              <a:latin typeface="Rockwell"/>
+              <a:ea typeface="+mj-ea"/>
+              <a:cs typeface="+mj-cs"/>
+            </a:endParaRPr>
+          </a:p>
+        </p:txBody>
+      </p:sp>
+      <p:sp>
+        <p:nvSpPr>
+          <p:cNvPr id="4" name="Title 1">
+            <a:extLst>
+              <a:ext uri="{FF2B5EF4-FFF2-40B4-BE49-F238E27FC236}">
+                <a16:creationId xmlns:a16="http://schemas.microsoft.com/office/drawing/2014/main" id="{89C6AC8B-4AF1-9B45-6683-F14ED4AE0E1F}"/>
+              </a:ext>
+            </a:extLst>
+          </p:cNvPr>
+          <p:cNvSpPr txBox="1">
+            <a:spLocks/>
+          </p:cNvSpPr>
+          <p:nvPr/>
+        </p:nvSpPr>
+        <p:spPr bwMode="auto">
+          <a:xfrm>
+            <a:off x="435852" y="1484784"/>
+            <a:ext cx="8229600" cy="4680520"/>
+          </a:xfrm>
+          <a:prstGeom prst="rect">
+            <a:avLst/>
+          </a:prstGeom>
+          <a:noFill/>
+          <a:ln>
+            <a:noFill/>
+          </a:ln>
+          <a:extLst>
+            <a:ext uri="{909E8E84-426E-40DD-AFC4-6F175D3DCCD1}">
+              <a14:hiddenFill xmlns:a14="http://schemas.microsoft.com/office/drawing/2010/main">
+                <a:solidFill>
+                  <a:srgbClr val="FFFFFF"/>
+                </a:solidFill>
+              </a14:hiddenFill>
+            </a:ext>
+            <a:ext uri="{91240B29-F687-4F45-9708-019B960494DF}">
+              <a14:hiddenLine xmlns:a14="http://schemas.microsoft.com/office/drawing/2010/main" w="9525">
+                <a:solidFill>
+                  <a:srgbClr val="000000"/>
+                </a:solidFill>
+                <a:miter lim="800000"/>
+                <a:headEnd/>
+                <a:tailEnd/>
+              </a14:hiddenLine>
+            </a:ext>
+          </a:extLst>
+        </p:spPr>
+        <p:txBody>
+          <a:bodyPr vert="horz" wrap="square" lIns="91440" tIns="45720" rIns="91440" bIns="45720" numCol="1" anchor="ctr" anchorCtr="0" compatLnSpc="1">
+            <a:prstTxWarp prst="textNoShape">
+              <a:avLst/>
+            </a:prstTxWarp>
+            <a:normAutofit/>
+          </a:bodyPr>
+          <a:lstStyle>
+            <a:lvl1pPr algn="l" defTabSz="457200" rtl="0" eaLnBrk="1" fontAlgn="base" hangingPunct="1">
+              <a:spcBef>
+                <a:spcPct val="0"/>
+              </a:spcBef>
+              <a:spcAft>
+                <a:spcPct val="0"/>
+              </a:spcAft>
+              <a:defRPr sz="3200" kern="1200">
+                <a:solidFill>
+                  <a:srgbClr val="58595B"/>
+                </a:solidFill>
+                <a:latin typeface="Rockwell"/>
+                <a:ea typeface="+mj-ea"/>
+                <a:cs typeface="+mj-cs"/>
+              </a:defRPr>
+            </a:lvl1pPr>
+            <a:lvl2pPr algn="l" defTabSz="457200" rtl="0" eaLnBrk="1" fontAlgn="base" hangingPunct="1">
+              <a:spcBef>
+                <a:spcPct val="0"/>
+              </a:spcBef>
+              <a:spcAft>
+                <a:spcPct val="0"/>
+              </a:spcAft>
+              <a:defRPr sz="4400">
+                <a:solidFill>
+                  <a:srgbClr val="58595B"/>
+                </a:solidFill>
+                <a:latin typeface="Rockwell" panose="02060603020205020403" pitchFamily="18" charset="0"/>
+              </a:defRPr>
+            </a:lvl2pPr>
+            <a:lvl3pPr algn="l" defTabSz="457200" rtl="0" eaLnBrk="1" fontAlgn="base" hangingPunct="1">
+              <a:spcBef>
+                <a:spcPct val="0"/>
+              </a:spcBef>
+              <a:spcAft>
+                <a:spcPct val="0"/>
+              </a:spcAft>
+              <a:defRPr sz="4400">
+                <a:solidFill>
+                  <a:srgbClr val="58595B"/>
+                </a:solidFill>
+                <a:latin typeface="Rockwell" panose="02060603020205020403" pitchFamily="18" charset="0"/>
+              </a:defRPr>
+            </a:lvl3pPr>
+            <a:lvl4pPr algn="l" defTabSz="457200" rtl="0" eaLnBrk="1" fontAlgn="base" hangingPunct="1">
+              <a:spcBef>
+                <a:spcPct val="0"/>
+              </a:spcBef>
+              <a:spcAft>
+                <a:spcPct val="0"/>
+              </a:spcAft>
+              <a:defRPr sz="4400">
+                <a:solidFill>
+                  <a:srgbClr val="58595B"/>
+                </a:solidFill>
+                <a:latin typeface="Rockwell" panose="02060603020205020403" pitchFamily="18" charset="0"/>
+              </a:defRPr>
+            </a:lvl4pPr>
+            <a:lvl5pPr algn="l" defTabSz="457200" rtl="0" eaLnBrk="1" fontAlgn="base" hangingPunct="1">
+              <a:spcBef>
+                <a:spcPct val="0"/>
+              </a:spcBef>
+              <a:spcAft>
+                <a:spcPct val="0"/>
+              </a:spcAft>
+              <a:defRPr sz="4400">
+                <a:solidFill>
+                  <a:srgbClr val="58595B"/>
+                </a:solidFill>
+                <a:latin typeface="Rockwell" panose="02060603020205020403" pitchFamily="18" charset="0"/>
+              </a:defRPr>
+            </a:lvl5pPr>
+            <a:lvl6pPr marL="457200" algn="l" defTabSz="457200" rtl="0" eaLnBrk="1" fontAlgn="base" hangingPunct="1">
+              <a:spcBef>
+                <a:spcPct val="0"/>
+              </a:spcBef>
+              <a:spcAft>
+                <a:spcPct val="0"/>
+              </a:spcAft>
+              <a:defRPr sz="4400">
+                <a:solidFill>
+                  <a:srgbClr val="58595B"/>
+                </a:solidFill>
+                <a:latin typeface="Rockwell" panose="02060603020205020403" pitchFamily="18" charset="0"/>
+              </a:defRPr>
+            </a:lvl6pPr>
+            <a:lvl7pPr marL="914400" algn="l" defTabSz="457200" rtl="0" eaLnBrk="1" fontAlgn="base" hangingPunct="1">
+              <a:spcBef>
+                <a:spcPct val="0"/>
+              </a:spcBef>
+              <a:spcAft>
+                <a:spcPct val="0"/>
+              </a:spcAft>
+              <a:defRPr sz="4400">
+                <a:solidFill>
+                  <a:srgbClr val="58595B"/>
+                </a:solidFill>
+                <a:latin typeface="Rockwell" panose="02060603020205020403" pitchFamily="18" charset="0"/>
+              </a:defRPr>
+            </a:lvl7pPr>
+            <a:lvl8pPr marL="1371600" algn="l" defTabSz="457200" rtl="0" eaLnBrk="1" fontAlgn="base" hangingPunct="1">
+              <a:spcBef>
+                <a:spcPct val="0"/>
+              </a:spcBef>
+              <a:spcAft>
+                <a:spcPct val="0"/>
+              </a:spcAft>
+              <a:defRPr sz="4400">
+                <a:solidFill>
+                  <a:srgbClr val="58595B"/>
+                </a:solidFill>
+                <a:latin typeface="Rockwell" panose="02060603020205020403" pitchFamily="18" charset="0"/>
+              </a:defRPr>
+            </a:lvl8pPr>
+            <a:lvl9pPr marL="1828800" algn="l" defTabSz="457200" rtl="0" eaLnBrk="1" fontAlgn="base" hangingPunct="1">
+              <a:spcBef>
+                <a:spcPct val="0"/>
+              </a:spcBef>
+              <a:spcAft>
+                <a:spcPct val="0"/>
+              </a:spcAft>
+              <a:defRPr sz="4400">
+                <a:solidFill>
+                  <a:srgbClr val="58595B"/>
+                </a:solidFill>
+                <a:latin typeface="Rockwell" panose="02060603020205020403" pitchFamily="18" charset="0"/>
+              </a:defRPr>
+            </a:lvl9pPr>
+          </a:lstStyle>
+          <a:p>
+            <a:pPr marL="0" marR="0" lvl="0" indent="0" algn="ctr" defTabSz="457200" rtl="0" eaLnBrk="1" fontAlgn="base" latinLnBrk="0" hangingPunct="1">
+              <a:lnSpc>
+                <a:spcPct val="100000"/>
+              </a:lnSpc>
+              <a:spcBef>
+                <a:spcPct val="0"/>
+              </a:spcBef>
+              <a:spcAft>
+                <a:spcPct val="0"/>
+              </a:spcAft>
+              <a:buClrTx/>
+              <a:buSzTx/>
+              <a:buFontTx/>
+              <a:buNone/>
+              <a:tabLst/>
+              <a:defRPr/>
+            </a:pPr>
+            <a:endParaRPr kumimoji="0" lang="en-GB" sz="3200" b="0" i="0" u="none" strike="noStrike" kern="1200" cap="none" spc="0" normalizeH="0" baseline="0" noProof="0" dirty="0">
+              <a:ln>
+                <a:noFill/>
+              </a:ln>
+              <a:solidFill>
+                <a:schemeClr val="bg1"/>
+              </a:solidFill>
+              <a:effectLst/>
+              <a:uLnTx/>
+              <a:uFillTx/>
+              <a:latin typeface="Rockwell"/>
+              <a:ea typeface="+mj-ea"/>
+              <a:cs typeface="+mj-cs"/>
+            </a:endParaRPr>
+          </a:p>
+        </p:txBody>
+      </p:sp>
+      <p:pic>
+        <p:nvPicPr>
+          <p:cNvPr id="5" name="Picture 4">
+            <a:extLst>
+              <a:ext uri="{FF2B5EF4-FFF2-40B4-BE49-F238E27FC236}">
+                <a16:creationId xmlns:a16="http://schemas.microsoft.com/office/drawing/2014/main" id="{C0FC5728-83A2-7320-85CF-A0CAEE292168}"/>
+              </a:ext>
+            </a:extLst>
+          </p:cNvPr>
+          <p:cNvPicPr>
+            <a:picLocks noChangeAspect="1"/>
+          </p:cNvPicPr>
+          <p:nvPr/>
+        </p:nvPicPr>
+        <p:blipFill>
+          <a:blip r:embed="rId3"/>
+          <a:stretch>
+            <a:fillRect/>
+          </a:stretch>
+        </p:blipFill>
+        <p:spPr>
+          <a:xfrm>
+            <a:off x="1240382" y="1637082"/>
+            <a:ext cx="6620540" cy="4375924"/>
+          </a:xfrm>
+          <a:prstGeom prst="rect">
+            <a:avLst/>
+          </a:prstGeom>
+        </p:spPr>
+      </p:pic>
     </p:spTree>
     <p:extLst>
       <p:ext uri="{BB962C8B-B14F-4D97-AF65-F5344CB8AC3E}">
-        <p14:creationId xmlns:p14="http://schemas.microsoft.com/office/powerpoint/2010/main" val="1460942199"/>
+        <p14:creationId xmlns:p14="http://schemas.microsoft.com/office/powerpoint/2010/main" val="1521674977"/>
       </p:ext>
     </p:extLst>
   </p:cSld>
@@ -7906,7 +7826,7 @@
         </p:nvSpPr>
         <p:spPr>
           <a:xfrm>
-            <a:off x="251520" y="692696"/>
+            <a:off x="251520" y="908720"/>
             <a:ext cx="8640960" cy="6480720"/>
           </a:xfrm>
         </p:spPr>
@@ -7917,75 +7837,131 @@
           <a:lstStyle/>
           <a:p>
             <a:r>
-              <a:rPr lang="en-GB" sz="4000" dirty="0">
-                <a:solidFill>
-                  <a:schemeClr val="bg1"/>
-                </a:solidFill>
-              </a:rPr>
-              <a:t>You're the Lord of all creation</a:t>
-            </a:r>
-          </a:p>
-          <a:p>
-            <a:r>
-              <a:rPr lang="en-GB" sz="4000" dirty="0">
-                <a:solidFill>
-                  <a:schemeClr val="bg1"/>
-                </a:solidFill>
-              </a:rPr>
-              <a:t>And still You know my heart</a:t>
-            </a:r>
-          </a:p>
-          <a:p>
-            <a:r>
-              <a:rPr lang="en-GB" sz="4000" dirty="0">
-                <a:solidFill>
-                  <a:schemeClr val="bg1"/>
-                </a:solidFill>
-              </a:rPr>
-              <a:t>The Author of salvation</a:t>
-            </a:r>
-          </a:p>
-          <a:p>
-            <a:r>
-              <a:rPr lang="en-GB" sz="4000" dirty="0">
-                <a:solidFill>
-                  <a:schemeClr val="bg1"/>
-                </a:solidFill>
-              </a:rPr>
-              <a:t>You've loved us from the start</a:t>
-            </a:r>
-          </a:p>
-        </p:txBody>
-      </p:sp>
-      <p:sp>
-        <p:nvSpPr>
-          <p:cNvPr id="4" name="TextBox 3"/>
-          <p:cNvSpPr txBox="1"/>
-          <p:nvPr/>
-        </p:nvSpPr>
-        <p:spPr>
-          <a:xfrm>
-            <a:off x="8529729" y="0"/>
-            <a:ext cx="628698" cy="461665"/>
-          </a:xfrm>
-          <a:prstGeom prst="rect">
-            <a:avLst/>
-          </a:prstGeom>
-          <a:noFill/>
-        </p:spPr>
-        <p:txBody>
-          <a:bodyPr wrap="none" rtlCol="0">
-            <a:spAutoFit/>
-          </a:bodyPr>
-          <a:lstStyle/>
-          <a:p>
-            <a:r>
-              <a:rPr lang="en-GB" sz="2400" b="1" dirty="0">
-                <a:solidFill>
-                  <a:schemeClr val="bg1"/>
-                </a:solidFill>
-              </a:rPr>
-              <a:t>2/7</a:t>
+              <a:rPr lang="en-GB" sz="5400" dirty="0">
+                <a:solidFill>
+                  <a:srgbClr val="00A3E0"/>
+                </a:solidFill>
+                <a:latin typeface="akagi_probook"/>
+              </a:rPr>
+              <a:t>Oceans (Where Feet May Fail)</a:t>
+            </a:r>
+          </a:p>
+          <a:p>
+            <a:br>
+              <a:rPr lang="en-GB" sz="1200" dirty="0">
+                <a:solidFill>
+                  <a:schemeClr val="bg1"/>
+                </a:solidFill>
+              </a:rPr>
+            </a:br>
+            <a:r>
+              <a:rPr lang="en-GB" sz="1200" dirty="0" err="1">
+                <a:solidFill>
+                  <a:schemeClr val="bg1"/>
+                </a:solidFill>
+              </a:rPr>
+              <a:t>G.CcliSongNumber</a:t>
+            </a:r>
+            <a:r>
+              <a:rPr lang="en-GB" sz="1200" dirty="0">
+                <a:solidFill>
+                  <a:schemeClr val="bg1"/>
+                </a:solidFill>
+              </a:rPr>
+              <a:t> 6428767</a:t>
+            </a:r>
+          </a:p>
+          <a:p>
+            <a:r>
+              <a:rPr lang="en-GB" sz="1200" dirty="0">
+                <a:solidFill>
+                  <a:schemeClr val="bg1"/>
+                </a:solidFill>
+              </a:rPr>
+              <a:t>Joel Houston | Matt Crocker | Salomon </a:t>
+            </a:r>
+            <a:r>
+              <a:rPr lang="en-GB" sz="1200" dirty="0" err="1">
+                <a:solidFill>
+                  <a:schemeClr val="bg1"/>
+                </a:solidFill>
+              </a:rPr>
+              <a:t>Ligthelm</a:t>
+            </a:r>
+            <a:endParaRPr lang="en-GB" sz="1200" dirty="0">
+              <a:solidFill>
+                <a:schemeClr val="bg1"/>
+              </a:solidFill>
+            </a:endParaRPr>
+          </a:p>
+          <a:p>
+            <a:r>
+              <a:rPr lang="en-GB" sz="1200" dirty="0">
+                <a:solidFill>
+                  <a:schemeClr val="bg1"/>
+                </a:solidFill>
+              </a:rPr>
+              <a:t>© 2012 Hillsong Music Publishing Australia</a:t>
+            </a:r>
+          </a:p>
+          <a:p>
+            <a:r>
+              <a:rPr lang="en-GB" sz="1200" dirty="0">
+                <a:solidFill>
+                  <a:schemeClr val="bg1"/>
+                </a:solidFill>
+              </a:rPr>
+              <a:t>For use solely with the </a:t>
+            </a:r>
+            <a:r>
+              <a:rPr lang="en-GB" sz="1200" dirty="0" err="1">
+                <a:solidFill>
+                  <a:schemeClr val="bg1"/>
+                </a:solidFill>
+              </a:rPr>
+              <a:t>SongSelect</a:t>
+            </a:r>
+            <a:r>
+              <a:rPr lang="en-GB" sz="1200" dirty="0">
+                <a:solidFill>
+                  <a:schemeClr val="bg1"/>
+                </a:solidFill>
+              </a:rPr>
+              <a:t>® </a:t>
+            </a:r>
+            <a:r>
+              <a:rPr lang="en-GB" sz="1200" dirty="0" err="1">
+                <a:solidFill>
+                  <a:schemeClr val="bg1"/>
+                </a:solidFill>
+              </a:rPr>
+              <a:t>G.LIT_TermsOfUse</a:t>
+            </a:r>
+            <a:r>
+              <a:rPr lang="en-GB" sz="1200" dirty="0">
+                <a:solidFill>
+                  <a:schemeClr val="bg1"/>
+                </a:solidFill>
+              </a:rPr>
+              <a:t>. All rights reserved. www.ccli.com</a:t>
+            </a:r>
+          </a:p>
+          <a:p>
+            <a:r>
+              <a:rPr lang="en-GB" sz="1200" dirty="0" err="1">
+                <a:solidFill>
+                  <a:schemeClr val="bg1"/>
+                </a:solidFill>
+              </a:rPr>
+              <a:t>G.CcliLicenseNumber</a:t>
+            </a:r>
+            <a:r>
+              <a:rPr lang="en-GB" sz="1200" dirty="0">
+                <a:solidFill>
+                  <a:schemeClr val="bg1"/>
+                </a:solidFill>
+              </a:rPr>
+              <a:t> 33265</a:t>
             </a:r>
           </a:p>
         </p:txBody>
@@ -7993,7 +7969,7 @@
     </p:spTree>
     <p:extLst>
       <p:ext uri="{BB962C8B-B14F-4D97-AF65-F5344CB8AC3E}">
-        <p14:creationId xmlns:p14="http://schemas.microsoft.com/office/powerpoint/2010/main" val="2145440380"/>
+        <p14:creationId xmlns:p14="http://schemas.microsoft.com/office/powerpoint/2010/main" val="2164743945"/>
       </p:ext>
     </p:extLst>
   </p:cSld>
@@ -8032,7 +8008,7 @@
         </p:nvSpPr>
         <p:spPr>
           <a:xfrm>
-            <a:off x="395536" y="692696"/>
+            <a:off x="251520" y="764704"/>
             <a:ext cx="8640960" cy="6480720"/>
           </a:xfrm>
         </p:spPr>
@@ -8043,42 +8019,42 @@
           <a:lstStyle/>
           <a:p>
             <a:r>
-              <a:rPr lang="en-GB" sz="4000" dirty="0">
-                <a:solidFill>
-                  <a:schemeClr val="bg1"/>
-                </a:solidFill>
-              </a:rPr>
-              <a:t>Waiting here for You with our hands</a:t>
-            </a:r>
-          </a:p>
-          <a:p>
-            <a:r>
-              <a:rPr lang="en-GB" sz="4000" dirty="0">
-                <a:solidFill>
-                  <a:schemeClr val="bg1"/>
-                </a:solidFill>
-              </a:rPr>
-              <a:t>Lifted high in praise</a:t>
-            </a:r>
-          </a:p>
-          <a:p>
-            <a:r>
-              <a:rPr lang="en-GB" sz="4000" dirty="0">
-                <a:solidFill>
-                  <a:schemeClr val="bg1"/>
-                </a:solidFill>
-              </a:rPr>
-              <a:t>And it's You we adore</a:t>
-            </a:r>
-          </a:p>
-          <a:p>
-            <a:r>
-              <a:rPr lang="en-GB" sz="4000" dirty="0">
-                <a:solidFill>
-                  <a:schemeClr val="bg1"/>
-                </a:solidFill>
-              </a:rPr>
-              <a:t>Singing alleluia</a:t>
+              <a:rPr lang="en-GB" sz="4400" dirty="0">
+                <a:solidFill>
+                  <a:schemeClr val="bg1"/>
+                </a:solidFill>
+              </a:rPr>
+              <a:t>You call me out upon the waters</a:t>
+            </a:r>
+          </a:p>
+          <a:p>
+            <a:r>
+              <a:rPr lang="en-GB" sz="4400" dirty="0">
+                <a:solidFill>
+                  <a:schemeClr val="bg1"/>
+                </a:solidFill>
+              </a:rPr>
+              <a:t>The great unknown where feet may fail</a:t>
+            </a:r>
+          </a:p>
+          <a:p>
+            <a:r>
+              <a:rPr lang="en-GB" sz="4400" dirty="0">
+                <a:solidFill>
+                  <a:schemeClr val="bg1"/>
+                </a:solidFill>
+              </a:rPr>
+              <a:t>And there I find You in the mystery</a:t>
+            </a:r>
+          </a:p>
+          <a:p>
+            <a:r>
+              <a:rPr lang="en-GB" sz="4400" dirty="0">
+                <a:solidFill>
+                  <a:schemeClr val="bg1"/>
+                </a:solidFill>
+              </a:rPr>
+              <a:t>In oceans deep my faith will stand</a:t>
             </a:r>
           </a:p>
         </p:txBody>
@@ -8111,7 +8087,7 @@
                   <a:schemeClr val="bg1"/>
                 </a:solidFill>
               </a:rPr>
-              <a:t>3/7</a:t>
+              <a:t>1/6</a:t>
             </a:r>
           </a:p>
         </p:txBody>
@@ -8119,7 +8095,7 @@
     </p:spTree>
     <p:extLst>
       <p:ext uri="{BB962C8B-B14F-4D97-AF65-F5344CB8AC3E}">
-        <p14:creationId xmlns:p14="http://schemas.microsoft.com/office/powerpoint/2010/main" val="1264809041"/>
+        <p14:creationId xmlns:p14="http://schemas.microsoft.com/office/powerpoint/2010/main" val="3295211522"/>
       </p:ext>
     </p:extLst>
   </p:cSld>
@@ -8158,7 +8134,7 @@
         </p:nvSpPr>
         <p:spPr>
           <a:xfrm>
-            <a:off x="251520" y="692696"/>
+            <a:off x="251520" y="764704"/>
             <a:ext cx="8640960" cy="6480720"/>
           </a:xfrm>
         </p:spPr>
@@ -8168,75 +8144,64 @@
           </a:bodyPr>
           <a:lstStyle/>
           <a:p>
-            <a:r>
-              <a:rPr lang="en-GB" sz="4000" dirty="0">
-                <a:solidFill>
-                  <a:schemeClr val="bg1"/>
-                </a:solidFill>
-              </a:rPr>
-              <a:t>You are </a:t>
-            </a:r>
-            <a:r>
-              <a:rPr lang="en-GB" sz="4000" dirty="0" err="1">
-                <a:solidFill>
-                  <a:schemeClr val="bg1"/>
-                </a:solidFill>
-              </a:rPr>
-              <a:t>ev'rything</a:t>
-            </a:r>
-            <a:r>
-              <a:rPr lang="en-GB" sz="4000" dirty="0">
-                <a:solidFill>
-                  <a:schemeClr val="bg1"/>
-                </a:solidFill>
-              </a:rPr>
-              <a:t> You've promised</a:t>
-            </a:r>
-          </a:p>
-          <a:p>
-            <a:r>
-              <a:rPr lang="en-GB" sz="4000" dirty="0">
-                <a:solidFill>
-                  <a:schemeClr val="bg1"/>
-                </a:solidFill>
-              </a:rPr>
-              <a:t>Your faithfulness is true</a:t>
-            </a:r>
-          </a:p>
-          <a:p>
-            <a:r>
-              <a:rPr lang="en-GB" sz="4000" dirty="0">
-                <a:solidFill>
-                  <a:schemeClr val="bg1"/>
-                </a:solidFill>
-              </a:rPr>
-              <a:t>We're </a:t>
-            </a:r>
-            <a:r>
-              <a:rPr lang="en-GB" sz="4000" dirty="0" err="1">
-                <a:solidFill>
-                  <a:schemeClr val="bg1"/>
-                </a:solidFill>
-              </a:rPr>
-              <a:t>desp'rate</a:t>
-            </a:r>
-            <a:r>
-              <a:rPr lang="en-GB" sz="4000" dirty="0">
-                <a:solidFill>
-                  <a:schemeClr val="bg1"/>
-                </a:solidFill>
-              </a:rPr>
-              <a:t> for Your presence</a:t>
-            </a:r>
-          </a:p>
-          <a:p>
-            <a:r>
-              <a:rPr lang="en-GB" sz="4000" dirty="0">
-                <a:solidFill>
-                  <a:schemeClr val="bg1"/>
-                </a:solidFill>
-              </a:rPr>
-              <a:t>All we need is You</a:t>
+            <a:pPr algn="l"/>
+            <a:r>
+              <a:rPr lang="en-GB" sz="4400" dirty="0">
+                <a:solidFill>
+                  <a:schemeClr val="bg1"/>
+                </a:solidFill>
+              </a:rPr>
+              <a:t>Chorus:</a:t>
+            </a:r>
+          </a:p>
+          <a:p>
+            <a:r>
+              <a:rPr lang="en-GB" sz="4400" dirty="0">
+                <a:solidFill>
+                  <a:schemeClr val="bg1"/>
+                </a:solidFill>
+              </a:rPr>
+              <a:t>And I will call upon Your name</a:t>
+            </a:r>
+          </a:p>
+          <a:p>
+            <a:r>
+              <a:rPr lang="en-GB" sz="4400" dirty="0">
+                <a:solidFill>
+                  <a:schemeClr val="bg1"/>
+                </a:solidFill>
+              </a:rPr>
+              <a:t>And keep my eyes above the waves</a:t>
+            </a:r>
+          </a:p>
+          <a:p>
+            <a:r>
+              <a:rPr lang="en-GB" sz="4400" dirty="0">
+                <a:solidFill>
+                  <a:schemeClr val="bg1"/>
+                </a:solidFill>
+              </a:rPr>
+              <a:t>When oceans rise</a:t>
+            </a:r>
+          </a:p>
+          <a:p>
+            <a:r>
+              <a:rPr lang="en-GB" sz="4400" dirty="0">
+                <a:solidFill>
+                  <a:schemeClr val="bg1"/>
+                </a:solidFill>
+              </a:rPr>
+              <a:t>My soul will rest in Your embrace</a:t>
+            </a:r>
+          </a:p>
+          <a:p>
+            <a:r>
+              <a:rPr lang="en-GB" sz="4400" dirty="0">
+                <a:solidFill>
+                  <a:schemeClr val="bg1"/>
+                </a:solidFill>
+              </a:rPr>
+              <a:t>For I am Yours and You are mine</a:t>
             </a:r>
           </a:p>
         </p:txBody>
@@ -8269,7 +8234,7 @@
                   <a:schemeClr val="bg1"/>
                 </a:solidFill>
               </a:rPr>
-              <a:t>4/7</a:t>
+              <a:t>2/6</a:t>
             </a:r>
           </a:p>
         </p:txBody>
@@ -8277,7 +8242,7 @@
     </p:spTree>
     <p:extLst>
       <p:ext uri="{BB962C8B-B14F-4D97-AF65-F5344CB8AC3E}">
-        <p14:creationId xmlns:p14="http://schemas.microsoft.com/office/powerpoint/2010/main" val="4200842303"/>
+        <p14:creationId xmlns:p14="http://schemas.microsoft.com/office/powerpoint/2010/main" val="511700345"/>
       </p:ext>
     </p:extLst>
   </p:cSld>
@@ -8316,7 +8281,7 @@
         </p:nvSpPr>
         <p:spPr>
           <a:xfrm>
-            <a:off x="323528" y="836712"/>
+            <a:off x="251520" y="764704"/>
             <a:ext cx="8640960" cy="6480720"/>
           </a:xfrm>
         </p:spPr>
@@ -8327,22 +8292,58 @@
           <a:lstStyle/>
           <a:p>
             <a:r>
-              <a:rPr lang="en-GB" sz="4000" dirty="0">
-                <a:solidFill>
-                  <a:schemeClr val="bg1"/>
-                </a:solidFill>
-              </a:rPr>
-              <a:t>We will wait for You Lord</a:t>
-            </a:r>
-          </a:p>
-          <a:p>
-            <a:r>
-              <a:rPr lang="en-GB" sz="4000" dirty="0">
-                <a:solidFill>
-                  <a:schemeClr val="bg1"/>
-                </a:solidFill>
-              </a:rPr>
-              <a:t>In step with You Lord we sing alleluia</a:t>
+              <a:rPr lang="en-GB" sz="4400" dirty="0">
+                <a:solidFill>
+                  <a:schemeClr val="bg1"/>
+                </a:solidFill>
+              </a:rPr>
+              <a:t>Your grace abounds in deepest waters</a:t>
+            </a:r>
+          </a:p>
+          <a:p>
+            <a:r>
+              <a:rPr lang="en-GB" sz="4400" dirty="0">
+                <a:solidFill>
+                  <a:schemeClr val="bg1"/>
+                </a:solidFill>
+              </a:rPr>
+              <a:t>Your </a:t>
+            </a:r>
+            <a:r>
+              <a:rPr lang="en-GB" sz="4400" dirty="0" err="1">
+                <a:solidFill>
+                  <a:schemeClr val="bg1"/>
+                </a:solidFill>
+              </a:rPr>
+              <a:t>sov'reign</a:t>
+            </a:r>
+            <a:r>
+              <a:rPr lang="en-GB" sz="4400" dirty="0">
+                <a:solidFill>
+                  <a:schemeClr val="bg1"/>
+                </a:solidFill>
+              </a:rPr>
+              <a:t> hand will be my guide</a:t>
+            </a:r>
+          </a:p>
+          <a:p>
+            <a:r>
+              <a:rPr lang="en-GB" sz="4400" dirty="0">
+                <a:solidFill>
+                  <a:schemeClr val="bg1"/>
+                </a:solidFill>
+              </a:rPr>
+              <a:t>Where feet may fail and fear surrounds me</a:t>
+            </a:r>
+          </a:p>
+          <a:p>
+            <a:r>
+              <a:rPr lang="en-GB" sz="4400" dirty="0">
+                <a:solidFill>
+                  <a:schemeClr val="bg1"/>
+                </a:solidFill>
+              </a:rPr>
+              <a:t>You've never failed and You won't start now</a:t>
             </a:r>
           </a:p>
         </p:txBody>
@@ -8375,7 +8376,7 @@
                   <a:schemeClr val="bg1"/>
                 </a:solidFill>
               </a:rPr>
-              <a:t>5/7</a:t>
+              <a:t>3/6</a:t>
             </a:r>
           </a:p>
         </p:txBody>
@@ -8383,7 +8384,7 @@
     </p:spTree>
     <p:extLst>
       <p:ext uri="{BB962C8B-B14F-4D97-AF65-F5344CB8AC3E}">
-        <p14:creationId xmlns:p14="http://schemas.microsoft.com/office/powerpoint/2010/main" val="713722725"/>
+        <p14:creationId xmlns:p14="http://schemas.microsoft.com/office/powerpoint/2010/main" val="2790068845"/>
       </p:ext>
     </p:extLst>
   </p:cSld>
@@ -8499,7 +8500,7 @@
         </p:nvSpPr>
         <p:spPr>
           <a:xfrm>
-            <a:off x="251520" y="836712"/>
+            <a:off x="251520" y="764704"/>
             <a:ext cx="8640960" cy="6480720"/>
           </a:xfrm>
         </p:spPr>
@@ -8509,50 +8510,65 @@
           </a:bodyPr>
           <a:lstStyle/>
           <a:p>
-            <a:r>
-              <a:rPr lang="en-GB" sz="4000" dirty="0">
-                <a:solidFill>
-                  <a:schemeClr val="bg1"/>
-                </a:solidFill>
-              </a:rPr>
-              <a:t>Singing alleluia </a:t>
-            </a:r>
-            <a:r>
-              <a:rPr lang="en-GB" sz="4000" dirty="0" err="1">
-                <a:solidFill>
-                  <a:schemeClr val="bg1"/>
-                </a:solidFill>
-              </a:rPr>
-              <a:t>alleluia</a:t>
-            </a:r>
-            <a:endParaRPr lang="en-GB" sz="4000" dirty="0">
-              <a:solidFill>
-                <a:schemeClr val="bg1"/>
-              </a:solidFill>
-            </a:endParaRPr>
-          </a:p>
-          <a:p>
-            <a:r>
-              <a:rPr lang="en-GB" sz="4000" dirty="0">
-                <a:solidFill>
-                  <a:schemeClr val="bg1"/>
-                </a:solidFill>
-              </a:rPr>
-              <a:t>Singing alleluia </a:t>
-            </a:r>
-            <a:r>
-              <a:rPr lang="en-GB" sz="4000" dirty="0" err="1">
-                <a:solidFill>
-                  <a:schemeClr val="bg1"/>
-                </a:solidFill>
-              </a:rPr>
-              <a:t>alleluia</a:t>
-            </a:r>
-            <a:endParaRPr lang="en-GB" sz="4000" dirty="0">
-              <a:solidFill>
-                <a:schemeClr val="bg1"/>
-              </a:solidFill>
-            </a:endParaRPr>
+            <a:pPr algn="l"/>
+            <a:r>
+              <a:rPr lang="en-GB" sz="4400" dirty="0">
+                <a:solidFill>
+                  <a:schemeClr val="bg1"/>
+                </a:solidFill>
+              </a:rPr>
+              <a:t>Chorus:</a:t>
+            </a:r>
+          </a:p>
+          <a:p>
+            <a:r>
+              <a:rPr lang="en-GB" sz="4400" dirty="0">
+                <a:solidFill>
+                  <a:schemeClr val="bg1"/>
+                </a:solidFill>
+              </a:rPr>
+              <a:t>And I will call upon Your name</a:t>
+            </a:r>
+          </a:p>
+          <a:p>
+            <a:r>
+              <a:rPr lang="en-GB" sz="4400" dirty="0">
+                <a:solidFill>
+                  <a:schemeClr val="bg1"/>
+                </a:solidFill>
+              </a:rPr>
+              <a:t>And keep my eyes above the waves</a:t>
+            </a:r>
+          </a:p>
+          <a:p>
+            <a:r>
+              <a:rPr lang="en-GB" sz="4400" dirty="0">
+                <a:solidFill>
+                  <a:schemeClr val="bg1"/>
+                </a:solidFill>
+              </a:rPr>
+              <a:t>When oceans rise</a:t>
+            </a:r>
+          </a:p>
+          <a:p>
+            <a:r>
+              <a:rPr lang="en-GB" sz="4400" dirty="0">
+                <a:solidFill>
+                  <a:schemeClr val="bg1"/>
+                </a:solidFill>
+              </a:rPr>
+              <a:t>My soul will rest in Your embrace</a:t>
+            </a:r>
+          </a:p>
+          <a:p>
+            <a:r>
+              <a:rPr lang="en-GB" sz="4400" dirty="0">
+                <a:solidFill>
+                  <a:schemeClr val="bg1"/>
+                </a:solidFill>
+              </a:rPr>
+              <a:t>For I am Yours and You are mine</a:t>
+            </a:r>
           </a:p>
         </p:txBody>
       </p:sp>
@@ -8584,7 +8600,7 @@
                   <a:schemeClr val="bg1"/>
                 </a:solidFill>
               </a:rPr>
-              <a:t>6/7</a:t>
+              <a:t>4/6</a:t>
             </a:r>
           </a:p>
         </p:txBody>
@@ -8592,7 +8608,7 @@
     </p:spTree>
     <p:extLst>
       <p:ext uri="{BB962C8B-B14F-4D97-AF65-F5344CB8AC3E}">
-        <p14:creationId xmlns:p14="http://schemas.microsoft.com/office/powerpoint/2010/main" val="303358777"/>
+        <p14:creationId xmlns:p14="http://schemas.microsoft.com/office/powerpoint/2010/main" val="1202417510"/>
       </p:ext>
     </p:extLst>
   </p:cSld>
@@ -8647,7 +8663,7 @@
                   <a:schemeClr val="bg1"/>
                 </a:solidFill>
               </a:rPr>
-              <a:t>Waiting here for You with our hands</a:t>
+              <a:t>Spirit, lead me where my trust is without borders</a:t>
             </a:r>
           </a:p>
           <a:p>
@@ -8657,7 +8673,7 @@
                   <a:schemeClr val="bg1"/>
                 </a:solidFill>
               </a:rPr>
-              <a:t>Lifted high in praise</a:t>
+              <a:t>Let me walk upon the waters</a:t>
             </a:r>
           </a:p>
           <a:p>
@@ -8667,7 +8683,7 @@
                   <a:schemeClr val="bg1"/>
                 </a:solidFill>
               </a:rPr>
-              <a:t>And it's You we adore singing alleluia</a:t>
+              <a:t>Wherever You would call me</a:t>
             </a:r>
           </a:p>
           <a:p>
@@ -8677,7 +8693,27 @@
                   <a:schemeClr val="bg1"/>
                 </a:solidFill>
               </a:rPr>
-              <a:t>(We’re) singing alleluia</a:t>
+              <a:t>Take me deeper than my feet could ever wander</a:t>
+            </a:r>
+          </a:p>
+          <a:p>
+            <a:r>
+              <a:rPr lang="en-GB" sz="4000" dirty="0">
+                <a:solidFill>
+                  <a:schemeClr val="bg1"/>
+                </a:solidFill>
+              </a:rPr>
+              <a:t>And my faith will be made stronger</a:t>
+            </a:r>
+          </a:p>
+          <a:p>
+            <a:r>
+              <a:rPr lang="en-GB" sz="4000" dirty="0">
+                <a:solidFill>
+                  <a:schemeClr val="bg1"/>
+                </a:solidFill>
+              </a:rPr>
+              <a:t>In the presence of my Saviour</a:t>
             </a:r>
           </a:p>
         </p:txBody>
@@ -8710,7 +8746,7 @@
                   <a:schemeClr val="bg1"/>
                 </a:solidFill>
               </a:rPr>
-              <a:t>7/7</a:t>
+              <a:t>5/6</a:t>
             </a:r>
           </a:p>
         </p:txBody>
@@ -8718,7 +8754,7 @@
     </p:spTree>
     <p:extLst>
       <p:ext uri="{BB962C8B-B14F-4D97-AF65-F5344CB8AC3E}">
-        <p14:creationId xmlns:p14="http://schemas.microsoft.com/office/powerpoint/2010/main" val="3409087120"/>
+        <p14:creationId xmlns:p14="http://schemas.microsoft.com/office/powerpoint/2010/main" val="2899306242"/>
       </p:ext>
     </p:extLst>
   </p:cSld>
@@ -8757,7 +8793,7 @@
         </p:nvSpPr>
         <p:spPr>
           <a:xfrm>
-            <a:off x="323528" y="188640"/>
+            <a:off x="251520" y="764704"/>
             <a:ext cx="8640960" cy="6480720"/>
           </a:xfrm>
         </p:spPr>
@@ -8767,94 +8803,97 @@
           </a:bodyPr>
           <a:lstStyle/>
           <a:p>
-            <a:endParaRPr lang="en-GB" sz="5400" dirty="0">
-              <a:solidFill>
-                <a:schemeClr val="bg1"/>
-              </a:solidFill>
-            </a:endParaRPr>
-          </a:p>
-          <a:p>
-            <a:r>
-              <a:rPr lang="en-GB" sz="6600" dirty="0">
-                <a:solidFill>
-                  <a:srgbClr val="00A3E0"/>
-                </a:solidFill>
-                <a:latin typeface="akagi_probook"/>
-              </a:rPr>
-              <a:t>Draw Me Close</a:t>
-            </a:r>
-          </a:p>
-          <a:p>
-            <a:br>
-              <a:rPr lang="en-GB" sz="1200" dirty="0">
-                <a:solidFill>
-                  <a:schemeClr val="bg1"/>
-                </a:solidFill>
-              </a:rPr>
-            </a:br>
-            <a:r>
-              <a:rPr lang="en-GB" sz="1200" dirty="0">
-                <a:solidFill>
-                  <a:schemeClr val="bg1"/>
-                </a:solidFill>
-              </a:rPr>
-              <a:t>CCLI Song # 1459484</a:t>
-            </a:r>
-          </a:p>
-          <a:p>
-            <a:r>
-              <a:rPr lang="en-GB" sz="1200" dirty="0">
-                <a:solidFill>
-                  <a:schemeClr val="bg1"/>
-                </a:solidFill>
-              </a:rPr>
-              <a:t>Kelly Carpenter</a:t>
-            </a:r>
-          </a:p>
-          <a:p>
-            <a:r>
-              <a:rPr lang="en-GB" sz="1200" dirty="0">
-                <a:solidFill>
-                  <a:schemeClr val="bg1"/>
-                </a:solidFill>
-              </a:rPr>
-              <a:t>© 1994 Mercy / Vineyard Publishing</a:t>
-            </a:r>
-          </a:p>
-          <a:p>
-            <a:r>
-              <a:rPr lang="en-GB" sz="1200" dirty="0">
-                <a:solidFill>
-                  <a:schemeClr val="bg1"/>
-                </a:solidFill>
-              </a:rPr>
-              <a:t>For use solely with the </a:t>
-            </a:r>
-            <a:r>
-              <a:rPr lang="en-GB" sz="1200" dirty="0" err="1">
-                <a:solidFill>
-                  <a:schemeClr val="bg1"/>
-                </a:solidFill>
-              </a:rPr>
-              <a:t>SongSelect</a:t>
-            </a:r>
-            <a:r>
-              <a:rPr lang="en-GB" sz="1200" dirty="0">
-                <a:solidFill>
-                  <a:schemeClr val="bg1"/>
-                </a:solidFill>
-              </a:rPr>
-              <a:t>® Terms of Use. All rights reserved. www.ccli.com</a:t>
-            </a:r>
-          </a:p>
-          <a:p>
-            <a:r>
-              <a:rPr lang="en-GB" sz="1200" dirty="0">
-                <a:solidFill>
-                  <a:schemeClr val="bg1"/>
-                </a:solidFill>
-              </a:rPr>
-              <a:t>CCLI Licence No. 33265</a:t>
+            <a:pPr algn="l"/>
+            <a:r>
+              <a:rPr lang="en-GB" sz="4400" dirty="0">
+                <a:solidFill>
+                  <a:schemeClr val="bg1"/>
+                </a:solidFill>
+              </a:rPr>
+              <a:t>Chorus:</a:t>
+            </a:r>
+          </a:p>
+          <a:p>
+            <a:r>
+              <a:rPr lang="en-GB" sz="4400" dirty="0">
+                <a:solidFill>
+                  <a:schemeClr val="bg1"/>
+                </a:solidFill>
+              </a:rPr>
+              <a:t>And I will call upon Your name</a:t>
+            </a:r>
+          </a:p>
+          <a:p>
+            <a:r>
+              <a:rPr lang="en-GB" sz="4400" dirty="0">
+                <a:solidFill>
+                  <a:schemeClr val="bg1"/>
+                </a:solidFill>
+              </a:rPr>
+              <a:t>And keep my eyes above the waves</a:t>
+            </a:r>
+          </a:p>
+          <a:p>
+            <a:r>
+              <a:rPr lang="en-GB" sz="4400" dirty="0">
+                <a:solidFill>
+                  <a:schemeClr val="bg1"/>
+                </a:solidFill>
+              </a:rPr>
+              <a:t>When oceans rise</a:t>
+            </a:r>
+          </a:p>
+          <a:p>
+            <a:r>
+              <a:rPr lang="en-GB" sz="4400" dirty="0">
+                <a:solidFill>
+                  <a:schemeClr val="bg1"/>
+                </a:solidFill>
+              </a:rPr>
+              <a:t>My soul will rest in Your embrace</a:t>
+            </a:r>
+          </a:p>
+          <a:p>
+            <a:r>
+              <a:rPr lang="en-GB" sz="4400" dirty="0">
+                <a:solidFill>
+                  <a:schemeClr val="bg1"/>
+                </a:solidFill>
+              </a:rPr>
+              <a:t>For I am Yours and You are mine</a:t>
+            </a:r>
+          </a:p>
+        </p:txBody>
+      </p:sp>
+      <p:sp>
+        <p:nvSpPr>
+          <p:cNvPr id="4" name="TextBox 3"/>
+          <p:cNvSpPr txBox="1"/>
+          <p:nvPr/>
+        </p:nvSpPr>
+        <p:spPr>
+          <a:xfrm>
+            <a:off x="8529729" y="0"/>
+            <a:ext cx="628698" cy="461665"/>
+          </a:xfrm>
+          <a:prstGeom prst="rect">
+            <a:avLst/>
+          </a:prstGeom>
+          <a:noFill/>
+        </p:spPr>
+        <p:txBody>
+          <a:bodyPr wrap="none" rtlCol="0">
+            <a:spAutoFit/>
+          </a:bodyPr>
+          <a:lstStyle/>
+          <a:p>
+            <a:r>
+              <a:rPr lang="en-GB" sz="2400" b="1" dirty="0">
+                <a:solidFill>
+                  <a:schemeClr val="bg1"/>
+                </a:solidFill>
+              </a:rPr>
+              <a:t>6/6</a:t>
             </a:r>
           </a:p>
         </p:txBody>
@@ -8862,7 +8901,7 @@
     </p:spTree>
     <p:extLst>
       <p:ext uri="{BB962C8B-B14F-4D97-AF65-F5344CB8AC3E}">
-        <p14:creationId xmlns:p14="http://schemas.microsoft.com/office/powerpoint/2010/main" val="3107317129"/>
+        <p14:creationId xmlns:p14="http://schemas.microsoft.com/office/powerpoint/2010/main" val="1253950556"/>
       </p:ext>
     </p:extLst>
   </p:cSld>
@@ -8901,7 +8940,7 @@
         </p:nvSpPr>
         <p:spPr>
           <a:xfrm>
-            <a:off x="208818" y="692696"/>
+            <a:off x="323528" y="188640"/>
             <a:ext cx="8640960" cy="6480720"/>
           </a:xfrm>
         </p:spPr>
@@ -8911,114 +8950,164 @@
           </a:bodyPr>
           <a:lstStyle/>
           <a:p>
-            <a:r>
-              <a:rPr lang="en-GB" sz="3600" dirty="0">
-                <a:solidFill>
-                  <a:schemeClr val="bg1"/>
-                </a:solidFill>
-              </a:rPr>
-              <a:t>Draw me close to You never let me go</a:t>
-            </a:r>
-          </a:p>
-          <a:p>
-            <a:r>
-              <a:rPr lang="en-GB" sz="3600" dirty="0">
-                <a:solidFill>
-                  <a:schemeClr val="bg1"/>
-                </a:solidFill>
-              </a:rPr>
-              <a:t>I lay it all down again</a:t>
-            </a:r>
-          </a:p>
-          <a:p>
-            <a:r>
-              <a:rPr lang="en-GB" sz="3600" dirty="0">
-                <a:solidFill>
-                  <a:schemeClr val="bg1"/>
-                </a:solidFill>
-              </a:rPr>
-              <a:t>To hear You say that I'm Your friend</a:t>
-            </a:r>
-          </a:p>
-          <a:p>
-            <a:r>
-              <a:rPr lang="en-GB" sz="3600" dirty="0">
-                <a:solidFill>
-                  <a:schemeClr val="bg1"/>
-                </a:solidFill>
-              </a:rPr>
-              <a:t>You are my desire no one else will do</a:t>
-            </a:r>
-          </a:p>
-          <a:p>
-            <a:r>
-              <a:rPr lang="en-GB" sz="3600" dirty="0" err="1">
-                <a:solidFill>
-                  <a:schemeClr val="bg1"/>
-                </a:solidFill>
-              </a:rPr>
-              <a:t>'Cause</a:t>
-            </a:r>
-            <a:r>
-              <a:rPr lang="en-GB" sz="3600" dirty="0">
-                <a:solidFill>
-                  <a:schemeClr val="bg1"/>
-                </a:solidFill>
-              </a:rPr>
-              <a:t> nothing else could take Your place</a:t>
-            </a:r>
-          </a:p>
-          <a:p>
-            <a:r>
-              <a:rPr lang="en-GB" sz="3600" dirty="0">
-                <a:solidFill>
-                  <a:schemeClr val="bg1"/>
-                </a:solidFill>
-              </a:rPr>
-              <a:t>To feel the warmth of Your embrace</a:t>
-            </a:r>
-          </a:p>
-          <a:p>
-            <a:r>
-              <a:rPr lang="en-GB" sz="3600" dirty="0">
-                <a:solidFill>
-                  <a:schemeClr val="bg1"/>
-                </a:solidFill>
-              </a:rPr>
-              <a:t>Help me find the way bring me back to You</a:t>
-            </a:r>
-          </a:p>
-        </p:txBody>
-      </p:sp>
-      <p:sp>
-        <p:nvSpPr>
-          <p:cNvPr id="4" name="TextBox 3"/>
-          <p:cNvSpPr txBox="1"/>
-          <p:nvPr/>
-        </p:nvSpPr>
-        <p:spPr>
-          <a:xfrm>
-            <a:off x="8529729" y="0"/>
-            <a:ext cx="628698" cy="461665"/>
-          </a:xfrm>
-          <a:prstGeom prst="rect">
-            <a:avLst/>
-          </a:prstGeom>
-          <a:noFill/>
-        </p:spPr>
-        <p:txBody>
-          <a:bodyPr wrap="none" rtlCol="0">
-            <a:spAutoFit/>
-          </a:bodyPr>
-          <a:lstStyle/>
-          <a:p>
-            <a:r>
-              <a:rPr lang="en-GB" sz="2400" b="1" dirty="0">
-                <a:solidFill>
-                  <a:schemeClr val="bg1"/>
-                </a:solidFill>
-              </a:rPr>
-              <a:t>1/2</a:t>
+            <a:endParaRPr lang="en-GB" sz="5400" dirty="0">
+              <a:solidFill>
+                <a:schemeClr val="bg1"/>
+              </a:solidFill>
+            </a:endParaRPr>
+          </a:p>
+          <a:p>
+            <a:r>
+              <a:rPr lang="en-GB" sz="4400" b="0" i="0" dirty="0">
+                <a:solidFill>
+                  <a:srgbClr val="00A3E0"/>
+                </a:solidFill>
+                <a:effectLst/>
+                <a:latin typeface="akagi_probook"/>
+              </a:rPr>
+              <a:t>Waiting Here For You</a:t>
+            </a:r>
+          </a:p>
+          <a:p>
+            <a:br>
+              <a:rPr lang="en-GB" sz="1200" dirty="0">
+                <a:solidFill>
+                  <a:schemeClr val="bg1"/>
+                </a:solidFill>
+              </a:rPr>
+            </a:br>
+            <a:r>
+              <a:rPr lang="en-GB" sz="1200" dirty="0">
+                <a:solidFill>
+                  <a:schemeClr val="bg1"/>
+                </a:solidFill>
+              </a:rPr>
+              <a:t>CCLI Song # 5925663</a:t>
+            </a:r>
+          </a:p>
+          <a:p>
+            <a:endParaRPr lang="en-GB" sz="1200" dirty="0">
+              <a:solidFill>
+                <a:schemeClr val="bg1"/>
+              </a:solidFill>
+            </a:endParaRPr>
+          </a:p>
+          <a:p>
+            <a:r>
+              <a:rPr lang="en-GB" sz="1200" dirty="0">
+                <a:solidFill>
+                  <a:schemeClr val="bg1"/>
+                </a:solidFill>
+              </a:rPr>
+              <a:t>Chris Tomlin | Jesse Reeves | Martin Smith</a:t>
+            </a:r>
+          </a:p>
+          <a:p>
+            <a:endParaRPr lang="en-GB" sz="1200" dirty="0">
+              <a:solidFill>
+                <a:schemeClr val="bg1"/>
+              </a:solidFill>
+            </a:endParaRPr>
+          </a:p>
+          <a:p>
+            <a:r>
+              <a:rPr lang="en-GB" sz="1200" dirty="0">
+                <a:solidFill>
+                  <a:schemeClr val="bg1"/>
+                </a:solidFill>
+              </a:rPr>
+              <a:t>© 2011 Rising Springs Music (Admin. by Capitol CMG Publishing)</a:t>
+            </a:r>
+          </a:p>
+          <a:p>
+            <a:r>
+              <a:rPr lang="en-GB" sz="1200" dirty="0" err="1">
+                <a:solidFill>
+                  <a:schemeClr val="bg1"/>
+                </a:solidFill>
+              </a:rPr>
+              <a:t>Vamos</a:t>
+            </a:r>
+            <a:r>
+              <a:rPr lang="en-GB" sz="1200" dirty="0">
+                <a:solidFill>
+                  <a:schemeClr val="bg1"/>
+                </a:solidFill>
+              </a:rPr>
+              <a:t> Publishing (Admin. by Capitol CMG Publishing)</a:t>
+            </a:r>
+          </a:p>
+          <a:p>
+            <a:r>
+              <a:rPr lang="en-GB" sz="1200" dirty="0">
+                <a:solidFill>
+                  <a:schemeClr val="bg1"/>
+                </a:solidFill>
+              </a:rPr>
+              <a:t>worshiptogether.com songs (Admin. by Capitol CMG Publishing)</a:t>
+            </a:r>
+          </a:p>
+          <a:p>
+            <a:r>
+              <a:rPr lang="en-GB" sz="1200" dirty="0">
+                <a:solidFill>
+                  <a:schemeClr val="bg1"/>
+                </a:solidFill>
+              </a:rPr>
+              <a:t>Smith United (Admin. by Integrity Music Ltd)</a:t>
+            </a:r>
+          </a:p>
+          <a:p>
+            <a:r>
+              <a:rPr lang="en-GB" sz="1200" dirty="0">
+                <a:solidFill>
+                  <a:schemeClr val="bg1"/>
+                </a:solidFill>
+              </a:rPr>
+              <a:t>Thankyou Music (Admin. by Integrity Music Ltd)</a:t>
+            </a:r>
+          </a:p>
+          <a:p>
+            <a:r>
+              <a:rPr lang="en-GB" sz="1200" dirty="0">
+                <a:solidFill>
+                  <a:schemeClr val="bg1"/>
+                </a:solidFill>
+              </a:rPr>
+              <a:t>For use solely with the </a:t>
+            </a:r>
+            <a:r>
+              <a:rPr lang="en-GB" sz="1200" dirty="0" err="1">
+                <a:solidFill>
+                  <a:schemeClr val="bg1"/>
+                </a:solidFill>
+              </a:rPr>
+              <a:t>SongSelect</a:t>
+            </a:r>
+            <a:r>
+              <a:rPr lang="en-GB" sz="1200" dirty="0">
+                <a:solidFill>
+                  <a:schemeClr val="bg1"/>
+                </a:solidFill>
+              </a:rPr>
+              <a:t>® Terms of Use. All rights reserved. www.ccli.com</a:t>
+            </a:r>
+          </a:p>
+          <a:p>
+            <a:endParaRPr lang="en-GB" sz="1200" dirty="0">
+              <a:solidFill>
+                <a:schemeClr val="bg1"/>
+              </a:solidFill>
+            </a:endParaRPr>
+          </a:p>
+          <a:p>
+            <a:r>
+              <a:rPr lang="en-GB" sz="1200" dirty="0">
+                <a:solidFill>
+                  <a:schemeClr val="bg1"/>
+                </a:solidFill>
+              </a:rPr>
+              <a:t>CCLI Licence No. 33265</a:t>
             </a:r>
           </a:p>
         </p:txBody>
@@ -9026,7 +9115,7 @@
     </p:spTree>
     <p:extLst>
       <p:ext uri="{BB962C8B-B14F-4D97-AF65-F5344CB8AC3E}">
-        <p14:creationId xmlns:p14="http://schemas.microsoft.com/office/powerpoint/2010/main" val="2203528704"/>
+        <p14:creationId xmlns:p14="http://schemas.microsoft.com/office/powerpoint/2010/main" val="10811798"/>
       </p:ext>
     </p:extLst>
   </p:cSld>
@@ -9065,6 +9154,1395 @@
         </p:nvSpPr>
         <p:spPr>
           <a:xfrm>
+            <a:off x="251520" y="764704"/>
+            <a:ext cx="8640960" cy="6480720"/>
+          </a:xfrm>
+        </p:spPr>
+        <p:txBody>
+          <a:bodyPr>
+            <a:noAutofit/>
+          </a:bodyPr>
+          <a:lstStyle/>
+          <a:p>
+            <a:r>
+              <a:rPr lang="en-GB" sz="4000" dirty="0">
+                <a:solidFill>
+                  <a:schemeClr val="bg1"/>
+                </a:solidFill>
+              </a:rPr>
+              <a:t>If faith can move the mountains</a:t>
+            </a:r>
+          </a:p>
+          <a:p>
+            <a:r>
+              <a:rPr lang="en-GB" sz="4000" dirty="0">
+                <a:solidFill>
+                  <a:schemeClr val="bg1"/>
+                </a:solidFill>
+              </a:rPr>
+              <a:t>Let the mountains move</a:t>
+            </a:r>
+          </a:p>
+          <a:p>
+            <a:r>
+              <a:rPr lang="en-GB" sz="4000" dirty="0">
+                <a:solidFill>
+                  <a:schemeClr val="bg1"/>
+                </a:solidFill>
+              </a:rPr>
+              <a:t>We come with expectation</a:t>
+            </a:r>
+          </a:p>
+          <a:p>
+            <a:r>
+              <a:rPr lang="en-GB" sz="4000" dirty="0">
+                <a:solidFill>
+                  <a:schemeClr val="bg1"/>
+                </a:solidFill>
+              </a:rPr>
+              <a:t>Waiting here for You</a:t>
+            </a:r>
+          </a:p>
+          <a:p>
+            <a:r>
+              <a:rPr lang="en-GB" sz="4000" dirty="0">
+                <a:solidFill>
+                  <a:schemeClr val="bg1"/>
+                </a:solidFill>
+              </a:rPr>
+              <a:t>Waiting here for You</a:t>
+            </a:r>
+          </a:p>
+        </p:txBody>
+      </p:sp>
+      <p:sp>
+        <p:nvSpPr>
+          <p:cNvPr id="4" name="TextBox 3"/>
+          <p:cNvSpPr txBox="1"/>
+          <p:nvPr/>
+        </p:nvSpPr>
+        <p:spPr>
+          <a:xfrm>
+            <a:off x="8529729" y="0"/>
+            <a:ext cx="628698" cy="461665"/>
+          </a:xfrm>
+          <a:prstGeom prst="rect">
+            <a:avLst/>
+          </a:prstGeom>
+          <a:noFill/>
+        </p:spPr>
+        <p:txBody>
+          <a:bodyPr wrap="none" rtlCol="0">
+            <a:spAutoFit/>
+          </a:bodyPr>
+          <a:lstStyle/>
+          <a:p>
+            <a:r>
+              <a:rPr lang="en-GB" sz="2400" b="1" dirty="0">
+                <a:solidFill>
+                  <a:schemeClr val="bg1"/>
+                </a:solidFill>
+              </a:rPr>
+              <a:t>1/7</a:t>
+            </a:r>
+          </a:p>
+        </p:txBody>
+      </p:sp>
+    </p:spTree>
+    <p:extLst>
+      <p:ext uri="{BB962C8B-B14F-4D97-AF65-F5344CB8AC3E}">
+        <p14:creationId xmlns:p14="http://schemas.microsoft.com/office/powerpoint/2010/main" val="1460942199"/>
+      </p:ext>
+    </p:extLst>
+  </p:cSld>
+  <p:clrMapOvr>
+    <a:masterClrMapping/>
+  </p:clrMapOvr>
+</p:sld>
+</file>
+
+<file path=ppt/slides/slide35.xml><?xml version="1.0" encoding="utf-8"?>
+<p:sld xmlns:a="http://schemas.openxmlformats.org/drawingml/2006/main" xmlns:r="http://schemas.openxmlformats.org/officeDocument/2006/relationships" xmlns:p="http://schemas.openxmlformats.org/presentationml/2006/main">
+  <p:cSld>
+    <p:spTree>
+      <p:nvGrpSpPr>
+        <p:cNvPr id="1" name=""/>
+        <p:cNvGrpSpPr/>
+        <p:nvPr/>
+      </p:nvGrpSpPr>
+      <p:grpSpPr>
+        <a:xfrm>
+          <a:off x="0" y="0"/>
+          <a:ext cx="0" cy="0"/>
+          <a:chOff x="0" y="0"/>
+          <a:chExt cx="0" cy="0"/>
+        </a:xfrm>
+      </p:grpSpPr>
+      <p:sp>
+        <p:nvSpPr>
+          <p:cNvPr id="3" name="Subtitle 2"/>
+          <p:cNvSpPr>
+            <a:spLocks noGrp="1"/>
+          </p:cNvSpPr>
+          <p:nvPr>
+            <p:ph type="subTitle" idx="1"/>
+          </p:nvPr>
+        </p:nvSpPr>
+        <p:spPr>
+          <a:xfrm>
+            <a:off x="251520" y="692696"/>
+            <a:ext cx="8640960" cy="6480720"/>
+          </a:xfrm>
+        </p:spPr>
+        <p:txBody>
+          <a:bodyPr>
+            <a:noAutofit/>
+          </a:bodyPr>
+          <a:lstStyle/>
+          <a:p>
+            <a:r>
+              <a:rPr lang="en-GB" sz="4000" dirty="0">
+                <a:solidFill>
+                  <a:schemeClr val="bg1"/>
+                </a:solidFill>
+              </a:rPr>
+              <a:t>You're the Lord of all creation</a:t>
+            </a:r>
+          </a:p>
+          <a:p>
+            <a:r>
+              <a:rPr lang="en-GB" sz="4000" dirty="0">
+                <a:solidFill>
+                  <a:schemeClr val="bg1"/>
+                </a:solidFill>
+              </a:rPr>
+              <a:t>And still You know my heart</a:t>
+            </a:r>
+          </a:p>
+          <a:p>
+            <a:r>
+              <a:rPr lang="en-GB" sz="4000" dirty="0">
+                <a:solidFill>
+                  <a:schemeClr val="bg1"/>
+                </a:solidFill>
+              </a:rPr>
+              <a:t>The Author of salvation</a:t>
+            </a:r>
+          </a:p>
+          <a:p>
+            <a:r>
+              <a:rPr lang="en-GB" sz="4000" dirty="0">
+                <a:solidFill>
+                  <a:schemeClr val="bg1"/>
+                </a:solidFill>
+              </a:rPr>
+              <a:t>You've loved us from the start</a:t>
+            </a:r>
+          </a:p>
+        </p:txBody>
+      </p:sp>
+      <p:sp>
+        <p:nvSpPr>
+          <p:cNvPr id="4" name="TextBox 3"/>
+          <p:cNvSpPr txBox="1"/>
+          <p:nvPr/>
+        </p:nvSpPr>
+        <p:spPr>
+          <a:xfrm>
+            <a:off x="8529729" y="0"/>
+            <a:ext cx="628698" cy="461665"/>
+          </a:xfrm>
+          <a:prstGeom prst="rect">
+            <a:avLst/>
+          </a:prstGeom>
+          <a:noFill/>
+        </p:spPr>
+        <p:txBody>
+          <a:bodyPr wrap="none" rtlCol="0">
+            <a:spAutoFit/>
+          </a:bodyPr>
+          <a:lstStyle/>
+          <a:p>
+            <a:r>
+              <a:rPr lang="en-GB" sz="2400" b="1" dirty="0">
+                <a:solidFill>
+                  <a:schemeClr val="bg1"/>
+                </a:solidFill>
+              </a:rPr>
+              <a:t>2/7</a:t>
+            </a:r>
+          </a:p>
+        </p:txBody>
+      </p:sp>
+    </p:spTree>
+    <p:extLst>
+      <p:ext uri="{BB962C8B-B14F-4D97-AF65-F5344CB8AC3E}">
+        <p14:creationId xmlns:p14="http://schemas.microsoft.com/office/powerpoint/2010/main" val="2145440380"/>
+      </p:ext>
+    </p:extLst>
+  </p:cSld>
+  <p:clrMapOvr>
+    <a:masterClrMapping/>
+  </p:clrMapOvr>
+</p:sld>
+</file>
+
+<file path=ppt/slides/slide36.xml><?xml version="1.0" encoding="utf-8"?>
+<p:sld xmlns:a="http://schemas.openxmlformats.org/drawingml/2006/main" xmlns:r="http://schemas.openxmlformats.org/officeDocument/2006/relationships" xmlns:p="http://schemas.openxmlformats.org/presentationml/2006/main">
+  <p:cSld>
+    <p:spTree>
+      <p:nvGrpSpPr>
+        <p:cNvPr id="1" name=""/>
+        <p:cNvGrpSpPr/>
+        <p:nvPr/>
+      </p:nvGrpSpPr>
+      <p:grpSpPr>
+        <a:xfrm>
+          <a:off x="0" y="0"/>
+          <a:ext cx="0" cy="0"/>
+          <a:chOff x="0" y="0"/>
+          <a:chExt cx="0" cy="0"/>
+        </a:xfrm>
+      </p:grpSpPr>
+      <p:sp>
+        <p:nvSpPr>
+          <p:cNvPr id="3" name="Subtitle 2"/>
+          <p:cNvSpPr>
+            <a:spLocks noGrp="1"/>
+          </p:cNvSpPr>
+          <p:nvPr>
+            <p:ph type="subTitle" idx="1"/>
+          </p:nvPr>
+        </p:nvSpPr>
+        <p:spPr>
+          <a:xfrm>
+            <a:off x="395536" y="692696"/>
+            <a:ext cx="8640960" cy="6480720"/>
+          </a:xfrm>
+        </p:spPr>
+        <p:txBody>
+          <a:bodyPr>
+            <a:noAutofit/>
+          </a:bodyPr>
+          <a:lstStyle/>
+          <a:p>
+            <a:r>
+              <a:rPr lang="en-GB" sz="4000" dirty="0">
+                <a:solidFill>
+                  <a:schemeClr val="bg1"/>
+                </a:solidFill>
+              </a:rPr>
+              <a:t>Waiting here for You with our hands</a:t>
+            </a:r>
+          </a:p>
+          <a:p>
+            <a:r>
+              <a:rPr lang="en-GB" sz="4000" dirty="0">
+                <a:solidFill>
+                  <a:schemeClr val="bg1"/>
+                </a:solidFill>
+              </a:rPr>
+              <a:t>Lifted high in praise</a:t>
+            </a:r>
+          </a:p>
+          <a:p>
+            <a:r>
+              <a:rPr lang="en-GB" sz="4000" dirty="0">
+                <a:solidFill>
+                  <a:schemeClr val="bg1"/>
+                </a:solidFill>
+              </a:rPr>
+              <a:t>And it's You we adore</a:t>
+            </a:r>
+          </a:p>
+          <a:p>
+            <a:r>
+              <a:rPr lang="en-GB" sz="4000" dirty="0">
+                <a:solidFill>
+                  <a:schemeClr val="bg1"/>
+                </a:solidFill>
+              </a:rPr>
+              <a:t>Singing alleluia</a:t>
+            </a:r>
+          </a:p>
+        </p:txBody>
+      </p:sp>
+      <p:sp>
+        <p:nvSpPr>
+          <p:cNvPr id="4" name="TextBox 3"/>
+          <p:cNvSpPr txBox="1"/>
+          <p:nvPr/>
+        </p:nvSpPr>
+        <p:spPr>
+          <a:xfrm>
+            <a:off x="8529729" y="0"/>
+            <a:ext cx="628698" cy="461665"/>
+          </a:xfrm>
+          <a:prstGeom prst="rect">
+            <a:avLst/>
+          </a:prstGeom>
+          <a:noFill/>
+        </p:spPr>
+        <p:txBody>
+          <a:bodyPr wrap="none" rtlCol="0">
+            <a:spAutoFit/>
+          </a:bodyPr>
+          <a:lstStyle/>
+          <a:p>
+            <a:r>
+              <a:rPr lang="en-GB" sz="2400" b="1" dirty="0">
+                <a:solidFill>
+                  <a:schemeClr val="bg1"/>
+                </a:solidFill>
+              </a:rPr>
+              <a:t>3/7</a:t>
+            </a:r>
+          </a:p>
+        </p:txBody>
+      </p:sp>
+    </p:spTree>
+    <p:extLst>
+      <p:ext uri="{BB962C8B-B14F-4D97-AF65-F5344CB8AC3E}">
+        <p14:creationId xmlns:p14="http://schemas.microsoft.com/office/powerpoint/2010/main" val="1264809041"/>
+      </p:ext>
+    </p:extLst>
+  </p:cSld>
+  <p:clrMapOvr>
+    <a:masterClrMapping/>
+  </p:clrMapOvr>
+</p:sld>
+</file>
+
+<file path=ppt/slides/slide37.xml><?xml version="1.0" encoding="utf-8"?>
+<p:sld xmlns:a="http://schemas.openxmlformats.org/drawingml/2006/main" xmlns:r="http://schemas.openxmlformats.org/officeDocument/2006/relationships" xmlns:p="http://schemas.openxmlformats.org/presentationml/2006/main">
+  <p:cSld>
+    <p:spTree>
+      <p:nvGrpSpPr>
+        <p:cNvPr id="1" name=""/>
+        <p:cNvGrpSpPr/>
+        <p:nvPr/>
+      </p:nvGrpSpPr>
+      <p:grpSpPr>
+        <a:xfrm>
+          <a:off x="0" y="0"/>
+          <a:ext cx="0" cy="0"/>
+          <a:chOff x="0" y="0"/>
+          <a:chExt cx="0" cy="0"/>
+        </a:xfrm>
+      </p:grpSpPr>
+      <p:sp>
+        <p:nvSpPr>
+          <p:cNvPr id="3" name="Subtitle 2"/>
+          <p:cNvSpPr>
+            <a:spLocks noGrp="1"/>
+          </p:cNvSpPr>
+          <p:nvPr>
+            <p:ph type="subTitle" idx="1"/>
+          </p:nvPr>
+        </p:nvSpPr>
+        <p:spPr>
+          <a:xfrm>
+            <a:off x="251520" y="692696"/>
+            <a:ext cx="8640960" cy="6480720"/>
+          </a:xfrm>
+        </p:spPr>
+        <p:txBody>
+          <a:bodyPr>
+            <a:noAutofit/>
+          </a:bodyPr>
+          <a:lstStyle/>
+          <a:p>
+            <a:r>
+              <a:rPr lang="en-GB" sz="4000" dirty="0">
+                <a:solidFill>
+                  <a:schemeClr val="bg1"/>
+                </a:solidFill>
+              </a:rPr>
+              <a:t>You are </a:t>
+            </a:r>
+            <a:r>
+              <a:rPr lang="en-GB" sz="4000" dirty="0" err="1">
+                <a:solidFill>
+                  <a:schemeClr val="bg1"/>
+                </a:solidFill>
+              </a:rPr>
+              <a:t>ev'rything</a:t>
+            </a:r>
+            <a:r>
+              <a:rPr lang="en-GB" sz="4000" dirty="0">
+                <a:solidFill>
+                  <a:schemeClr val="bg1"/>
+                </a:solidFill>
+              </a:rPr>
+              <a:t> You've promised</a:t>
+            </a:r>
+          </a:p>
+          <a:p>
+            <a:r>
+              <a:rPr lang="en-GB" sz="4000" dirty="0">
+                <a:solidFill>
+                  <a:schemeClr val="bg1"/>
+                </a:solidFill>
+              </a:rPr>
+              <a:t>Your faithfulness is true</a:t>
+            </a:r>
+          </a:p>
+          <a:p>
+            <a:r>
+              <a:rPr lang="en-GB" sz="4000" dirty="0">
+                <a:solidFill>
+                  <a:schemeClr val="bg1"/>
+                </a:solidFill>
+              </a:rPr>
+              <a:t>We're </a:t>
+            </a:r>
+            <a:r>
+              <a:rPr lang="en-GB" sz="4000" dirty="0" err="1">
+                <a:solidFill>
+                  <a:schemeClr val="bg1"/>
+                </a:solidFill>
+              </a:rPr>
+              <a:t>desp'rate</a:t>
+            </a:r>
+            <a:r>
+              <a:rPr lang="en-GB" sz="4000" dirty="0">
+                <a:solidFill>
+                  <a:schemeClr val="bg1"/>
+                </a:solidFill>
+              </a:rPr>
+              <a:t> for Your presence</a:t>
+            </a:r>
+          </a:p>
+          <a:p>
+            <a:r>
+              <a:rPr lang="en-GB" sz="4000" dirty="0">
+                <a:solidFill>
+                  <a:schemeClr val="bg1"/>
+                </a:solidFill>
+              </a:rPr>
+              <a:t>All we need is You</a:t>
+            </a:r>
+          </a:p>
+        </p:txBody>
+      </p:sp>
+      <p:sp>
+        <p:nvSpPr>
+          <p:cNvPr id="4" name="TextBox 3"/>
+          <p:cNvSpPr txBox="1"/>
+          <p:nvPr/>
+        </p:nvSpPr>
+        <p:spPr>
+          <a:xfrm>
+            <a:off x="8529729" y="0"/>
+            <a:ext cx="628698" cy="461665"/>
+          </a:xfrm>
+          <a:prstGeom prst="rect">
+            <a:avLst/>
+          </a:prstGeom>
+          <a:noFill/>
+        </p:spPr>
+        <p:txBody>
+          <a:bodyPr wrap="none" rtlCol="0">
+            <a:spAutoFit/>
+          </a:bodyPr>
+          <a:lstStyle/>
+          <a:p>
+            <a:r>
+              <a:rPr lang="en-GB" sz="2400" b="1" dirty="0">
+                <a:solidFill>
+                  <a:schemeClr val="bg1"/>
+                </a:solidFill>
+              </a:rPr>
+              <a:t>4/7</a:t>
+            </a:r>
+          </a:p>
+        </p:txBody>
+      </p:sp>
+    </p:spTree>
+    <p:extLst>
+      <p:ext uri="{BB962C8B-B14F-4D97-AF65-F5344CB8AC3E}">
+        <p14:creationId xmlns:p14="http://schemas.microsoft.com/office/powerpoint/2010/main" val="4200842303"/>
+      </p:ext>
+    </p:extLst>
+  </p:cSld>
+  <p:clrMapOvr>
+    <a:masterClrMapping/>
+  </p:clrMapOvr>
+</p:sld>
+</file>
+
+<file path=ppt/slides/slide38.xml><?xml version="1.0" encoding="utf-8"?>
+<p:sld xmlns:a="http://schemas.openxmlformats.org/drawingml/2006/main" xmlns:r="http://schemas.openxmlformats.org/officeDocument/2006/relationships" xmlns:p="http://schemas.openxmlformats.org/presentationml/2006/main">
+  <p:cSld>
+    <p:spTree>
+      <p:nvGrpSpPr>
+        <p:cNvPr id="1" name=""/>
+        <p:cNvGrpSpPr/>
+        <p:nvPr/>
+      </p:nvGrpSpPr>
+      <p:grpSpPr>
+        <a:xfrm>
+          <a:off x="0" y="0"/>
+          <a:ext cx="0" cy="0"/>
+          <a:chOff x="0" y="0"/>
+          <a:chExt cx="0" cy="0"/>
+        </a:xfrm>
+      </p:grpSpPr>
+      <p:sp>
+        <p:nvSpPr>
+          <p:cNvPr id="3" name="Subtitle 2"/>
+          <p:cNvSpPr>
+            <a:spLocks noGrp="1"/>
+          </p:cNvSpPr>
+          <p:nvPr>
+            <p:ph type="subTitle" idx="1"/>
+          </p:nvPr>
+        </p:nvSpPr>
+        <p:spPr>
+          <a:xfrm>
+            <a:off x="395536" y="692696"/>
+            <a:ext cx="8640960" cy="6480720"/>
+          </a:xfrm>
+        </p:spPr>
+        <p:txBody>
+          <a:bodyPr>
+            <a:noAutofit/>
+          </a:bodyPr>
+          <a:lstStyle/>
+          <a:p>
+            <a:r>
+              <a:rPr lang="en-GB" sz="4000" dirty="0">
+                <a:solidFill>
+                  <a:schemeClr val="bg1"/>
+                </a:solidFill>
+              </a:rPr>
+              <a:t>Waiting here for You with our hands</a:t>
+            </a:r>
+          </a:p>
+          <a:p>
+            <a:r>
+              <a:rPr lang="en-GB" sz="4000" dirty="0">
+                <a:solidFill>
+                  <a:schemeClr val="bg1"/>
+                </a:solidFill>
+              </a:rPr>
+              <a:t>Lifted high in praise</a:t>
+            </a:r>
+          </a:p>
+          <a:p>
+            <a:r>
+              <a:rPr lang="en-GB" sz="4000" dirty="0">
+                <a:solidFill>
+                  <a:schemeClr val="bg1"/>
+                </a:solidFill>
+              </a:rPr>
+              <a:t>And it's You we adore</a:t>
+            </a:r>
+          </a:p>
+          <a:p>
+            <a:r>
+              <a:rPr lang="en-GB" sz="4000" dirty="0">
+                <a:solidFill>
+                  <a:schemeClr val="bg1"/>
+                </a:solidFill>
+              </a:rPr>
+              <a:t>Singing alleluia</a:t>
+            </a:r>
+          </a:p>
+        </p:txBody>
+      </p:sp>
+      <p:sp>
+        <p:nvSpPr>
+          <p:cNvPr id="4" name="TextBox 3"/>
+          <p:cNvSpPr txBox="1"/>
+          <p:nvPr/>
+        </p:nvSpPr>
+        <p:spPr>
+          <a:xfrm>
+            <a:off x="8529729" y="0"/>
+            <a:ext cx="628698" cy="461665"/>
+          </a:xfrm>
+          <a:prstGeom prst="rect">
+            <a:avLst/>
+          </a:prstGeom>
+          <a:noFill/>
+        </p:spPr>
+        <p:txBody>
+          <a:bodyPr wrap="none" rtlCol="0">
+            <a:spAutoFit/>
+          </a:bodyPr>
+          <a:lstStyle/>
+          <a:p>
+            <a:r>
+              <a:rPr lang="en-GB" sz="2400" b="1" dirty="0">
+                <a:solidFill>
+                  <a:schemeClr val="bg1"/>
+                </a:solidFill>
+              </a:rPr>
+              <a:t>5/7</a:t>
+            </a:r>
+          </a:p>
+        </p:txBody>
+      </p:sp>
+    </p:spTree>
+    <p:extLst>
+      <p:ext uri="{BB962C8B-B14F-4D97-AF65-F5344CB8AC3E}">
+        <p14:creationId xmlns:p14="http://schemas.microsoft.com/office/powerpoint/2010/main" val="3826119185"/>
+      </p:ext>
+    </p:extLst>
+  </p:cSld>
+  <p:clrMapOvr>
+    <a:masterClrMapping/>
+  </p:clrMapOvr>
+</p:sld>
+</file>
+
+<file path=ppt/slides/slide39.xml><?xml version="1.0" encoding="utf-8"?>
+<p:sld xmlns:a="http://schemas.openxmlformats.org/drawingml/2006/main" xmlns:r="http://schemas.openxmlformats.org/officeDocument/2006/relationships" xmlns:p="http://schemas.openxmlformats.org/presentationml/2006/main">
+  <p:cSld>
+    <p:spTree>
+      <p:nvGrpSpPr>
+        <p:cNvPr id="1" name=""/>
+        <p:cNvGrpSpPr/>
+        <p:nvPr/>
+      </p:nvGrpSpPr>
+      <p:grpSpPr>
+        <a:xfrm>
+          <a:off x="0" y="0"/>
+          <a:ext cx="0" cy="0"/>
+          <a:chOff x="0" y="0"/>
+          <a:chExt cx="0" cy="0"/>
+        </a:xfrm>
+      </p:grpSpPr>
+      <p:sp>
+        <p:nvSpPr>
+          <p:cNvPr id="3" name="Subtitle 2"/>
+          <p:cNvSpPr>
+            <a:spLocks noGrp="1"/>
+          </p:cNvSpPr>
+          <p:nvPr>
+            <p:ph type="subTitle" idx="1"/>
+          </p:nvPr>
+        </p:nvSpPr>
+        <p:spPr>
+          <a:xfrm>
+            <a:off x="251520" y="836712"/>
+            <a:ext cx="8640960" cy="6480720"/>
+          </a:xfrm>
+        </p:spPr>
+        <p:txBody>
+          <a:bodyPr>
+            <a:noAutofit/>
+          </a:bodyPr>
+          <a:lstStyle/>
+          <a:p>
+            <a:endParaRPr lang="en-GB" sz="4000" dirty="0">
+              <a:solidFill>
+                <a:schemeClr val="bg1"/>
+              </a:solidFill>
+            </a:endParaRPr>
+          </a:p>
+          <a:p>
+            <a:pPr algn="l"/>
+            <a:r>
+              <a:rPr lang="en-GB" sz="4000" dirty="0">
+                <a:solidFill>
+                  <a:schemeClr val="bg1"/>
+                </a:solidFill>
+              </a:rPr>
+              <a:t>Bridge:</a:t>
+            </a:r>
+          </a:p>
+          <a:p>
+            <a:r>
+              <a:rPr lang="en-GB" sz="4000" dirty="0">
+                <a:solidFill>
+                  <a:schemeClr val="bg1"/>
+                </a:solidFill>
+              </a:rPr>
+              <a:t>Singing alleluia alleluia</a:t>
+            </a:r>
+          </a:p>
+          <a:p>
+            <a:r>
+              <a:rPr lang="en-GB" sz="4000" dirty="0">
+                <a:solidFill>
+                  <a:schemeClr val="bg1"/>
+                </a:solidFill>
+              </a:rPr>
+              <a:t>Singing alleluia </a:t>
+            </a:r>
+            <a:r>
+              <a:rPr lang="en-GB" sz="4000" dirty="0" err="1">
+                <a:solidFill>
+                  <a:schemeClr val="bg1"/>
+                </a:solidFill>
+              </a:rPr>
+              <a:t>alleluia</a:t>
+            </a:r>
+            <a:endParaRPr lang="en-GB" sz="4000" dirty="0">
+              <a:solidFill>
+                <a:schemeClr val="bg1"/>
+              </a:solidFill>
+            </a:endParaRPr>
+          </a:p>
+        </p:txBody>
+      </p:sp>
+      <p:sp>
+        <p:nvSpPr>
+          <p:cNvPr id="4" name="TextBox 3"/>
+          <p:cNvSpPr txBox="1"/>
+          <p:nvPr/>
+        </p:nvSpPr>
+        <p:spPr>
+          <a:xfrm>
+            <a:off x="8529729" y="0"/>
+            <a:ext cx="628698" cy="461665"/>
+          </a:xfrm>
+          <a:prstGeom prst="rect">
+            <a:avLst/>
+          </a:prstGeom>
+          <a:noFill/>
+        </p:spPr>
+        <p:txBody>
+          <a:bodyPr wrap="none" rtlCol="0">
+            <a:spAutoFit/>
+          </a:bodyPr>
+          <a:lstStyle/>
+          <a:p>
+            <a:r>
+              <a:rPr lang="en-GB" sz="2400" b="1" dirty="0">
+                <a:solidFill>
+                  <a:schemeClr val="bg1"/>
+                </a:solidFill>
+              </a:rPr>
+              <a:t>6/7</a:t>
+            </a:r>
+          </a:p>
+        </p:txBody>
+      </p:sp>
+    </p:spTree>
+    <p:extLst>
+      <p:ext uri="{BB962C8B-B14F-4D97-AF65-F5344CB8AC3E}">
+        <p14:creationId xmlns:p14="http://schemas.microsoft.com/office/powerpoint/2010/main" val="303358777"/>
+      </p:ext>
+    </p:extLst>
+  </p:cSld>
+  <p:clrMapOvr>
+    <a:masterClrMapping/>
+  </p:clrMapOvr>
+</p:sld>
+</file>
+
+<file path=ppt/slides/slide4.xml><?xml version="1.0" encoding="utf-8"?>
+<p:sld xmlns:a="http://schemas.openxmlformats.org/drawingml/2006/main" xmlns:r="http://schemas.openxmlformats.org/officeDocument/2006/relationships" xmlns:p="http://schemas.openxmlformats.org/presentationml/2006/main">
+  <p:cSld>
+    <p:spTree>
+      <p:nvGrpSpPr>
+        <p:cNvPr id="1" name=""/>
+        <p:cNvGrpSpPr/>
+        <p:nvPr/>
+      </p:nvGrpSpPr>
+      <p:grpSpPr>
+        <a:xfrm>
+          <a:off x="0" y="0"/>
+          <a:ext cx="0" cy="0"/>
+          <a:chOff x="0" y="0"/>
+          <a:chExt cx="0" cy="0"/>
+        </a:xfrm>
+      </p:grpSpPr>
+      <p:sp>
+        <p:nvSpPr>
+          <p:cNvPr id="3" name="Subtitle 2"/>
+          <p:cNvSpPr>
+            <a:spLocks noGrp="1"/>
+          </p:cNvSpPr>
+          <p:nvPr>
+            <p:ph type="subTitle" idx="1"/>
+          </p:nvPr>
+        </p:nvSpPr>
+        <p:spPr>
+          <a:xfrm>
+            <a:off x="251520" y="908720"/>
+            <a:ext cx="8640960" cy="6480720"/>
+          </a:xfrm>
+        </p:spPr>
+        <p:txBody>
+          <a:bodyPr>
+            <a:noAutofit/>
+          </a:bodyPr>
+          <a:lstStyle/>
+          <a:p>
+            <a:r>
+              <a:rPr lang="en-GB" sz="5400" dirty="0">
+                <a:solidFill>
+                  <a:srgbClr val="00A3E0"/>
+                </a:solidFill>
+                <a:latin typeface="akagi_probook"/>
+              </a:rPr>
+              <a:t>I’m So Blessed</a:t>
+            </a:r>
+          </a:p>
+          <a:p>
+            <a:r>
+              <a:rPr lang="en-GB" sz="1200" dirty="0">
+                <a:solidFill>
+                  <a:schemeClr val="bg1"/>
+                </a:solidFill>
+              </a:rPr>
+              <a:t>CCLI Song # 7167000</a:t>
+            </a:r>
+          </a:p>
+          <a:p>
+            <a:r>
+              <a:rPr lang="en-GB" sz="1200" dirty="0">
+                <a:solidFill>
+                  <a:schemeClr val="bg1"/>
+                </a:solidFill>
+              </a:rPr>
+              <a:t>Jonathan Smith | Logan Cain | Madison Cain | Matthew West | Taylor Cain</a:t>
+            </a:r>
+          </a:p>
+          <a:p>
+            <a:r>
+              <a:rPr lang="en-GB" sz="1200" dirty="0">
+                <a:solidFill>
+                  <a:schemeClr val="bg1"/>
+                </a:solidFill>
+              </a:rPr>
+              <a:t>© All Essential Music; Be Essential Songs; </a:t>
+            </a:r>
+            <a:r>
+              <a:rPr lang="en-GB" sz="1200" dirty="0" err="1">
+                <a:solidFill>
+                  <a:schemeClr val="bg1"/>
+                </a:solidFill>
+              </a:rPr>
+              <a:t>Cashagamble</a:t>
+            </a:r>
+            <a:r>
+              <a:rPr lang="en-GB" sz="1200" dirty="0">
+                <a:solidFill>
+                  <a:schemeClr val="bg1"/>
+                </a:solidFill>
+              </a:rPr>
+              <a:t> Jet Music; Logan Cain Music; Madison Cain Music; Taylor Cain Music; Combustion Five; Third Story House Music</a:t>
+            </a:r>
+          </a:p>
+          <a:p>
+            <a:r>
+              <a:rPr lang="en-GB" sz="1200" dirty="0">
+                <a:solidFill>
+                  <a:schemeClr val="bg1"/>
+                </a:solidFill>
+              </a:rPr>
+              <a:t>For use solely with the </a:t>
+            </a:r>
+            <a:r>
+              <a:rPr lang="en-GB" sz="1200" dirty="0" err="1">
+                <a:solidFill>
+                  <a:schemeClr val="bg1"/>
+                </a:solidFill>
+              </a:rPr>
+              <a:t>SongSelect</a:t>
+            </a:r>
+            <a:r>
+              <a:rPr lang="en-GB" sz="1200" dirty="0">
+                <a:solidFill>
+                  <a:schemeClr val="bg1"/>
+                </a:solidFill>
+              </a:rPr>
+              <a:t>® Terms of Use. All rights reserved. www.ccli.com</a:t>
+            </a:r>
+          </a:p>
+          <a:p>
+            <a:r>
+              <a:rPr lang="en-GB" sz="1200" dirty="0">
+                <a:solidFill>
+                  <a:schemeClr val="bg1"/>
+                </a:solidFill>
+              </a:rPr>
+              <a:t>CCLI Licence No. 33265</a:t>
+            </a:r>
+          </a:p>
+        </p:txBody>
+      </p:sp>
+    </p:spTree>
+    <p:extLst>
+      <p:ext uri="{BB962C8B-B14F-4D97-AF65-F5344CB8AC3E}">
+        <p14:creationId xmlns:p14="http://schemas.microsoft.com/office/powerpoint/2010/main" val="3963925791"/>
+      </p:ext>
+    </p:extLst>
+  </p:cSld>
+  <p:clrMapOvr>
+    <a:masterClrMapping/>
+  </p:clrMapOvr>
+</p:sld>
+</file>
+
+<file path=ppt/slides/slide40.xml><?xml version="1.0" encoding="utf-8"?>
+<p:sld xmlns:a="http://schemas.openxmlformats.org/drawingml/2006/main" xmlns:r="http://schemas.openxmlformats.org/officeDocument/2006/relationships" xmlns:p="http://schemas.openxmlformats.org/presentationml/2006/main">
+  <p:cSld>
+    <p:spTree>
+      <p:nvGrpSpPr>
+        <p:cNvPr id="1" name=""/>
+        <p:cNvGrpSpPr/>
+        <p:nvPr/>
+      </p:nvGrpSpPr>
+      <p:grpSpPr>
+        <a:xfrm>
+          <a:off x="0" y="0"/>
+          <a:ext cx="0" cy="0"/>
+          <a:chOff x="0" y="0"/>
+          <a:chExt cx="0" cy="0"/>
+        </a:xfrm>
+      </p:grpSpPr>
+      <p:sp>
+        <p:nvSpPr>
+          <p:cNvPr id="3" name="Subtitle 2"/>
+          <p:cNvSpPr>
+            <a:spLocks noGrp="1"/>
+          </p:cNvSpPr>
+          <p:nvPr>
+            <p:ph type="subTitle" idx="1"/>
+          </p:nvPr>
+        </p:nvSpPr>
+        <p:spPr>
+          <a:xfrm>
+            <a:off x="251520" y="764704"/>
+            <a:ext cx="8640960" cy="6480720"/>
+          </a:xfrm>
+        </p:spPr>
+        <p:txBody>
+          <a:bodyPr>
+            <a:noAutofit/>
+          </a:bodyPr>
+          <a:lstStyle/>
+          <a:p>
+            <a:r>
+              <a:rPr lang="en-GB" sz="4000" dirty="0">
+                <a:solidFill>
+                  <a:schemeClr val="bg1"/>
+                </a:solidFill>
+              </a:rPr>
+              <a:t>Waiting here for You with our hands</a:t>
+            </a:r>
+          </a:p>
+          <a:p>
+            <a:r>
+              <a:rPr lang="en-GB" sz="4000" dirty="0">
+                <a:solidFill>
+                  <a:schemeClr val="bg1"/>
+                </a:solidFill>
+              </a:rPr>
+              <a:t>Lifted high in praise</a:t>
+            </a:r>
+          </a:p>
+          <a:p>
+            <a:r>
+              <a:rPr lang="en-GB" sz="4000" dirty="0">
+                <a:solidFill>
+                  <a:schemeClr val="bg1"/>
+                </a:solidFill>
+              </a:rPr>
+              <a:t>And it's You we adore singing alleluia</a:t>
+            </a:r>
+          </a:p>
+          <a:p>
+            <a:r>
+              <a:rPr lang="en-GB" sz="4000" dirty="0">
+                <a:solidFill>
+                  <a:schemeClr val="bg1"/>
+                </a:solidFill>
+              </a:rPr>
+              <a:t>(We’re) singing alleluia</a:t>
+            </a:r>
+          </a:p>
+        </p:txBody>
+      </p:sp>
+      <p:sp>
+        <p:nvSpPr>
+          <p:cNvPr id="4" name="TextBox 3"/>
+          <p:cNvSpPr txBox="1"/>
+          <p:nvPr/>
+        </p:nvSpPr>
+        <p:spPr>
+          <a:xfrm>
+            <a:off x="8529729" y="0"/>
+            <a:ext cx="628698" cy="461665"/>
+          </a:xfrm>
+          <a:prstGeom prst="rect">
+            <a:avLst/>
+          </a:prstGeom>
+          <a:noFill/>
+        </p:spPr>
+        <p:txBody>
+          <a:bodyPr wrap="none" rtlCol="0">
+            <a:spAutoFit/>
+          </a:bodyPr>
+          <a:lstStyle/>
+          <a:p>
+            <a:r>
+              <a:rPr lang="en-GB" sz="2400" b="1" dirty="0">
+                <a:solidFill>
+                  <a:schemeClr val="bg1"/>
+                </a:solidFill>
+              </a:rPr>
+              <a:t>7/7</a:t>
+            </a:r>
+          </a:p>
+        </p:txBody>
+      </p:sp>
+    </p:spTree>
+    <p:extLst>
+      <p:ext uri="{BB962C8B-B14F-4D97-AF65-F5344CB8AC3E}">
+        <p14:creationId xmlns:p14="http://schemas.microsoft.com/office/powerpoint/2010/main" val="3409087120"/>
+      </p:ext>
+    </p:extLst>
+  </p:cSld>
+  <p:clrMapOvr>
+    <a:masterClrMapping/>
+  </p:clrMapOvr>
+</p:sld>
+</file>
+
+<file path=ppt/slides/slide41.xml><?xml version="1.0" encoding="utf-8"?>
+<p:sld xmlns:a="http://schemas.openxmlformats.org/drawingml/2006/main" xmlns:r="http://schemas.openxmlformats.org/officeDocument/2006/relationships" xmlns:p="http://schemas.openxmlformats.org/presentationml/2006/main">
+  <p:cSld>
+    <p:spTree>
+      <p:nvGrpSpPr>
+        <p:cNvPr id="1" name=""/>
+        <p:cNvGrpSpPr/>
+        <p:nvPr/>
+      </p:nvGrpSpPr>
+      <p:grpSpPr>
+        <a:xfrm>
+          <a:off x="0" y="0"/>
+          <a:ext cx="0" cy="0"/>
+          <a:chOff x="0" y="0"/>
+          <a:chExt cx="0" cy="0"/>
+        </a:xfrm>
+      </p:grpSpPr>
+      <p:sp>
+        <p:nvSpPr>
+          <p:cNvPr id="3" name="Subtitle 2"/>
+          <p:cNvSpPr>
+            <a:spLocks noGrp="1"/>
+          </p:cNvSpPr>
+          <p:nvPr>
+            <p:ph type="subTitle" idx="1"/>
+          </p:nvPr>
+        </p:nvSpPr>
+        <p:spPr>
+          <a:xfrm>
+            <a:off x="323528" y="188640"/>
+            <a:ext cx="8640960" cy="6480720"/>
+          </a:xfrm>
+        </p:spPr>
+        <p:txBody>
+          <a:bodyPr>
+            <a:noAutofit/>
+          </a:bodyPr>
+          <a:lstStyle/>
+          <a:p>
+            <a:endParaRPr lang="en-GB" sz="5400" dirty="0">
+              <a:solidFill>
+                <a:schemeClr val="bg1"/>
+              </a:solidFill>
+            </a:endParaRPr>
+          </a:p>
+          <a:p>
+            <a:r>
+              <a:rPr lang="en-GB" sz="6600" dirty="0">
+                <a:solidFill>
+                  <a:srgbClr val="00A3E0"/>
+                </a:solidFill>
+                <a:latin typeface="akagi_probook"/>
+              </a:rPr>
+              <a:t>Draw Me Close</a:t>
+            </a:r>
+          </a:p>
+          <a:p>
+            <a:br>
+              <a:rPr lang="en-GB" sz="1200" dirty="0">
+                <a:solidFill>
+                  <a:schemeClr val="bg1"/>
+                </a:solidFill>
+              </a:rPr>
+            </a:br>
+            <a:r>
+              <a:rPr lang="en-GB" sz="1200" dirty="0">
+                <a:solidFill>
+                  <a:schemeClr val="bg1"/>
+                </a:solidFill>
+              </a:rPr>
+              <a:t>CCLI Song # 1459484</a:t>
+            </a:r>
+          </a:p>
+          <a:p>
+            <a:r>
+              <a:rPr lang="en-GB" sz="1200" dirty="0">
+                <a:solidFill>
+                  <a:schemeClr val="bg1"/>
+                </a:solidFill>
+              </a:rPr>
+              <a:t>Kelly Carpenter</a:t>
+            </a:r>
+          </a:p>
+          <a:p>
+            <a:r>
+              <a:rPr lang="en-GB" sz="1200" dirty="0">
+                <a:solidFill>
+                  <a:schemeClr val="bg1"/>
+                </a:solidFill>
+              </a:rPr>
+              <a:t>© 1994 Mercy / Vineyard Publishing</a:t>
+            </a:r>
+          </a:p>
+          <a:p>
+            <a:r>
+              <a:rPr lang="en-GB" sz="1200" dirty="0">
+                <a:solidFill>
+                  <a:schemeClr val="bg1"/>
+                </a:solidFill>
+              </a:rPr>
+              <a:t>For use solely with the </a:t>
+            </a:r>
+            <a:r>
+              <a:rPr lang="en-GB" sz="1200" dirty="0" err="1">
+                <a:solidFill>
+                  <a:schemeClr val="bg1"/>
+                </a:solidFill>
+              </a:rPr>
+              <a:t>SongSelect</a:t>
+            </a:r>
+            <a:r>
+              <a:rPr lang="en-GB" sz="1200" dirty="0">
+                <a:solidFill>
+                  <a:schemeClr val="bg1"/>
+                </a:solidFill>
+              </a:rPr>
+              <a:t>® Terms of Use. All rights reserved. www.ccli.com</a:t>
+            </a:r>
+          </a:p>
+          <a:p>
+            <a:r>
+              <a:rPr lang="en-GB" sz="1200" dirty="0">
+                <a:solidFill>
+                  <a:schemeClr val="bg1"/>
+                </a:solidFill>
+              </a:rPr>
+              <a:t>CCLI Licence No. 33265</a:t>
+            </a:r>
+          </a:p>
+        </p:txBody>
+      </p:sp>
+    </p:spTree>
+    <p:extLst>
+      <p:ext uri="{BB962C8B-B14F-4D97-AF65-F5344CB8AC3E}">
+        <p14:creationId xmlns:p14="http://schemas.microsoft.com/office/powerpoint/2010/main" val="3107317129"/>
+      </p:ext>
+    </p:extLst>
+  </p:cSld>
+  <p:clrMapOvr>
+    <a:masterClrMapping/>
+  </p:clrMapOvr>
+</p:sld>
+</file>
+
+<file path=ppt/slides/slide42.xml><?xml version="1.0" encoding="utf-8"?>
+<p:sld xmlns:a="http://schemas.openxmlformats.org/drawingml/2006/main" xmlns:r="http://schemas.openxmlformats.org/officeDocument/2006/relationships" xmlns:p="http://schemas.openxmlformats.org/presentationml/2006/main">
+  <p:cSld>
+    <p:spTree>
+      <p:nvGrpSpPr>
+        <p:cNvPr id="1" name=""/>
+        <p:cNvGrpSpPr/>
+        <p:nvPr/>
+      </p:nvGrpSpPr>
+      <p:grpSpPr>
+        <a:xfrm>
+          <a:off x="0" y="0"/>
+          <a:ext cx="0" cy="0"/>
+          <a:chOff x="0" y="0"/>
+          <a:chExt cx="0" cy="0"/>
+        </a:xfrm>
+      </p:grpSpPr>
+      <p:sp>
+        <p:nvSpPr>
+          <p:cNvPr id="3" name="Subtitle 2"/>
+          <p:cNvSpPr>
+            <a:spLocks noGrp="1"/>
+          </p:cNvSpPr>
+          <p:nvPr>
+            <p:ph type="subTitle" idx="1"/>
+          </p:nvPr>
+        </p:nvSpPr>
+        <p:spPr>
+          <a:xfrm>
+            <a:off x="208818" y="692696"/>
+            <a:ext cx="8640960" cy="6480720"/>
+          </a:xfrm>
+        </p:spPr>
+        <p:txBody>
+          <a:bodyPr>
+            <a:noAutofit/>
+          </a:bodyPr>
+          <a:lstStyle/>
+          <a:p>
+            <a:r>
+              <a:rPr lang="en-GB" sz="3600" dirty="0">
+                <a:solidFill>
+                  <a:schemeClr val="bg1"/>
+                </a:solidFill>
+              </a:rPr>
+              <a:t>Draw me close to You never let me go</a:t>
+            </a:r>
+          </a:p>
+          <a:p>
+            <a:r>
+              <a:rPr lang="en-GB" sz="3600" dirty="0">
+                <a:solidFill>
+                  <a:schemeClr val="bg1"/>
+                </a:solidFill>
+              </a:rPr>
+              <a:t>I lay it all down again</a:t>
+            </a:r>
+          </a:p>
+          <a:p>
+            <a:r>
+              <a:rPr lang="en-GB" sz="3600" dirty="0">
+                <a:solidFill>
+                  <a:schemeClr val="bg1"/>
+                </a:solidFill>
+              </a:rPr>
+              <a:t>To hear You say that I'm Your friend</a:t>
+            </a:r>
+          </a:p>
+          <a:p>
+            <a:r>
+              <a:rPr lang="en-GB" sz="3600" dirty="0">
+                <a:solidFill>
+                  <a:schemeClr val="bg1"/>
+                </a:solidFill>
+              </a:rPr>
+              <a:t>You are my desire no one else will do</a:t>
+            </a:r>
+          </a:p>
+          <a:p>
+            <a:r>
+              <a:rPr lang="en-GB" sz="3600" dirty="0" err="1">
+                <a:solidFill>
+                  <a:schemeClr val="bg1"/>
+                </a:solidFill>
+              </a:rPr>
+              <a:t>'Cause</a:t>
+            </a:r>
+            <a:r>
+              <a:rPr lang="en-GB" sz="3600" dirty="0">
+                <a:solidFill>
+                  <a:schemeClr val="bg1"/>
+                </a:solidFill>
+              </a:rPr>
+              <a:t> nothing else could take Your place</a:t>
+            </a:r>
+          </a:p>
+          <a:p>
+            <a:r>
+              <a:rPr lang="en-GB" sz="3600" dirty="0">
+                <a:solidFill>
+                  <a:schemeClr val="bg1"/>
+                </a:solidFill>
+              </a:rPr>
+              <a:t>To feel the warmth of Your embrace</a:t>
+            </a:r>
+          </a:p>
+          <a:p>
+            <a:r>
+              <a:rPr lang="en-GB" sz="3600" dirty="0">
+                <a:solidFill>
+                  <a:schemeClr val="bg1"/>
+                </a:solidFill>
+              </a:rPr>
+              <a:t>Help me find the way bring me back to You</a:t>
+            </a:r>
+          </a:p>
+        </p:txBody>
+      </p:sp>
+      <p:sp>
+        <p:nvSpPr>
+          <p:cNvPr id="4" name="TextBox 3"/>
+          <p:cNvSpPr txBox="1"/>
+          <p:nvPr/>
+        </p:nvSpPr>
+        <p:spPr>
+          <a:xfrm>
+            <a:off x="8529729" y="0"/>
+            <a:ext cx="628698" cy="461665"/>
+          </a:xfrm>
+          <a:prstGeom prst="rect">
+            <a:avLst/>
+          </a:prstGeom>
+          <a:noFill/>
+        </p:spPr>
+        <p:txBody>
+          <a:bodyPr wrap="none" rtlCol="0">
+            <a:spAutoFit/>
+          </a:bodyPr>
+          <a:lstStyle/>
+          <a:p>
+            <a:r>
+              <a:rPr lang="en-GB" sz="2400" b="1" dirty="0">
+                <a:solidFill>
+                  <a:schemeClr val="bg1"/>
+                </a:solidFill>
+              </a:rPr>
+              <a:t>1/2</a:t>
+            </a:r>
+          </a:p>
+        </p:txBody>
+      </p:sp>
+    </p:spTree>
+    <p:extLst>
+      <p:ext uri="{BB962C8B-B14F-4D97-AF65-F5344CB8AC3E}">
+        <p14:creationId xmlns:p14="http://schemas.microsoft.com/office/powerpoint/2010/main" val="2203528704"/>
+      </p:ext>
+    </p:extLst>
+  </p:cSld>
+  <p:clrMapOvr>
+    <a:masterClrMapping/>
+  </p:clrMapOvr>
+</p:sld>
+</file>
+
+<file path=ppt/slides/slide43.xml><?xml version="1.0" encoding="utf-8"?>
+<p:sld xmlns:a="http://schemas.openxmlformats.org/drawingml/2006/main" xmlns:r="http://schemas.openxmlformats.org/officeDocument/2006/relationships" xmlns:p="http://schemas.openxmlformats.org/presentationml/2006/main">
+  <p:cSld>
+    <p:spTree>
+      <p:nvGrpSpPr>
+        <p:cNvPr id="1" name=""/>
+        <p:cNvGrpSpPr/>
+        <p:nvPr/>
+      </p:nvGrpSpPr>
+      <p:grpSpPr>
+        <a:xfrm>
+          <a:off x="0" y="0"/>
+          <a:ext cx="0" cy="0"/>
+          <a:chOff x="0" y="0"/>
+          <a:chExt cx="0" cy="0"/>
+        </a:xfrm>
+      </p:grpSpPr>
+      <p:sp>
+        <p:nvSpPr>
+          <p:cNvPr id="3" name="Subtitle 2"/>
+          <p:cNvSpPr>
+            <a:spLocks noGrp="1"/>
+          </p:cNvSpPr>
+          <p:nvPr>
+            <p:ph type="subTitle" idx="1"/>
+          </p:nvPr>
+        </p:nvSpPr>
+        <p:spPr>
+          <a:xfrm>
             <a:off x="208818" y="692696"/>
             <a:ext cx="8640960" cy="6480720"/>
           </a:xfrm>
@@ -9162,7 +10640,7 @@
 </p:sld>
 </file>
 
-<file path=ppt/slides/slide35.xml><?xml version="1.0" encoding="utf-8"?>
+<file path=ppt/slides/slide44.xml><?xml version="1.0" encoding="utf-8"?>
 <p:sld xmlns:a="http://schemas.openxmlformats.org/drawingml/2006/main" xmlns:r="http://schemas.openxmlformats.org/officeDocument/2006/relationships" xmlns:p="http://schemas.openxmlformats.org/presentationml/2006/main">
   <p:cSld>
     <p:spTree>
@@ -9675,7 +11153,7 @@
 </p:sld>
 </file>
 
-<file path=ppt/slides/slide36.xml><?xml version="1.0" encoding="utf-8"?>
+<file path=ppt/slides/slide45.xml><?xml version="1.0" encoding="utf-8"?>
 <p:sld xmlns:a="http://schemas.openxmlformats.org/drawingml/2006/main" xmlns:r="http://schemas.openxmlformats.org/officeDocument/2006/relationships" xmlns:p="http://schemas.openxmlformats.org/presentationml/2006/main">
   <p:cSld>
     <p:spTree>
@@ -9787,7 +11265,7 @@
 </p:sld>
 </file>
 
-<file path=ppt/slides/slide37.xml><?xml version="1.0" encoding="utf-8"?>
+<file path=ppt/slides/slide46.xml><?xml version="1.0" encoding="utf-8"?>
 <p:sld xmlns:a="http://schemas.openxmlformats.org/drawingml/2006/main" xmlns:r="http://schemas.openxmlformats.org/officeDocument/2006/relationships" xmlns:p="http://schemas.openxmlformats.org/presentationml/2006/main">
   <p:cSld>
     <p:spTree>
@@ -9847,7 +11325,7 @@
 </p:sld>
 </file>
 
-<file path=ppt/slides/slide38.xml><?xml version="1.0" encoding="utf-8"?>
+<file path=ppt/slides/slide47.xml><?xml version="1.0" encoding="utf-8"?>
 <p:sld xmlns:a="http://schemas.openxmlformats.org/drawingml/2006/main" xmlns:r="http://schemas.openxmlformats.org/officeDocument/2006/relationships" xmlns:p="http://schemas.openxmlformats.org/presentationml/2006/main">
   <p:cSld>
     <p:spTree>
@@ -9913,7 +11391,7 @@
 </p:sld>
 </file>
 
-<file path=ppt/slides/slide39.xml><?xml version="1.0" encoding="utf-8"?>
+<file path=ppt/slides/slide48.xml><?xml version="1.0" encoding="utf-8"?>
 <p:sld xmlns:a="http://schemas.openxmlformats.org/drawingml/2006/main" xmlns:r="http://schemas.openxmlformats.org/officeDocument/2006/relationships" xmlns:p="http://schemas.openxmlformats.org/presentationml/2006/main">
   <p:cSld>
     <p:spTree>
@@ -9981,153 +11459,7 @@
 </p:sld>
 </file>
 
-<file path=ppt/slides/slide4.xml><?xml version="1.0" encoding="utf-8"?>
-<p:sld xmlns:a="http://schemas.openxmlformats.org/drawingml/2006/main" xmlns:r="http://schemas.openxmlformats.org/officeDocument/2006/relationships" xmlns:p="http://schemas.openxmlformats.org/presentationml/2006/main">
-  <p:cSld>
-    <p:spTree>
-      <p:nvGrpSpPr>
-        <p:cNvPr id="1" name=""/>
-        <p:cNvGrpSpPr/>
-        <p:nvPr/>
-      </p:nvGrpSpPr>
-      <p:grpSpPr>
-        <a:xfrm>
-          <a:off x="0" y="0"/>
-          <a:ext cx="0" cy="0"/>
-          <a:chOff x="0" y="0"/>
-          <a:chExt cx="0" cy="0"/>
-        </a:xfrm>
-      </p:grpSpPr>
-      <p:sp>
-        <p:nvSpPr>
-          <p:cNvPr id="3" name="Subtitle 2"/>
-          <p:cNvSpPr>
-            <a:spLocks noGrp="1"/>
-          </p:cNvSpPr>
-          <p:nvPr>
-            <p:ph type="subTitle" idx="1"/>
-          </p:nvPr>
-        </p:nvSpPr>
-        <p:spPr>
-          <a:xfrm>
-            <a:off x="251520" y="908720"/>
-            <a:ext cx="8640960" cy="6480720"/>
-          </a:xfrm>
-        </p:spPr>
-        <p:txBody>
-          <a:bodyPr>
-            <a:noAutofit/>
-          </a:bodyPr>
-          <a:lstStyle/>
-          <a:p>
-            <a:r>
-              <a:rPr lang="en-GB" sz="5400" dirty="0">
-                <a:solidFill>
-                  <a:srgbClr val="00A3E0"/>
-                </a:solidFill>
-                <a:latin typeface="akagi_probook"/>
-              </a:rPr>
-              <a:t>I’m So Blessed</a:t>
-            </a:r>
-          </a:p>
-          <a:p>
-            <a:r>
-              <a:rPr lang="en-GB" sz="1200" dirty="0">
-                <a:solidFill>
-                  <a:schemeClr val="bg1"/>
-                </a:solidFill>
-              </a:rPr>
-              <a:t>CCLI Song # 7167000</a:t>
-            </a:r>
-          </a:p>
-          <a:p>
-            <a:r>
-              <a:rPr lang="en-GB" sz="1200" dirty="0">
-                <a:solidFill>
-                  <a:schemeClr val="bg1"/>
-                </a:solidFill>
-              </a:rPr>
-              <a:t>Jonathan Smith | Logan Cain | Madison Cain | Matthew West | Taylor Cain</a:t>
-            </a:r>
-          </a:p>
-          <a:p>
-            <a:r>
-              <a:rPr lang="en-GB" sz="1200" dirty="0">
-                <a:solidFill>
-                  <a:schemeClr val="bg1"/>
-                </a:solidFill>
-              </a:rPr>
-              <a:t>© All Essential Music; Be Essential Songs; </a:t>
-            </a:r>
-            <a:r>
-              <a:rPr lang="en-GB" sz="1200" dirty="0" err="1">
-                <a:solidFill>
-                  <a:schemeClr val="bg1"/>
-                </a:solidFill>
-              </a:rPr>
-              <a:t>Cashagamble</a:t>
-            </a:r>
-            <a:r>
-              <a:rPr lang="en-GB" sz="1200" dirty="0">
-                <a:solidFill>
-                  <a:schemeClr val="bg1"/>
-                </a:solidFill>
-              </a:rPr>
-              <a:t> Jet Music; Logan Cain Music; Madison Cain Music; Taylor Cain Music; Combustion Five; Third Story House Music</a:t>
-            </a:r>
-          </a:p>
-          <a:p>
-            <a:r>
-              <a:rPr lang="en-GB" sz="1200" dirty="0">
-                <a:solidFill>
-                  <a:schemeClr val="bg1"/>
-                </a:solidFill>
-              </a:rPr>
-              <a:t>For use solely with the </a:t>
-            </a:r>
-            <a:r>
-              <a:rPr lang="en-GB" sz="1200" dirty="0" err="1">
-                <a:solidFill>
-                  <a:schemeClr val="bg1"/>
-                </a:solidFill>
-              </a:rPr>
-              <a:t>SongSelect</a:t>
-            </a:r>
-            <a:r>
-              <a:rPr lang="en-GB" sz="1200" dirty="0">
-                <a:solidFill>
-                  <a:schemeClr val="bg1"/>
-                </a:solidFill>
-              </a:rPr>
-              <a:t>® Terms of Use. All rights reserved. www.ccli.com</a:t>
-            </a:r>
-          </a:p>
-          <a:p>
-            <a:r>
-              <a:rPr lang="en-GB" sz="1200" dirty="0">
-                <a:solidFill>
-                  <a:schemeClr val="bg1"/>
-                </a:solidFill>
-              </a:rPr>
-              <a:t>CCLI Licence No. 33265</a:t>
-            </a:r>
-          </a:p>
-        </p:txBody>
-      </p:sp>
-    </p:spTree>
-    <p:extLst>
-      <p:ext uri="{BB962C8B-B14F-4D97-AF65-F5344CB8AC3E}">
-        <p14:creationId xmlns:p14="http://schemas.microsoft.com/office/powerpoint/2010/main" val="3963925791"/>
-      </p:ext>
-    </p:extLst>
-  </p:cSld>
-  <p:clrMapOvr>
-    <a:masterClrMapping/>
-  </p:clrMapOvr>
-</p:sld>
-</file>
-
-<file path=ppt/slides/slide40.xml><?xml version="1.0" encoding="utf-8"?>
+<file path=ppt/slides/slide49.xml><?xml version="1.0" encoding="utf-8"?>
 <p:sld xmlns:a="http://schemas.openxmlformats.org/drawingml/2006/main" xmlns:r="http://schemas.openxmlformats.org/officeDocument/2006/relationships" xmlns:p="http://schemas.openxmlformats.org/presentationml/2006/main">
   <p:cSld>
     <p:spTree>
@@ -10640,7 +11972,7 @@
                   <a:schemeClr val="bg1"/>
                 </a:solidFill>
               </a:rPr>
-              <a:t>I’m so blessed hallelujah I’m blessed</a:t>
+              <a:t>Trouble knocking at my door today</a:t>
             </a:r>
           </a:p>
           <a:p>
@@ -10650,7 +11982,107 @@
                   <a:schemeClr val="bg1"/>
                 </a:solidFill>
               </a:rPr>
-              <a:t>I’m so blessed hallelujah I’m blessed</a:t>
+              <a:t>I </a:t>
+            </a:r>
+            <a:r>
+              <a:rPr lang="en-GB" sz="4400" dirty="0" err="1">
+                <a:solidFill>
+                  <a:schemeClr val="bg1"/>
+                </a:solidFill>
+              </a:rPr>
+              <a:t>ain’t</a:t>
+            </a:r>
+            <a:r>
+              <a:rPr lang="en-GB" sz="4400" dirty="0">
+                <a:solidFill>
+                  <a:schemeClr val="bg1"/>
+                </a:solidFill>
+              </a:rPr>
+              <a:t> </a:t>
+            </a:r>
+            <a:r>
+              <a:rPr lang="en-GB" sz="4400" dirty="0" err="1">
+                <a:solidFill>
+                  <a:schemeClr val="bg1"/>
+                </a:solidFill>
+              </a:rPr>
+              <a:t>gonna</a:t>
+            </a:r>
+            <a:r>
+              <a:rPr lang="en-GB" sz="4400" dirty="0">
+                <a:solidFill>
+                  <a:schemeClr val="bg1"/>
+                </a:solidFill>
+              </a:rPr>
+              <a:t> let it in</a:t>
+            </a:r>
+          </a:p>
+          <a:p>
+            <a:r>
+              <a:rPr lang="en-GB" sz="4400" dirty="0">
+                <a:solidFill>
+                  <a:schemeClr val="bg1"/>
+                </a:solidFill>
+              </a:rPr>
+              <a:t>Worry </a:t>
+            </a:r>
+            <a:r>
+              <a:rPr lang="en-GB" sz="4400" dirty="0" err="1">
+                <a:solidFill>
+                  <a:schemeClr val="bg1"/>
+                </a:solidFill>
+              </a:rPr>
+              <a:t>wanna</a:t>
+            </a:r>
+            <a:r>
+              <a:rPr lang="en-GB" sz="4400" dirty="0">
+                <a:solidFill>
+                  <a:schemeClr val="bg1"/>
+                </a:solidFill>
+              </a:rPr>
+              <a:t> steal my joy away</a:t>
+            </a:r>
+          </a:p>
+          <a:p>
+            <a:r>
+              <a:rPr lang="en-GB" sz="4400" dirty="0">
+                <a:solidFill>
+                  <a:schemeClr val="bg1"/>
+                </a:solidFill>
+              </a:rPr>
+              <a:t>I </a:t>
+            </a:r>
+            <a:r>
+              <a:rPr lang="en-GB" sz="4400" dirty="0" err="1">
+                <a:solidFill>
+                  <a:schemeClr val="bg1"/>
+                </a:solidFill>
+              </a:rPr>
+              <a:t>ain’t</a:t>
+            </a:r>
+            <a:r>
+              <a:rPr lang="en-GB" sz="4400" dirty="0">
+                <a:solidFill>
+                  <a:schemeClr val="bg1"/>
+                </a:solidFill>
+              </a:rPr>
+              <a:t> </a:t>
+            </a:r>
+            <a:r>
+              <a:rPr lang="en-GB" sz="4400" dirty="0" err="1">
+                <a:solidFill>
+                  <a:schemeClr val="bg1"/>
+                </a:solidFill>
+              </a:rPr>
+              <a:t>gonna</a:t>
+            </a:r>
+            <a:r>
+              <a:rPr lang="en-GB" sz="4400" dirty="0">
+                <a:solidFill>
+                  <a:schemeClr val="bg1"/>
+                </a:solidFill>
+              </a:rPr>
+              <a:t> let it win</a:t>
             </a:r>
           </a:p>
         </p:txBody>
@@ -10663,8 +12095,8 @@
         </p:nvSpPr>
         <p:spPr>
           <a:xfrm>
-            <a:off x="8529729" y="0"/>
-            <a:ext cx="628698" cy="461665"/>
+            <a:off x="8083577" y="49427"/>
+            <a:ext cx="784189" cy="461665"/>
           </a:xfrm>
           <a:prstGeom prst="rect">
             <a:avLst/>
@@ -10683,7 +12115,7 @@
                   <a:schemeClr val="bg1"/>
                 </a:solidFill>
               </a:rPr>
-              <a:t>1/6</a:t>
+              <a:t>1/10</a:t>
             </a:r>
           </a:p>
         </p:txBody>
@@ -10691,7 +12123,7 @@
     </p:spTree>
     <p:extLst>
       <p:ext uri="{BB962C8B-B14F-4D97-AF65-F5344CB8AC3E}">
-        <p14:creationId xmlns:p14="http://schemas.microsoft.com/office/powerpoint/2010/main" val="1912717168"/>
+        <p14:creationId xmlns:p14="http://schemas.microsoft.com/office/powerpoint/2010/main" val="3610667131"/>
       </p:ext>
     </p:extLst>
   </p:cSld>
@@ -10746,7 +12178,7 @@
                   <a:schemeClr val="bg1"/>
                 </a:solidFill>
               </a:rPr>
-              <a:t>Trouble knocking at my door today</a:t>
+              <a:t>Cos on my best day I’m a child of God</a:t>
             </a:r>
           </a:p>
           <a:p>
@@ -10756,107 +12188,27 @@
                   <a:schemeClr val="bg1"/>
                 </a:solidFill>
               </a:rPr>
-              <a:t>I </a:t>
-            </a:r>
-            <a:r>
-              <a:rPr lang="en-GB" sz="4400" dirty="0" err="1">
-                <a:solidFill>
-                  <a:schemeClr val="bg1"/>
-                </a:solidFill>
-              </a:rPr>
-              <a:t>ain’t</a:t>
-            </a:r>
+              <a:t>On my worst day I’m a child of God</a:t>
+            </a:r>
+          </a:p>
+          <a:p>
             <a:r>
               <a:rPr lang="en-GB" sz="4400" dirty="0">
                 <a:solidFill>
                   <a:schemeClr val="bg1"/>
                 </a:solidFill>
               </a:rPr>
-              <a:t> </a:t>
-            </a:r>
-            <a:r>
-              <a:rPr lang="en-GB" sz="4400" dirty="0" err="1">
-                <a:solidFill>
-                  <a:schemeClr val="bg1"/>
-                </a:solidFill>
-              </a:rPr>
-              <a:t>gonna</a:t>
-            </a:r>
+              <a:t>Oh everyday is a good day</a:t>
+            </a:r>
+          </a:p>
+          <a:p>
             <a:r>
               <a:rPr lang="en-GB" sz="4400" dirty="0">
                 <a:solidFill>
                   <a:schemeClr val="bg1"/>
                 </a:solidFill>
               </a:rPr>
-              <a:t> let it in</a:t>
-            </a:r>
-          </a:p>
-          <a:p>
-            <a:r>
-              <a:rPr lang="en-GB" sz="4400" dirty="0">
-                <a:solidFill>
-                  <a:schemeClr val="bg1"/>
-                </a:solidFill>
-              </a:rPr>
-              <a:t>Worry </a:t>
-            </a:r>
-            <a:r>
-              <a:rPr lang="en-GB" sz="4400" dirty="0" err="1">
-                <a:solidFill>
-                  <a:schemeClr val="bg1"/>
-                </a:solidFill>
-              </a:rPr>
-              <a:t>wanna</a:t>
-            </a:r>
-            <a:r>
-              <a:rPr lang="en-GB" sz="4400" dirty="0">
-                <a:solidFill>
-                  <a:schemeClr val="bg1"/>
-                </a:solidFill>
-              </a:rPr>
-              <a:t> steal my joy away</a:t>
-            </a:r>
-          </a:p>
-          <a:p>
-            <a:r>
-              <a:rPr lang="en-GB" sz="4400" dirty="0">
-                <a:solidFill>
-                  <a:schemeClr val="bg1"/>
-                </a:solidFill>
-              </a:rPr>
-              <a:t>I </a:t>
-            </a:r>
-            <a:r>
-              <a:rPr lang="en-GB" sz="4400" dirty="0" err="1">
-                <a:solidFill>
-                  <a:schemeClr val="bg1"/>
-                </a:solidFill>
-              </a:rPr>
-              <a:t>ain’t</a:t>
-            </a:r>
-            <a:r>
-              <a:rPr lang="en-GB" sz="4400" dirty="0">
-                <a:solidFill>
-                  <a:schemeClr val="bg1"/>
-                </a:solidFill>
-              </a:rPr>
-              <a:t> </a:t>
-            </a:r>
-            <a:r>
-              <a:rPr lang="en-GB" sz="4400" dirty="0" err="1">
-                <a:solidFill>
-                  <a:schemeClr val="bg1"/>
-                </a:solidFill>
-              </a:rPr>
-              <a:t>gonna</a:t>
-            </a:r>
-            <a:r>
-              <a:rPr lang="en-GB" sz="4400" dirty="0">
-                <a:solidFill>
-                  <a:schemeClr val="bg1"/>
-                </a:solidFill>
-              </a:rPr>
-              <a:t> let it win</a:t>
+              <a:t>You’re the reason why</a:t>
             </a:r>
           </a:p>
         </p:txBody>
@@ -10869,8 +12221,8 @@
         </p:nvSpPr>
         <p:spPr>
           <a:xfrm>
-            <a:off x="8529729" y="0"/>
-            <a:ext cx="628698" cy="461665"/>
+            <a:off x="8100392" y="7115"/>
+            <a:ext cx="784189" cy="461665"/>
           </a:xfrm>
           <a:prstGeom prst="rect">
             <a:avLst/>
@@ -10889,7 +12241,7 @@
                   <a:schemeClr val="bg1"/>
                 </a:solidFill>
               </a:rPr>
-              <a:t>2/6</a:t>
+              <a:t>2/10</a:t>
             </a:r>
           </a:p>
         </p:txBody>
@@ -10897,7 +12249,7 @@
     </p:spTree>
     <p:extLst>
       <p:ext uri="{BB962C8B-B14F-4D97-AF65-F5344CB8AC3E}">
-        <p14:creationId xmlns:p14="http://schemas.microsoft.com/office/powerpoint/2010/main" val="3610667131"/>
+        <p14:creationId xmlns:p14="http://schemas.microsoft.com/office/powerpoint/2010/main" val="3851088211"/>
       </p:ext>
     </p:extLst>
   </p:cSld>
@@ -10952,7 +12304,7 @@
                   <a:schemeClr val="bg1"/>
                 </a:solidFill>
               </a:rPr>
-              <a:t>On my best day I’m a child of God</a:t>
+              <a:t>I’m so blessed, I’m so blessed</a:t>
             </a:r>
           </a:p>
           <a:p>
@@ -10962,7 +12314,7 @@
                   <a:schemeClr val="bg1"/>
                 </a:solidFill>
               </a:rPr>
-              <a:t>On my worst day I’m a child of God</a:t>
+              <a:t>Got this heartbeat in my chest</a:t>
             </a:r>
           </a:p>
           <a:p>
@@ -10972,7 +12324,7 @@
                   <a:schemeClr val="bg1"/>
                 </a:solidFill>
               </a:rPr>
-              <a:t>Oh everyday is a good day</a:t>
+              <a:t>No it doesn’t matter about the rest</a:t>
             </a:r>
           </a:p>
           <a:p>
@@ -10982,7 +12334,7 @@
                   <a:schemeClr val="bg1"/>
                 </a:solidFill>
               </a:rPr>
-              <a:t>You’re the reason why</a:t>
+              <a:t>If I got You Lord I’m so blessed</a:t>
             </a:r>
           </a:p>
         </p:txBody>
@@ -10995,8 +12347,8 @@
         </p:nvSpPr>
         <p:spPr>
           <a:xfrm>
-            <a:off x="8529729" y="0"/>
-            <a:ext cx="628698" cy="461665"/>
+            <a:off x="8028384" y="116632"/>
+            <a:ext cx="782587" cy="461665"/>
           </a:xfrm>
           <a:prstGeom prst="rect">
             <a:avLst/>
@@ -11015,7 +12367,7 @@
                   <a:schemeClr val="bg1"/>
                 </a:solidFill>
               </a:rPr>
-              <a:t>3/6</a:t>
+              <a:t>3/10</a:t>
             </a:r>
           </a:p>
         </p:txBody>
@@ -11023,7 +12375,7 @@
     </p:spTree>
     <p:extLst>
       <p:ext uri="{BB962C8B-B14F-4D97-AF65-F5344CB8AC3E}">
-        <p14:creationId xmlns:p14="http://schemas.microsoft.com/office/powerpoint/2010/main" val="3851088211"/>
+        <p14:creationId xmlns:p14="http://schemas.microsoft.com/office/powerpoint/2010/main" val="115779881"/>
       </p:ext>
     </p:extLst>
   </p:cSld>
@@ -11078,7 +12430,7 @@
                   <a:schemeClr val="bg1"/>
                 </a:solidFill>
               </a:rPr>
-              <a:t>I’m so blessed I’m so blessed</a:t>
+              <a:t>I’m so blessed </a:t>
             </a:r>
           </a:p>
           <a:p>
@@ -11088,7 +12440,7 @@
                   <a:schemeClr val="bg1"/>
                 </a:solidFill>
               </a:rPr>
-              <a:t>Got this heartbeat in my chest</a:t>
+              <a:t>Hallelujah I’m blessed</a:t>
             </a:r>
           </a:p>
           <a:p>
@@ -11098,7 +12450,7 @@
                   <a:schemeClr val="bg1"/>
                 </a:solidFill>
               </a:rPr>
-              <a:t>No it doesn’t matter about the rest</a:t>
+              <a:t>I’m so blessed</a:t>
             </a:r>
           </a:p>
           <a:p>
@@ -11108,7 +12460,7 @@
                   <a:schemeClr val="bg1"/>
                 </a:solidFill>
               </a:rPr>
-              <a:t>If I got You Lord I’m so blessed</a:t>
+              <a:t> Hallelujah I’m blessed</a:t>
             </a:r>
           </a:p>
         </p:txBody>
@@ -11121,8 +12473,8 @@
         </p:nvSpPr>
         <p:spPr>
           <a:xfrm>
-            <a:off x="8529729" y="0"/>
-            <a:ext cx="628698" cy="461665"/>
+            <a:off x="8100392" y="116632"/>
+            <a:ext cx="784189" cy="461665"/>
           </a:xfrm>
           <a:prstGeom prst="rect">
             <a:avLst/>
@@ -11141,7 +12493,7 @@
                   <a:schemeClr val="bg1"/>
                 </a:solidFill>
               </a:rPr>
-              <a:t>4/6</a:t>
+              <a:t>4/10</a:t>
             </a:r>
           </a:p>
         </p:txBody>
@@ -11149,7 +12501,7 @@
     </p:spTree>
     <p:extLst>
       <p:ext uri="{BB962C8B-B14F-4D97-AF65-F5344CB8AC3E}">
-        <p14:creationId xmlns:p14="http://schemas.microsoft.com/office/powerpoint/2010/main" val="115779881"/>
+        <p14:creationId xmlns:p14="http://schemas.microsoft.com/office/powerpoint/2010/main" val="287068606"/>
       </p:ext>
     </p:extLst>
   </p:cSld>
@@ -11247,8 +12599,8 @@
         </p:nvSpPr>
         <p:spPr>
           <a:xfrm>
-            <a:off x="8529729" y="0"/>
-            <a:ext cx="628698" cy="461665"/>
+            <a:off x="8028384" y="116632"/>
+            <a:ext cx="784189" cy="461665"/>
           </a:xfrm>
           <a:prstGeom prst="rect">
             <a:avLst/>
@@ -11267,7 +12619,7 @@
                   <a:schemeClr val="bg1"/>
                 </a:solidFill>
               </a:rPr>
-              <a:t>5/6</a:t>
+              <a:t>5/10</a:t>
             </a:r>
           </a:p>
         </p:txBody>
